--- a/Spectral Clustering.pptx
+++ b/Spectral Clustering.pptx
@@ -4,33 +4,42 @@
   <p:sldMasterIdLst>
     <p:sldMasterId id="2147483696" r:id="rId1"/>
   </p:sldMasterIdLst>
+  <p:notesMasterIdLst>
+    <p:notesMasterId r:id="rId31"/>
+  </p:notesMasterIdLst>
+  <p:handoutMasterIdLst>
+    <p:handoutMasterId r:id="rId32"/>
+  </p:handoutMasterIdLst>
   <p:sldIdLst>
     <p:sldId id="256" r:id="rId2"/>
-    <p:sldId id="257" r:id="rId3"/>
-    <p:sldId id="258" r:id="rId4"/>
-    <p:sldId id="259" r:id="rId5"/>
-    <p:sldId id="458" r:id="rId6"/>
-    <p:sldId id="260" r:id="rId7"/>
-    <p:sldId id="461" r:id="rId8"/>
-    <p:sldId id="459" r:id="rId9"/>
-    <p:sldId id="462" r:id="rId10"/>
-    <p:sldId id="460" r:id="rId11"/>
-    <p:sldId id="463" r:id="rId12"/>
-    <p:sldId id="466" r:id="rId13"/>
-    <p:sldId id="467" r:id="rId14"/>
-    <p:sldId id="468" r:id="rId15"/>
-    <p:sldId id="469" r:id="rId16"/>
-    <p:sldId id="472" r:id="rId17"/>
-    <p:sldId id="473" r:id="rId18"/>
-    <p:sldId id="474" r:id="rId19"/>
-    <p:sldId id="475" r:id="rId20"/>
-    <p:sldId id="476" r:id="rId21"/>
-    <p:sldId id="477" r:id="rId22"/>
-    <p:sldId id="478" r:id="rId23"/>
-    <p:sldId id="479" r:id="rId24"/>
-    <p:sldId id="465" r:id="rId25"/>
-    <p:sldId id="470" r:id="rId26"/>
-    <p:sldId id="471" r:id="rId27"/>
+    <p:sldId id="482" r:id="rId3"/>
+    <p:sldId id="257" r:id="rId4"/>
+    <p:sldId id="480" r:id="rId5"/>
+    <p:sldId id="259" r:id="rId6"/>
+    <p:sldId id="458" r:id="rId7"/>
+    <p:sldId id="260" r:id="rId8"/>
+    <p:sldId id="461" r:id="rId9"/>
+    <p:sldId id="459" r:id="rId10"/>
+    <p:sldId id="462" r:id="rId11"/>
+    <p:sldId id="460" r:id="rId12"/>
+    <p:sldId id="463" r:id="rId13"/>
+    <p:sldId id="483" r:id="rId14"/>
+    <p:sldId id="484" r:id="rId15"/>
+    <p:sldId id="466" r:id="rId16"/>
+    <p:sldId id="467" r:id="rId17"/>
+    <p:sldId id="468" r:id="rId18"/>
+    <p:sldId id="472" r:id="rId19"/>
+    <p:sldId id="473" r:id="rId20"/>
+    <p:sldId id="474" r:id="rId21"/>
+    <p:sldId id="475" r:id="rId22"/>
+    <p:sldId id="476" r:id="rId23"/>
+    <p:sldId id="477" r:id="rId24"/>
+    <p:sldId id="478" r:id="rId25"/>
+    <p:sldId id="479" r:id="rId26"/>
+    <p:sldId id="481" r:id="rId27"/>
+    <p:sldId id="465" r:id="rId28"/>
+    <p:sldId id="470" r:id="rId29"/>
+    <p:sldId id="471" r:id="rId30"/>
   </p:sldIdLst>
   <p:sldSz cx="12192000" cy="6858000"/>
   <p:notesSz cx="6858000" cy="9144000"/>
@@ -135,8 +144,9 @@
         <p14:section name="Default Section" id="{CBB7C53D-E6B4-47D9-B2D1-6FCA49AA963D}">
           <p14:sldIdLst>
             <p14:sldId id="256"/>
+            <p14:sldId id="482"/>
             <p14:sldId id="257"/>
-            <p14:sldId id="258"/>
+            <p14:sldId id="480"/>
           </p14:sldIdLst>
         </p14:section>
         <p14:section name="Untitled Section" id="{96505007-6F35-4CFA-84F8-3DA68C0E6BF1}">
@@ -153,10 +163,11 @@
             <p14:sldId id="462"/>
             <p14:sldId id="460"/>
             <p14:sldId id="463"/>
+            <p14:sldId id="483"/>
+            <p14:sldId id="484"/>
             <p14:sldId id="466"/>
             <p14:sldId id="467"/>
             <p14:sldId id="468"/>
-            <p14:sldId id="469"/>
             <p14:sldId id="472"/>
             <p14:sldId id="473"/>
             <p14:sldId id="474"/>
@@ -165,6 +176,7 @@
             <p14:sldId id="477"/>
             <p14:sldId id="478"/>
             <p14:sldId id="479"/>
+            <p14:sldId id="481"/>
             <p14:sldId id="465"/>
             <p14:sldId id="470"/>
             <p14:sldId id="471"/>
@@ -172,8 +184,551 @@
         </p14:section>
       </p14:sectionLst>
     </p:ext>
+    <p:ext uri="{EFAFB233-063F-42B5-8137-9DF3F51BA10A}">
+      <p15:sldGuideLst xmlns:p15="http://schemas.microsoft.com/office/powerpoint/2012/main"/>
+    </p:ext>
   </p:extLst>
 </p:presentation>
+</file>
+
+<file path=ppt/handoutMasters/handoutMaster1.xml><?xml version="1.0" encoding="utf-8"?>
+<p:handoutMaster xmlns:a="http://schemas.openxmlformats.org/drawingml/2006/main" xmlns:r="http://schemas.openxmlformats.org/officeDocument/2006/relationships" xmlns:p="http://schemas.openxmlformats.org/presentationml/2006/main">
+  <p:cSld>
+    <p:bg>
+      <p:bgRef idx="1001">
+        <a:schemeClr val="bg1"/>
+      </p:bgRef>
+    </p:bg>
+    <p:spTree>
+      <p:nvGrpSpPr>
+        <p:cNvPr id="1" name=""/>
+        <p:cNvGrpSpPr/>
+        <p:nvPr/>
+      </p:nvGrpSpPr>
+      <p:grpSpPr>
+        <a:xfrm>
+          <a:off x="0" y="0"/>
+          <a:ext cx="0" cy="0"/>
+          <a:chOff x="0" y="0"/>
+          <a:chExt cx="0" cy="0"/>
+        </a:xfrm>
+      </p:grpSpPr>
+      <p:sp>
+        <p:nvSpPr>
+          <p:cNvPr id="2" name="Header Placeholder 1">
+            <a:extLst>
+              <a:ext uri="{FF2B5EF4-FFF2-40B4-BE49-F238E27FC236}">
+                <a16:creationId xmlns:a16="http://schemas.microsoft.com/office/drawing/2014/main" id="{FEBFEF5C-A48E-48A4-ACDA-C7D80318D72A}"/>
+              </a:ext>
+            </a:extLst>
+          </p:cNvPr>
+          <p:cNvSpPr>
+            <a:spLocks noGrp="1"/>
+          </p:cNvSpPr>
+          <p:nvPr>
+            <p:ph type="hdr" sz="quarter"/>
+          </p:nvPr>
+        </p:nvSpPr>
+        <p:spPr>
+          <a:xfrm>
+            <a:off x="0" y="0"/>
+            <a:ext cx="2971800" cy="458788"/>
+          </a:xfrm>
+          <a:prstGeom prst="rect">
+            <a:avLst/>
+          </a:prstGeom>
+        </p:spPr>
+        <p:txBody>
+          <a:bodyPr vert="horz" lIns="91440" tIns="45720" rIns="91440" bIns="45720" rtlCol="0"/>
+          <a:lstStyle>
+            <a:lvl1pPr algn="l">
+              <a:defRPr sz="1200"/>
+            </a:lvl1pPr>
+          </a:lstStyle>
+          <a:p>
+            <a:endParaRPr lang="en-US"/>
+          </a:p>
+        </p:txBody>
+      </p:sp>
+      <p:sp>
+        <p:nvSpPr>
+          <p:cNvPr id="3" name="Date Placeholder 2">
+            <a:extLst>
+              <a:ext uri="{FF2B5EF4-FFF2-40B4-BE49-F238E27FC236}">
+                <a16:creationId xmlns:a16="http://schemas.microsoft.com/office/drawing/2014/main" id="{35A8F80F-7F91-4F6E-9753-FC846B1FA6A4}"/>
+              </a:ext>
+            </a:extLst>
+          </p:cNvPr>
+          <p:cNvSpPr>
+            <a:spLocks noGrp="1"/>
+          </p:cNvSpPr>
+          <p:nvPr>
+            <p:ph type="dt" sz="quarter" idx="1"/>
+          </p:nvPr>
+        </p:nvSpPr>
+        <p:spPr>
+          <a:xfrm>
+            <a:off x="3884613" y="0"/>
+            <a:ext cx="2971800" cy="458788"/>
+          </a:xfrm>
+          <a:prstGeom prst="rect">
+            <a:avLst/>
+          </a:prstGeom>
+        </p:spPr>
+        <p:txBody>
+          <a:bodyPr vert="horz" lIns="91440" tIns="45720" rIns="91440" bIns="45720" rtlCol="0"/>
+          <a:lstStyle>
+            <a:lvl1pPr algn="r">
+              <a:defRPr sz="1200"/>
+            </a:lvl1pPr>
+          </a:lstStyle>
+          <a:p>
+            <a:fld id="{9D9431B2-F13A-4095-BC3D-519CE7D024F9}" type="datetimeFigureOut">
+              <a:rPr lang="en-US" smtClean="0"/>
+              <a:t>11/16/2021</a:t>
+            </a:fld>
+            <a:endParaRPr lang="en-US"/>
+          </a:p>
+        </p:txBody>
+      </p:sp>
+      <p:sp>
+        <p:nvSpPr>
+          <p:cNvPr id="4" name="Footer Placeholder 3">
+            <a:extLst>
+              <a:ext uri="{FF2B5EF4-FFF2-40B4-BE49-F238E27FC236}">
+                <a16:creationId xmlns:a16="http://schemas.microsoft.com/office/drawing/2014/main" id="{BAC8B111-C28E-4361-84C3-659D0FEDA77F}"/>
+              </a:ext>
+            </a:extLst>
+          </p:cNvPr>
+          <p:cNvSpPr>
+            <a:spLocks noGrp="1"/>
+          </p:cNvSpPr>
+          <p:nvPr>
+            <p:ph type="ftr" sz="quarter" idx="2"/>
+          </p:nvPr>
+        </p:nvSpPr>
+        <p:spPr>
+          <a:xfrm>
+            <a:off x="0" y="8685213"/>
+            <a:ext cx="2971800" cy="458787"/>
+          </a:xfrm>
+          <a:prstGeom prst="rect">
+            <a:avLst/>
+          </a:prstGeom>
+        </p:spPr>
+        <p:txBody>
+          <a:bodyPr vert="horz" lIns="91440" tIns="45720" rIns="91440" bIns="45720" rtlCol="0" anchor="b"/>
+          <a:lstStyle>
+            <a:lvl1pPr algn="l">
+              <a:defRPr sz="1200"/>
+            </a:lvl1pPr>
+          </a:lstStyle>
+          <a:p>
+            <a:endParaRPr lang="en-US"/>
+          </a:p>
+        </p:txBody>
+      </p:sp>
+      <p:sp>
+        <p:nvSpPr>
+          <p:cNvPr id="5" name="Slide Number Placeholder 4">
+            <a:extLst>
+              <a:ext uri="{FF2B5EF4-FFF2-40B4-BE49-F238E27FC236}">
+                <a16:creationId xmlns:a16="http://schemas.microsoft.com/office/drawing/2014/main" id="{E6D43D93-7FDA-4F3D-B1DD-F5F8DC0E85BC}"/>
+              </a:ext>
+            </a:extLst>
+          </p:cNvPr>
+          <p:cNvSpPr>
+            <a:spLocks noGrp="1"/>
+          </p:cNvSpPr>
+          <p:nvPr>
+            <p:ph type="sldNum" sz="quarter" idx="3"/>
+          </p:nvPr>
+        </p:nvSpPr>
+        <p:spPr>
+          <a:xfrm>
+            <a:off x="3884613" y="8685213"/>
+            <a:ext cx="2971800" cy="458787"/>
+          </a:xfrm>
+          <a:prstGeom prst="rect">
+            <a:avLst/>
+          </a:prstGeom>
+        </p:spPr>
+        <p:txBody>
+          <a:bodyPr vert="horz" lIns="91440" tIns="45720" rIns="91440" bIns="45720" rtlCol="0" anchor="b"/>
+          <a:lstStyle>
+            <a:lvl1pPr algn="r">
+              <a:defRPr sz="1200"/>
+            </a:lvl1pPr>
+          </a:lstStyle>
+          <a:p>
+            <a:fld id="{A8840B57-665C-4CFD-B625-B0E61FA7F261}" type="slidenum">
+              <a:rPr lang="en-US" smtClean="0"/>
+              <a:t>‹#›</a:t>
+            </a:fld>
+            <a:endParaRPr lang="en-US"/>
+          </a:p>
+        </p:txBody>
+      </p:sp>
+    </p:spTree>
+    <p:extLst>
+      <p:ext uri="{BB962C8B-B14F-4D97-AF65-F5344CB8AC3E}">
+        <p14:creationId xmlns:p14="http://schemas.microsoft.com/office/powerpoint/2010/main" val="4134553274"/>
+      </p:ext>
+    </p:extLst>
+  </p:cSld>
+  <p:clrMap bg1="lt1" tx1="dk1" bg2="lt2" tx2="dk2" accent1="accent1" accent2="accent2" accent3="accent3" accent4="accent4" accent5="accent5" accent6="accent6" hlink="hlink" folHlink="folHlink"/>
+  <p:hf hdr="0" ftr="0" dt="0"/>
+</p:handoutMaster>
+</file>
+
+<file path=ppt/notesMasters/notesMaster1.xml><?xml version="1.0" encoding="utf-8"?>
+<p:notesMaster xmlns:a="http://schemas.openxmlformats.org/drawingml/2006/main" xmlns:r="http://schemas.openxmlformats.org/officeDocument/2006/relationships" xmlns:p="http://schemas.openxmlformats.org/presentationml/2006/main">
+  <p:cSld>
+    <p:bg>
+      <p:bgRef idx="1001">
+        <a:schemeClr val="bg1"/>
+      </p:bgRef>
+    </p:bg>
+    <p:spTree>
+      <p:nvGrpSpPr>
+        <p:cNvPr id="1" name=""/>
+        <p:cNvGrpSpPr/>
+        <p:nvPr/>
+      </p:nvGrpSpPr>
+      <p:grpSpPr>
+        <a:xfrm>
+          <a:off x="0" y="0"/>
+          <a:ext cx="0" cy="0"/>
+          <a:chOff x="0" y="0"/>
+          <a:chExt cx="0" cy="0"/>
+        </a:xfrm>
+      </p:grpSpPr>
+      <p:sp>
+        <p:nvSpPr>
+          <p:cNvPr id="2" name="Header Placeholder 1"/>
+          <p:cNvSpPr>
+            <a:spLocks noGrp="1"/>
+          </p:cNvSpPr>
+          <p:nvPr>
+            <p:ph type="hdr" sz="quarter"/>
+          </p:nvPr>
+        </p:nvSpPr>
+        <p:spPr>
+          <a:xfrm>
+            <a:off x="0" y="0"/>
+            <a:ext cx="2971800" cy="458788"/>
+          </a:xfrm>
+          <a:prstGeom prst="rect">
+            <a:avLst/>
+          </a:prstGeom>
+        </p:spPr>
+        <p:txBody>
+          <a:bodyPr vert="horz" lIns="91440" tIns="45720" rIns="91440" bIns="45720" rtlCol="0"/>
+          <a:lstStyle>
+            <a:lvl1pPr algn="l">
+              <a:defRPr sz="1200"/>
+            </a:lvl1pPr>
+          </a:lstStyle>
+          <a:p>
+            <a:endParaRPr lang="en-US"/>
+          </a:p>
+        </p:txBody>
+      </p:sp>
+      <p:sp>
+        <p:nvSpPr>
+          <p:cNvPr id="3" name="Date Placeholder 2"/>
+          <p:cNvSpPr>
+            <a:spLocks noGrp="1"/>
+          </p:cNvSpPr>
+          <p:nvPr>
+            <p:ph type="dt" idx="1"/>
+          </p:nvPr>
+        </p:nvSpPr>
+        <p:spPr>
+          <a:xfrm>
+            <a:off x="3884613" y="0"/>
+            <a:ext cx="2971800" cy="458788"/>
+          </a:xfrm>
+          <a:prstGeom prst="rect">
+            <a:avLst/>
+          </a:prstGeom>
+        </p:spPr>
+        <p:txBody>
+          <a:bodyPr vert="horz" lIns="91440" tIns="45720" rIns="91440" bIns="45720" rtlCol="0"/>
+          <a:lstStyle>
+            <a:lvl1pPr algn="r">
+              <a:defRPr sz="1200"/>
+            </a:lvl1pPr>
+          </a:lstStyle>
+          <a:p>
+            <a:fld id="{82BB766D-1BF8-40C3-BDE4-62769B264BCB}" type="datetimeFigureOut">
+              <a:rPr lang="en-US" smtClean="0"/>
+              <a:t>11/16/2021</a:t>
+            </a:fld>
+            <a:endParaRPr lang="en-US"/>
+          </a:p>
+        </p:txBody>
+      </p:sp>
+      <p:sp>
+        <p:nvSpPr>
+          <p:cNvPr id="4" name="Slide Image Placeholder 3"/>
+          <p:cNvSpPr>
+            <a:spLocks noGrp="1" noRot="1" noChangeAspect="1"/>
+          </p:cNvSpPr>
+          <p:nvPr>
+            <p:ph type="sldImg" idx="2"/>
+          </p:nvPr>
+        </p:nvSpPr>
+        <p:spPr>
+          <a:xfrm>
+            <a:off x="685800" y="1143000"/>
+            <a:ext cx="5486400" cy="3086100"/>
+          </a:xfrm>
+          <a:prstGeom prst="rect">
+            <a:avLst/>
+          </a:prstGeom>
+          <a:noFill/>
+          <a:ln w="12700">
+            <a:solidFill>
+              <a:prstClr val="black"/>
+            </a:solidFill>
+          </a:ln>
+        </p:spPr>
+        <p:txBody>
+          <a:bodyPr vert="horz" lIns="91440" tIns="45720" rIns="91440" bIns="45720" rtlCol="0" anchor="ctr"/>
+          <a:lstStyle/>
+          <a:p>
+            <a:endParaRPr lang="en-US"/>
+          </a:p>
+        </p:txBody>
+      </p:sp>
+      <p:sp>
+        <p:nvSpPr>
+          <p:cNvPr id="5" name="Notes Placeholder 4"/>
+          <p:cNvSpPr>
+            <a:spLocks noGrp="1"/>
+          </p:cNvSpPr>
+          <p:nvPr>
+            <p:ph type="body" sz="quarter" idx="3"/>
+          </p:nvPr>
+        </p:nvSpPr>
+        <p:spPr>
+          <a:xfrm>
+            <a:off x="685800" y="4400550"/>
+            <a:ext cx="5486400" cy="3600450"/>
+          </a:xfrm>
+          <a:prstGeom prst="rect">
+            <a:avLst/>
+          </a:prstGeom>
+        </p:spPr>
+        <p:txBody>
+          <a:bodyPr vert="horz" lIns="91440" tIns="45720" rIns="91440" bIns="45720" rtlCol="0"/>
+          <a:lstStyle/>
+          <a:p>
+            <a:pPr lvl="0"/>
+            <a:r>
+              <a:rPr lang="en-US"/>
+              <a:t>Click to edit Master text styles</a:t>
+            </a:r>
+          </a:p>
+          <a:p>
+            <a:pPr lvl="1"/>
+            <a:r>
+              <a:rPr lang="en-US"/>
+              <a:t>Second level</a:t>
+            </a:r>
+          </a:p>
+          <a:p>
+            <a:pPr lvl="2"/>
+            <a:r>
+              <a:rPr lang="en-US"/>
+              <a:t>Third level</a:t>
+            </a:r>
+          </a:p>
+          <a:p>
+            <a:pPr lvl="3"/>
+            <a:r>
+              <a:rPr lang="en-US"/>
+              <a:t>Fourth level</a:t>
+            </a:r>
+          </a:p>
+          <a:p>
+            <a:pPr lvl="4"/>
+            <a:r>
+              <a:rPr lang="en-US"/>
+              <a:t>Fifth level</a:t>
+            </a:r>
+          </a:p>
+        </p:txBody>
+      </p:sp>
+      <p:sp>
+        <p:nvSpPr>
+          <p:cNvPr id="6" name="Footer Placeholder 5"/>
+          <p:cNvSpPr>
+            <a:spLocks noGrp="1"/>
+          </p:cNvSpPr>
+          <p:nvPr>
+            <p:ph type="ftr" sz="quarter" idx="4"/>
+          </p:nvPr>
+        </p:nvSpPr>
+        <p:spPr>
+          <a:xfrm>
+            <a:off x="0" y="8685213"/>
+            <a:ext cx="2971800" cy="458787"/>
+          </a:xfrm>
+          <a:prstGeom prst="rect">
+            <a:avLst/>
+          </a:prstGeom>
+        </p:spPr>
+        <p:txBody>
+          <a:bodyPr vert="horz" lIns="91440" tIns="45720" rIns="91440" bIns="45720" rtlCol="0" anchor="b"/>
+          <a:lstStyle>
+            <a:lvl1pPr algn="l">
+              <a:defRPr sz="1200"/>
+            </a:lvl1pPr>
+          </a:lstStyle>
+          <a:p>
+            <a:endParaRPr lang="en-US"/>
+          </a:p>
+        </p:txBody>
+      </p:sp>
+      <p:sp>
+        <p:nvSpPr>
+          <p:cNvPr id="7" name="Slide Number Placeholder 6"/>
+          <p:cNvSpPr>
+            <a:spLocks noGrp="1"/>
+          </p:cNvSpPr>
+          <p:nvPr>
+            <p:ph type="sldNum" sz="quarter" idx="5"/>
+          </p:nvPr>
+        </p:nvSpPr>
+        <p:spPr>
+          <a:xfrm>
+            <a:off x="3884613" y="8685213"/>
+            <a:ext cx="2971800" cy="458787"/>
+          </a:xfrm>
+          <a:prstGeom prst="rect">
+            <a:avLst/>
+          </a:prstGeom>
+        </p:spPr>
+        <p:txBody>
+          <a:bodyPr vert="horz" lIns="91440" tIns="45720" rIns="91440" bIns="45720" rtlCol="0" anchor="b"/>
+          <a:lstStyle>
+            <a:lvl1pPr algn="r">
+              <a:defRPr sz="1200"/>
+            </a:lvl1pPr>
+          </a:lstStyle>
+          <a:p>
+            <a:fld id="{34A9FCAB-F591-4F93-9B94-4335C91031FB}" type="slidenum">
+              <a:rPr lang="en-US" smtClean="0"/>
+              <a:t>‹#›</a:t>
+            </a:fld>
+            <a:endParaRPr lang="en-US"/>
+          </a:p>
+        </p:txBody>
+      </p:sp>
+    </p:spTree>
+    <p:extLst>
+      <p:ext uri="{BB962C8B-B14F-4D97-AF65-F5344CB8AC3E}">
+        <p14:creationId xmlns:p14="http://schemas.microsoft.com/office/powerpoint/2010/main" val="3761482753"/>
+      </p:ext>
+    </p:extLst>
+  </p:cSld>
+  <p:clrMap bg1="lt1" tx1="dk1" bg2="lt2" tx2="dk2" accent1="accent1" accent2="accent2" accent3="accent3" accent4="accent4" accent5="accent5" accent6="accent6" hlink="hlink" folHlink="folHlink"/>
+  <p:hf hdr="0" ftr="0" dt="0"/>
+  <p:notesStyle>
+    <a:lvl1pPr marL="0" algn="l" defTabSz="914400" rtl="0" eaLnBrk="1" latinLnBrk="0" hangingPunct="1">
+      <a:defRPr sz="1200" kern="1200">
+        <a:solidFill>
+          <a:schemeClr val="tx1"/>
+        </a:solidFill>
+        <a:latin typeface="+mn-lt"/>
+        <a:ea typeface="+mn-ea"/>
+        <a:cs typeface="+mn-cs"/>
+      </a:defRPr>
+    </a:lvl1pPr>
+    <a:lvl2pPr marL="457200" algn="l" defTabSz="914400" rtl="0" eaLnBrk="1" latinLnBrk="0" hangingPunct="1">
+      <a:defRPr sz="1200" kern="1200">
+        <a:solidFill>
+          <a:schemeClr val="tx1"/>
+        </a:solidFill>
+        <a:latin typeface="+mn-lt"/>
+        <a:ea typeface="+mn-ea"/>
+        <a:cs typeface="+mn-cs"/>
+      </a:defRPr>
+    </a:lvl2pPr>
+    <a:lvl3pPr marL="914400" algn="l" defTabSz="914400" rtl="0" eaLnBrk="1" latinLnBrk="0" hangingPunct="1">
+      <a:defRPr sz="1200" kern="1200">
+        <a:solidFill>
+          <a:schemeClr val="tx1"/>
+        </a:solidFill>
+        <a:latin typeface="+mn-lt"/>
+        <a:ea typeface="+mn-ea"/>
+        <a:cs typeface="+mn-cs"/>
+      </a:defRPr>
+    </a:lvl3pPr>
+    <a:lvl4pPr marL="1371600" algn="l" defTabSz="914400" rtl="0" eaLnBrk="1" latinLnBrk="0" hangingPunct="1">
+      <a:defRPr sz="1200" kern="1200">
+        <a:solidFill>
+          <a:schemeClr val="tx1"/>
+        </a:solidFill>
+        <a:latin typeface="+mn-lt"/>
+        <a:ea typeface="+mn-ea"/>
+        <a:cs typeface="+mn-cs"/>
+      </a:defRPr>
+    </a:lvl4pPr>
+    <a:lvl5pPr marL="1828800" algn="l" defTabSz="914400" rtl="0" eaLnBrk="1" latinLnBrk="0" hangingPunct="1">
+      <a:defRPr sz="1200" kern="1200">
+        <a:solidFill>
+          <a:schemeClr val="tx1"/>
+        </a:solidFill>
+        <a:latin typeface="+mn-lt"/>
+        <a:ea typeface="+mn-ea"/>
+        <a:cs typeface="+mn-cs"/>
+      </a:defRPr>
+    </a:lvl5pPr>
+    <a:lvl6pPr marL="2286000" algn="l" defTabSz="914400" rtl="0" eaLnBrk="1" latinLnBrk="0" hangingPunct="1">
+      <a:defRPr sz="1200" kern="1200">
+        <a:solidFill>
+          <a:schemeClr val="tx1"/>
+        </a:solidFill>
+        <a:latin typeface="+mn-lt"/>
+        <a:ea typeface="+mn-ea"/>
+        <a:cs typeface="+mn-cs"/>
+      </a:defRPr>
+    </a:lvl6pPr>
+    <a:lvl7pPr marL="2743200" algn="l" defTabSz="914400" rtl="0" eaLnBrk="1" latinLnBrk="0" hangingPunct="1">
+      <a:defRPr sz="1200" kern="1200">
+        <a:solidFill>
+          <a:schemeClr val="tx1"/>
+        </a:solidFill>
+        <a:latin typeface="+mn-lt"/>
+        <a:ea typeface="+mn-ea"/>
+        <a:cs typeface="+mn-cs"/>
+      </a:defRPr>
+    </a:lvl7pPr>
+    <a:lvl8pPr marL="3200400" algn="l" defTabSz="914400" rtl="0" eaLnBrk="1" latinLnBrk="0" hangingPunct="1">
+      <a:defRPr sz="1200" kern="1200">
+        <a:solidFill>
+          <a:schemeClr val="tx1"/>
+        </a:solidFill>
+        <a:latin typeface="+mn-lt"/>
+        <a:ea typeface="+mn-ea"/>
+        <a:cs typeface="+mn-cs"/>
+      </a:defRPr>
+    </a:lvl8pPr>
+    <a:lvl9pPr marL="3657600" algn="l" defTabSz="914400" rtl="0" eaLnBrk="1" latinLnBrk="0" hangingPunct="1">
+      <a:defRPr sz="1200" kern="1200">
+        <a:solidFill>
+          <a:schemeClr val="tx1"/>
+        </a:solidFill>
+        <a:latin typeface="+mn-lt"/>
+        <a:ea typeface="+mn-ea"/>
+        <a:cs typeface="+mn-cs"/>
+      </a:defRPr>
+    </a:lvl9pPr>
+  </p:notesStyle>
+</p:notesMaster>
 </file>
 
 <file path=ppt/slideLayouts/slideLayout1.xml><?xml version="1.0" encoding="utf-8"?>
@@ -321,9 +876,9 @@
           <a:bodyPr/>
           <a:lstStyle/>
           <a:p>
-            <a:fld id="{31AFCD57-97BF-4E78-B710-7A504C14ACD0}" type="datetimeFigureOut">
+            <a:fld id="{A0ACF1B1-1ED0-47A7-AA3D-F823BD46BD55}" type="datetime1">
               <a:rPr lang="en-US" smtClean="0"/>
-              <a:t>10/19/2021</a:t>
+              <a:t>11/16/2021</a:t>
             </a:fld>
             <a:endParaRPr lang="en-US"/>
           </a:p>
@@ -519,9 +1074,9 @@
           <a:bodyPr/>
           <a:lstStyle/>
           <a:p>
-            <a:fld id="{31AFCD57-97BF-4E78-B710-7A504C14ACD0}" type="datetimeFigureOut">
+            <a:fld id="{D957F1B1-3E7A-4100-B380-4F91C4CC9885}" type="datetime1">
               <a:rPr lang="en-US" smtClean="0"/>
-              <a:t>10/19/2021</a:t>
+              <a:t>11/16/2021</a:t>
             </a:fld>
             <a:endParaRPr lang="en-US"/>
           </a:p>
@@ -727,9 +1282,9 @@
           <a:bodyPr/>
           <a:lstStyle/>
           <a:p>
-            <a:fld id="{31AFCD57-97BF-4E78-B710-7A504C14ACD0}" type="datetimeFigureOut">
+            <a:fld id="{0E0838C3-4B4B-47A2-B6D6-6FA0901D555C}" type="datetime1">
               <a:rPr lang="en-US" smtClean="0"/>
-              <a:t>10/19/2021</a:t>
+              <a:t>11/16/2021</a:t>
             </a:fld>
             <a:endParaRPr lang="en-US"/>
           </a:p>
@@ -925,9 +1480,9 @@
           <a:bodyPr/>
           <a:lstStyle/>
           <a:p>
-            <a:fld id="{31AFCD57-97BF-4E78-B710-7A504C14ACD0}" type="datetimeFigureOut">
+            <a:fld id="{019A40FA-7703-41C5-9BBB-2E9AB271C434}" type="datetime1">
               <a:rPr lang="en-US" smtClean="0"/>
-              <a:t>10/19/2021</a:t>
+              <a:t>11/16/2021</a:t>
             </a:fld>
             <a:endParaRPr lang="en-US"/>
           </a:p>
@@ -1200,9 +1755,9 @@
           <a:bodyPr/>
           <a:lstStyle/>
           <a:p>
-            <a:fld id="{31AFCD57-97BF-4E78-B710-7A504C14ACD0}" type="datetimeFigureOut">
+            <a:fld id="{BF17B38E-DDBA-4883-BDAD-4DD1828C3C51}" type="datetime1">
               <a:rPr lang="en-US" smtClean="0"/>
-              <a:t>10/19/2021</a:t>
+              <a:t>11/16/2021</a:t>
             </a:fld>
             <a:endParaRPr lang="en-US"/>
           </a:p>
@@ -1465,9 +2020,9 @@
           <a:bodyPr/>
           <a:lstStyle/>
           <a:p>
-            <a:fld id="{31AFCD57-97BF-4E78-B710-7A504C14ACD0}" type="datetimeFigureOut">
+            <a:fld id="{8165CB87-3A8B-43C4-A494-C21C4E40A0F7}" type="datetime1">
               <a:rPr lang="en-US" smtClean="0"/>
-              <a:t>10/19/2021</a:t>
+              <a:t>11/16/2021</a:t>
             </a:fld>
             <a:endParaRPr lang="en-US"/>
           </a:p>
@@ -1877,9 +2432,9 @@
           <a:bodyPr/>
           <a:lstStyle/>
           <a:p>
-            <a:fld id="{31AFCD57-97BF-4E78-B710-7A504C14ACD0}" type="datetimeFigureOut">
+            <a:fld id="{036B6121-92B7-4E08-A242-9D9FA206847D}" type="datetime1">
               <a:rPr lang="en-US" smtClean="0"/>
-              <a:t>10/19/2021</a:t>
+              <a:t>11/16/2021</a:t>
             </a:fld>
             <a:endParaRPr lang="en-US"/>
           </a:p>
@@ -2018,9 +2573,9 @@
           <a:bodyPr/>
           <a:lstStyle/>
           <a:p>
-            <a:fld id="{31AFCD57-97BF-4E78-B710-7A504C14ACD0}" type="datetimeFigureOut">
+            <a:fld id="{63699332-17A0-464E-A8E9-0A00FDE1135C}" type="datetime1">
               <a:rPr lang="en-US" smtClean="0"/>
-              <a:t>10/19/2021</a:t>
+              <a:t>11/16/2021</a:t>
             </a:fld>
             <a:endParaRPr lang="en-US"/>
           </a:p>
@@ -2131,9 +2686,9 @@
           <a:bodyPr/>
           <a:lstStyle/>
           <a:p>
-            <a:fld id="{31AFCD57-97BF-4E78-B710-7A504C14ACD0}" type="datetimeFigureOut">
+            <a:fld id="{076DBD1F-E15A-49FA-B7E8-69D3F148E8BD}" type="datetime1">
               <a:rPr lang="en-US" smtClean="0"/>
-              <a:t>10/19/2021</a:t>
+              <a:t>11/16/2021</a:t>
             </a:fld>
             <a:endParaRPr lang="en-US"/>
           </a:p>
@@ -2442,9 +2997,9 @@
           <a:bodyPr/>
           <a:lstStyle/>
           <a:p>
-            <a:fld id="{31AFCD57-97BF-4E78-B710-7A504C14ACD0}" type="datetimeFigureOut">
+            <a:fld id="{A577F00B-4017-4898-99E9-8200268EBBDD}" type="datetime1">
               <a:rPr lang="en-US" smtClean="0"/>
-              <a:t>10/19/2021</a:t>
+              <a:t>11/16/2021</a:t>
             </a:fld>
             <a:endParaRPr lang="en-US"/>
           </a:p>
@@ -2730,9 +3285,9 @@
           <a:bodyPr/>
           <a:lstStyle/>
           <a:p>
-            <a:fld id="{31AFCD57-97BF-4E78-B710-7A504C14ACD0}" type="datetimeFigureOut">
+            <a:fld id="{461683F0-BE59-4635-AB6A-5F2379109E63}" type="datetime1">
               <a:rPr lang="en-US" smtClean="0"/>
-              <a:t>10/19/2021</a:t>
+              <a:t>11/16/2021</a:t>
             </a:fld>
             <a:endParaRPr lang="en-US"/>
           </a:p>
@@ -2971,9 +3526,9 @@
             </a:lvl1pPr>
           </a:lstStyle>
           <a:p>
-            <a:fld id="{31AFCD57-97BF-4E78-B710-7A504C14ACD0}" type="datetimeFigureOut">
+            <a:fld id="{6B712D2A-010E-4603-A488-A51988405119}" type="datetime1">
               <a:rPr lang="en-US" smtClean="0"/>
-              <a:t>10/19/2021</a:t>
+              <a:t>11/16/2021</a:t>
             </a:fld>
             <a:endParaRPr lang="en-US"/>
           </a:p>
@@ -3090,6 +3645,7 @@
     <p:sldLayoutId id="2147483706" r:id="rId10"/>
     <p:sldLayoutId id="2147483707" r:id="rId11"/>
   </p:sldLayoutIdLst>
+  <p:hf sldNum="0" hdr="0" dt="0"/>
   <p:txStyles>
     <p:titleStyle>
       <a:lvl1pPr algn="l" defTabSz="914400" rtl="0" eaLnBrk="1" latinLnBrk="0" hangingPunct="1">
@@ -3451,6 +4007,31 @@
           </a:p>
         </p:txBody>
       </p:sp>
+      <p:sp>
+        <p:nvSpPr>
+          <p:cNvPr id="4" name="Footer Placeholder 3">
+            <a:extLst>
+              <a:ext uri="{FF2B5EF4-FFF2-40B4-BE49-F238E27FC236}">
+                <a16:creationId xmlns:a16="http://schemas.microsoft.com/office/drawing/2014/main" id="{4F0054E3-A86C-4538-A8C1-7C17DE337676}"/>
+              </a:ext>
+            </a:extLst>
+          </p:cNvPr>
+          <p:cNvSpPr>
+            <a:spLocks noGrp="1"/>
+          </p:cNvSpPr>
+          <p:nvPr>
+            <p:ph type="ftr" sz="quarter" idx="11"/>
+          </p:nvPr>
+        </p:nvSpPr>
+        <p:spPr/>
+        <p:txBody>
+          <a:bodyPr/>
+          <a:lstStyle/>
+          <a:p>
+            <a:endParaRPr lang="en-US" dirty="0"/>
+          </a:p>
+        </p:txBody>
+      </p:sp>
     </p:spTree>
     <p:extLst>
       <p:ext uri="{BB962C8B-B14F-4D97-AF65-F5344CB8AC3E}">
@@ -3486,7 +4067,7 @@
           <p:cNvPr id="2" name="Title 1">
             <a:extLst>
               <a:ext uri="{FF2B5EF4-FFF2-40B4-BE49-F238E27FC236}">
-                <a16:creationId xmlns:a16="http://schemas.microsoft.com/office/drawing/2014/main" id="{47E53704-C176-49BA-9C07-B63157452861}"/>
+                <a16:creationId xmlns:a16="http://schemas.microsoft.com/office/drawing/2014/main" id="{4CD30A91-8CE0-430A-9372-6DECEF380E4E}"/>
               </a:ext>
             </a:extLst>
           </p:cNvPr>
@@ -3504,17 +4085,46 @@
           <a:p>
             <a:r>
               <a:rPr lang="en-US" dirty="0"/>
-              <a:t>Laplacian Matrix (L)</a:t>
+              <a:t>Degree Matrix(D)</a:t>
             </a:r>
           </a:p>
         </p:txBody>
       </p:sp>
+      <p:pic>
+        <p:nvPicPr>
+          <p:cNvPr id="5" name="Content Placeholder 4">
+            <a:extLst>
+              <a:ext uri="{FF2B5EF4-FFF2-40B4-BE49-F238E27FC236}">
+                <a16:creationId xmlns:a16="http://schemas.microsoft.com/office/drawing/2014/main" id="{0327506A-DE35-4891-81EE-715ED21FAB30}"/>
+              </a:ext>
+            </a:extLst>
+          </p:cNvPr>
+          <p:cNvPicPr>
+            <a:picLocks noGrp="1" noChangeAspect="1"/>
+          </p:cNvPicPr>
+          <p:nvPr>
+            <p:ph idx="1"/>
+          </p:nvPr>
+        </p:nvPicPr>
+        <p:blipFill>
+          <a:blip r:embed="rId2"/>
+          <a:stretch>
+            <a:fillRect/>
+          </a:stretch>
+        </p:blipFill>
+        <p:spPr>
+          <a:xfrm>
+            <a:off x="969200" y="1476156"/>
+            <a:ext cx="7186841" cy="4351338"/>
+          </a:xfrm>
+        </p:spPr>
+      </p:pic>
       <p:sp>
         <p:nvSpPr>
-          <p:cNvPr id="3" name="Content Placeholder 2">
+          <p:cNvPr id="3" name="Footer Placeholder 2">
             <a:extLst>
               <a:ext uri="{FF2B5EF4-FFF2-40B4-BE49-F238E27FC236}">
-                <a16:creationId xmlns:a16="http://schemas.microsoft.com/office/drawing/2014/main" id="{7BE32B7B-EF0E-4F76-84BE-B16E113AD871}"/>
+                <a16:creationId xmlns:a16="http://schemas.microsoft.com/office/drawing/2014/main" id="{A24CE894-00CA-46D2-8C45-D0E7428D2B5E}"/>
               </a:ext>
             </a:extLst>
           </p:cNvPr>
@@ -3522,7 +4132,7 @@
             <a:spLocks noGrp="1"/>
           </p:cNvSpPr>
           <p:nvPr>
-            <p:ph idx="1"/>
+            <p:ph type="ftr" sz="quarter" idx="11"/>
           </p:nvPr>
         </p:nvSpPr>
         <p:spPr/>
@@ -3530,44 +4140,14 @@
           <a:bodyPr/>
           <a:lstStyle/>
           <a:p>
-            <a:pPr marL="0" indent="0">
-              <a:buNone/>
-            </a:pPr>
-            <a:r>
-              <a:rPr lang="en-US" dirty="0"/>
-              <a:t>Laplacian Matrix (L) = Degree Matrix(D) – Adjacency Matrix(A)</a:t>
-            </a:r>
-          </a:p>
-          <a:p>
-            <a:pPr marL="0" indent="0">
-              <a:buNone/>
-            </a:pPr>
-            <a:endParaRPr lang="en-US" dirty="0"/>
-          </a:p>
-          <a:p>
-            <a:pPr marL="0" indent="0">
-              <a:buNone/>
-            </a:pPr>
-            <a:r>
-              <a:rPr lang="en-US" dirty="0"/>
-              <a:t>If weighted graph : </a:t>
-            </a:r>
-          </a:p>
-          <a:p>
-            <a:pPr marL="0" indent="0">
-              <a:buNone/>
-            </a:pPr>
-            <a:r>
-              <a:rPr lang="en-US" dirty="0"/>
-              <a:t>Laplacian Matrix (L) =  Degree Matrix(D) – Similarity Matrix (W)</a:t>
-            </a:r>
+            <a:endParaRPr lang="en-US"/>
           </a:p>
         </p:txBody>
       </p:sp>
     </p:spTree>
     <p:extLst>
       <p:ext uri="{BB962C8B-B14F-4D97-AF65-F5344CB8AC3E}">
-        <p14:creationId xmlns:p14="http://schemas.microsoft.com/office/powerpoint/2010/main" val="855706130"/>
+        <p14:creationId xmlns:p14="http://schemas.microsoft.com/office/powerpoint/2010/main" val="2364306343"/>
       </p:ext>
     </p:extLst>
   </p:cSld>
@@ -3599,6 +4179,144 @@
           <p:cNvPr id="2" name="Title 1">
             <a:extLst>
               <a:ext uri="{FF2B5EF4-FFF2-40B4-BE49-F238E27FC236}">
+                <a16:creationId xmlns:a16="http://schemas.microsoft.com/office/drawing/2014/main" id="{47E53704-C176-49BA-9C07-B63157452861}"/>
+              </a:ext>
+            </a:extLst>
+          </p:cNvPr>
+          <p:cNvSpPr>
+            <a:spLocks noGrp="1"/>
+          </p:cNvSpPr>
+          <p:nvPr>
+            <p:ph type="title"/>
+          </p:nvPr>
+        </p:nvSpPr>
+        <p:spPr/>
+        <p:txBody>
+          <a:bodyPr/>
+          <a:lstStyle/>
+          <a:p>
+            <a:r>
+              <a:rPr lang="en-US" dirty="0"/>
+              <a:t>Laplacian Matrix (L)</a:t>
+            </a:r>
+          </a:p>
+        </p:txBody>
+      </p:sp>
+      <p:sp>
+        <p:nvSpPr>
+          <p:cNvPr id="3" name="Content Placeholder 2">
+            <a:extLst>
+              <a:ext uri="{FF2B5EF4-FFF2-40B4-BE49-F238E27FC236}">
+                <a16:creationId xmlns:a16="http://schemas.microsoft.com/office/drawing/2014/main" id="{7BE32B7B-EF0E-4F76-84BE-B16E113AD871}"/>
+              </a:ext>
+            </a:extLst>
+          </p:cNvPr>
+          <p:cNvSpPr>
+            <a:spLocks noGrp="1"/>
+          </p:cNvSpPr>
+          <p:nvPr>
+            <p:ph idx="1"/>
+          </p:nvPr>
+        </p:nvSpPr>
+        <p:spPr/>
+        <p:txBody>
+          <a:bodyPr/>
+          <a:lstStyle/>
+          <a:p>
+            <a:pPr marL="0" indent="0">
+              <a:buNone/>
+            </a:pPr>
+            <a:r>
+              <a:rPr lang="en-US" dirty="0"/>
+              <a:t>Laplacian Matrix (L) = Degree Matrix(D) – Adjacency Matrix(A)</a:t>
+            </a:r>
+          </a:p>
+          <a:p>
+            <a:pPr marL="0" indent="0">
+              <a:buNone/>
+            </a:pPr>
+            <a:endParaRPr lang="en-US" dirty="0"/>
+          </a:p>
+          <a:p>
+            <a:pPr marL="0" indent="0">
+              <a:buNone/>
+            </a:pPr>
+            <a:r>
+              <a:rPr lang="en-US" dirty="0"/>
+              <a:t>If weighted graph : </a:t>
+            </a:r>
+          </a:p>
+          <a:p>
+            <a:pPr marL="0" indent="0">
+              <a:buNone/>
+            </a:pPr>
+            <a:r>
+              <a:rPr lang="en-US" dirty="0"/>
+              <a:t>Laplacian Matrix (L) =  Degree Matrix(D) – Similarity Matrix (W)</a:t>
+            </a:r>
+          </a:p>
+        </p:txBody>
+      </p:sp>
+      <p:sp>
+        <p:nvSpPr>
+          <p:cNvPr id="4" name="Footer Placeholder 3">
+            <a:extLst>
+              <a:ext uri="{FF2B5EF4-FFF2-40B4-BE49-F238E27FC236}">
+                <a16:creationId xmlns:a16="http://schemas.microsoft.com/office/drawing/2014/main" id="{FD9E3746-822E-4842-BC09-3CCD81885C40}"/>
+              </a:ext>
+            </a:extLst>
+          </p:cNvPr>
+          <p:cNvSpPr>
+            <a:spLocks noGrp="1"/>
+          </p:cNvSpPr>
+          <p:nvPr>
+            <p:ph type="ftr" sz="quarter" idx="11"/>
+          </p:nvPr>
+        </p:nvSpPr>
+        <p:spPr/>
+        <p:txBody>
+          <a:bodyPr/>
+          <a:lstStyle/>
+          <a:p>
+            <a:endParaRPr lang="en-US"/>
+          </a:p>
+        </p:txBody>
+      </p:sp>
+    </p:spTree>
+    <p:extLst>
+      <p:ext uri="{BB962C8B-B14F-4D97-AF65-F5344CB8AC3E}">
+        <p14:creationId xmlns:p14="http://schemas.microsoft.com/office/powerpoint/2010/main" val="855706130"/>
+      </p:ext>
+    </p:extLst>
+  </p:cSld>
+  <p:clrMapOvr>
+    <a:masterClrMapping/>
+  </p:clrMapOvr>
+</p:sld>
+</file>
+
+<file path=ppt/slides/slide12.xml><?xml version="1.0" encoding="utf-8"?>
+<p:sld xmlns:a="http://schemas.openxmlformats.org/drawingml/2006/main" xmlns:r="http://schemas.openxmlformats.org/officeDocument/2006/relationships" xmlns:p="http://schemas.openxmlformats.org/presentationml/2006/main">
+  <p:cSld>
+    <p:spTree>
+      <p:nvGrpSpPr>
+        <p:cNvPr id="1" name=""/>
+        <p:cNvGrpSpPr/>
+        <p:nvPr/>
+      </p:nvGrpSpPr>
+      <p:grpSpPr>
+        <a:xfrm>
+          <a:off x="0" y="0"/>
+          <a:ext cx="0" cy="0"/>
+          <a:chOff x="0" y="0"/>
+          <a:chExt cx="0" cy="0"/>
+        </a:xfrm>
+      </p:grpSpPr>
+      <p:sp>
+        <p:nvSpPr>
+          <p:cNvPr id="2" name="Title 1">
+            <a:extLst>
+              <a:ext uri="{FF2B5EF4-FFF2-40B4-BE49-F238E27FC236}">
                 <a16:creationId xmlns:a16="http://schemas.microsoft.com/office/drawing/2014/main" id="{C9C19137-1145-4930-8B04-38F1D4B83558}"/>
               </a:ext>
             </a:extLst>
@@ -3652,6 +4370,31 @@
           </a:prstGeom>
         </p:spPr>
       </p:pic>
+      <p:sp>
+        <p:nvSpPr>
+          <p:cNvPr id="3" name="Footer Placeholder 2">
+            <a:extLst>
+              <a:ext uri="{FF2B5EF4-FFF2-40B4-BE49-F238E27FC236}">
+                <a16:creationId xmlns:a16="http://schemas.microsoft.com/office/drawing/2014/main" id="{5DD2AF75-00DB-40A6-98FC-6111C0B7E0EE}"/>
+              </a:ext>
+            </a:extLst>
+          </p:cNvPr>
+          <p:cNvSpPr>
+            <a:spLocks noGrp="1"/>
+          </p:cNvSpPr>
+          <p:nvPr>
+            <p:ph type="ftr" sz="quarter" idx="11"/>
+          </p:nvPr>
+        </p:nvSpPr>
+        <p:spPr/>
+        <p:txBody>
+          <a:bodyPr/>
+          <a:lstStyle/>
+          <a:p>
+            <a:endParaRPr lang="en-US"/>
+          </a:p>
+        </p:txBody>
+      </p:sp>
     </p:spTree>
     <p:extLst>
       <p:ext uri="{BB962C8B-B14F-4D97-AF65-F5344CB8AC3E}">
@@ -3665,8 +4408,252 @@
 </p:sld>
 </file>
 
-<file path=ppt/slides/slide12.xml><?xml version="1.0" encoding="utf-8"?>
+<file path=ppt/slides/slide13.xml><?xml version="1.0" encoding="utf-8"?>
 <p:sld xmlns:a="http://schemas.openxmlformats.org/drawingml/2006/main" xmlns:r="http://schemas.openxmlformats.org/officeDocument/2006/relationships" xmlns:p="http://schemas.openxmlformats.org/presentationml/2006/main">
+  <p:cSld>
+    <p:spTree>
+      <p:nvGrpSpPr>
+        <p:cNvPr id="1" name=""/>
+        <p:cNvGrpSpPr/>
+        <p:nvPr/>
+      </p:nvGrpSpPr>
+      <p:grpSpPr>
+        <a:xfrm>
+          <a:off x="0" y="0"/>
+          <a:ext cx="0" cy="0"/>
+          <a:chOff x="0" y="0"/>
+          <a:chExt cx="0" cy="0"/>
+        </a:xfrm>
+      </p:grpSpPr>
+      <p:sp>
+        <p:nvSpPr>
+          <p:cNvPr id="2" name="Title 1">
+            <a:extLst>
+              <a:ext uri="{FF2B5EF4-FFF2-40B4-BE49-F238E27FC236}">
+                <a16:creationId xmlns:a16="http://schemas.microsoft.com/office/drawing/2014/main" id="{632B9B8D-B0E5-4F41-97F6-0ACCC47C1405}"/>
+              </a:ext>
+            </a:extLst>
+          </p:cNvPr>
+          <p:cNvSpPr>
+            <a:spLocks noGrp="1"/>
+          </p:cNvSpPr>
+          <p:nvPr>
+            <p:ph type="title"/>
+          </p:nvPr>
+        </p:nvSpPr>
+        <p:spPr/>
+        <p:txBody>
+          <a:bodyPr/>
+          <a:lstStyle/>
+          <a:p>
+            <a:r>
+              <a:rPr lang="en-US" dirty="0"/>
+              <a:t>Spectral Clustering </a:t>
+            </a:r>
+          </a:p>
+        </p:txBody>
+      </p:sp>
+      <p:pic>
+        <p:nvPicPr>
+          <p:cNvPr id="6" name="Content Placeholder 5">
+            <a:extLst>
+              <a:ext uri="{FF2B5EF4-FFF2-40B4-BE49-F238E27FC236}">
+                <a16:creationId xmlns:a16="http://schemas.microsoft.com/office/drawing/2014/main" id="{1D249A99-E548-4FFF-A386-1907A0AEC2FB}"/>
+              </a:ext>
+            </a:extLst>
+          </p:cNvPr>
+          <p:cNvPicPr>
+            <a:picLocks noGrp="1" noChangeAspect="1"/>
+          </p:cNvPicPr>
+          <p:nvPr>
+            <p:ph idx="1"/>
+          </p:nvPr>
+        </p:nvPicPr>
+        <p:blipFill>
+          <a:blip r:embed="rId2"/>
+          <a:stretch>
+            <a:fillRect/>
+          </a:stretch>
+        </p:blipFill>
+        <p:spPr>
+          <a:xfrm>
+            <a:off x="961595" y="1690688"/>
+            <a:ext cx="6154009" cy="2467319"/>
+          </a:xfrm>
+        </p:spPr>
+      </p:pic>
+      <p:sp>
+        <p:nvSpPr>
+          <p:cNvPr id="4" name="Footer Placeholder 3">
+            <a:extLst>
+              <a:ext uri="{FF2B5EF4-FFF2-40B4-BE49-F238E27FC236}">
+                <a16:creationId xmlns:a16="http://schemas.microsoft.com/office/drawing/2014/main" id="{03CB3553-F71B-4E24-8756-CAA191AA2CEE}"/>
+              </a:ext>
+            </a:extLst>
+          </p:cNvPr>
+          <p:cNvSpPr>
+            <a:spLocks noGrp="1"/>
+          </p:cNvSpPr>
+          <p:nvPr>
+            <p:ph type="ftr" sz="quarter" idx="11"/>
+          </p:nvPr>
+        </p:nvSpPr>
+        <p:spPr/>
+        <p:txBody>
+          <a:bodyPr/>
+          <a:lstStyle/>
+          <a:p>
+            <a:r>
+              <a:rPr lang="en-US" dirty="0"/>
+              <a:t>https://www.kaggle.com/vipulgandhi/spectral-clustering-detailed-explanation</a:t>
+            </a:r>
+          </a:p>
+        </p:txBody>
+      </p:sp>
+    </p:spTree>
+    <p:extLst>
+      <p:ext uri="{BB962C8B-B14F-4D97-AF65-F5344CB8AC3E}">
+        <p14:creationId xmlns:p14="http://schemas.microsoft.com/office/powerpoint/2010/main" val="1492440905"/>
+      </p:ext>
+    </p:extLst>
+  </p:cSld>
+  <p:clrMapOvr>
+    <a:masterClrMapping/>
+  </p:clrMapOvr>
+</p:sld>
+</file>
+
+<file path=ppt/slides/slide14.xml><?xml version="1.0" encoding="utf-8"?>
+<p:sld xmlns:a="http://schemas.openxmlformats.org/drawingml/2006/main" xmlns:r="http://schemas.openxmlformats.org/officeDocument/2006/relationships" xmlns:p="http://schemas.openxmlformats.org/presentationml/2006/main">
+  <p:cSld>
+    <p:spTree>
+      <p:nvGrpSpPr>
+        <p:cNvPr id="1" name=""/>
+        <p:cNvGrpSpPr/>
+        <p:nvPr/>
+      </p:nvGrpSpPr>
+      <p:grpSpPr>
+        <a:xfrm>
+          <a:off x="0" y="0"/>
+          <a:ext cx="0" cy="0"/>
+          <a:chOff x="0" y="0"/>
+          <a:chExt cx="0" cy="0"/>
+        </a:xfrm>
+      </p:grpSpPr>
+      <p:sp>
+        <p:nvSpPr>
+          <p:cNvPr id="2" name="Title 1">
+            <a:extLst>
+              <a:ext uri="{FF2B5EF4-FFF2-40B4-BE49-F238E27FC236}">
+                <a16:creationId xmlns:a16="http://schemas.microsoft.com/office/drawing/2014/main" id="{C2AF5B9B-0EDD-42DF-A1F4-729691E910B7}"/>
+              </a:ext>
+            </a:extLst>
+          </p:cNvPr>
+          <p:cNvSpPr>
+            <a:spLocks noGrp="1"/>
+          </p:cNvSpPr>
+          <p:nvPr>
+            <p:ph type="title"/>
+          </p:nvPr>
+        </p:nvSpPr>
+        <p:spPr/>
+        <p:txBody>
+          <a:bodyPr/>
+          <a:lstStyle/>
+          <a:p>
+            <a:r>
+              <a:rPr lang="en-US" dirty="0"/>
+              <a:t>Spectral Clustering – TO DO </a:t>
+            </a:r>
+          </a:p>
+        </p:txBody>
+      </p:sp>
+      <p:sp>
+        <p:nvSpPr>
+          <p:cNvPr id="3" name="Content Placeholder 2">
+            <a:extLst>
+              <a:ext uri="{FF2B5EF4-FFF2-40B4-BE49-F238E27FC236}">
+                <a16:creationId xmlns:a16="http://schemas.microsoft.com/office/drawing/2014/main" id="{46CFA9E8-5AFD-42E7-BDDF-65480F79C326}"/>
+              </a:ext>
+            </a:extLst>
+          </p:cNvPr>
+          <p:cNvSpPr>
+            <a:spLocks noGrp="1"/>
+          </p:cNvSpPr>
+          <p:nvPr>
+            <p:ph idx="1"/>
+          </p:nvPr>
+        </p:nvSpPr>
+        <p:spPr/>
+        <p:txBody>
+          <a:bodyPr/>
+          <a:lstStyle/>
+          <a:p>
+            <a:r>
+              <a:rPr lang="en-US" dirty="0"/>
+              <a:t>How to decide number of clusters ? How does the algorithm decide when it is a good “no of clusters” ?</a:t>
+            </a:r>
+          </a:p>
+          <a:p>
+            <a:r>
+              <a:rPr lang="en-US" dirty="0"/>
+              <a:t>Explanation of eigenvectors of Laplacian matrix. How do we come to conclusion based on eigenvectors of certain eigenvalues ?</a:t>
+            </a:r>
+          </a:p>
+          <a:p>
+            <a:r>
+              <a:rPr lang="en-US" dirty="0"/>
+              <a:t>What are different ways to create similarity matrix (any papers) ?</a:t>
+            </a:r>
+          </a:p>
+          <a:p>
+            <a:r>
+              <a:rPr lang="en-US" dirty="0"/>
+              <a:t>How to conceptually deal with big dataset ?</a:t>
+            </a:r>
+          </a:p>
+        </p:txBody>
+      </p:sp>
+      <p:sp>
+        <p:nvSpPr>
+          <p:cNvPr id="4" name="Footer Placeholder 3">
+            <a:extLst>
+              <a:ext uri="{FF2B5EF4-FFF2-40B4-BE49-F238E27FC236}">
+                <a16:creationId xmlns:a16="http://schemas.microsoft.com/office/drawing/2014/main" id="{69552560-4138-44F2-B107-BF1D30B5CDDD}"/>
+              </a:ext>
+            </a:extLst>
+          </p:cNvPr>
+          <p:cNvSpPr>
+            <a:spLocks noGrp="1"/>
+          </p:cNvSpPr>
+          <p:nvPr>
+            <p:ph type="ftr" sz="quarter" idx="11"/>
+          </p:nvPr>
+        </p:nvSpPr>
+        <p:spPr/>
+        <p:txBody>
+          <a:bodyPr/>
+          <a:lstStyle/>
+          <a:p>
+            <a:endParaRPr lang="en-US"/>
+          </a:p>
+        </p:txBody>
+      </p:sp>
+    </p:spTree>
+    <p:extLst>
+      <p:ext uri="{BB962C8B-B14F-4D97-AF65-F5344CB8AC3E}">
+        <p14:creationId xmlns:p14="http://schemas.microsoft.com/office/powerpoint/2010/main" val="3220973865"/>
+      </p:ext>
+    </p:extLst>
+  </p:cSld>
+  <p:clrMapOvr>
+    <a:masterClrMapping/>
+  </p:clrMapOvr>
+</p:sld>
+</file>
+
+<file path=ppt/slides/slide15.xml><?xml version="1.0" encoding="utf-8"?>
+<p:sld xmlns:a="http://schemas.openxmlformats.org/drawingml/2006/main" xmlns:r="http://schemas.openxmlformats.org/officeDocument/2006/relationships" xmlns:p="http://schemas.openxmlformats.org/presentationml/2006/main" show="0">
   <p:cSld>
     <p:spTree>
       <p:nvGrpSpPr>
@@ -4010,10 +4997,10 @@
       </p:sp>
       <p:sp>
         <p:nvSpPr>
-          <p:cNvPr id="4" name="Slide Number Placeholder 3">
+          <p:cNvPr id="2" name="Footer Placeholder 1">
             <a:extLst>
               <a:ext uri="{FF2B5EF4-FFF2-40B4-BE49-F238E27FC236}">
-                <a16:creationId xmlns:a16="http://schemas.microsoft.com/office/drawing/2014/main" id="{D42E9E59-5A22-421B-A6B3-5E7AEED6CD91}"/>
+                <a16:creationId xmlns:a16="http://schemas.microsoft.com/office/drawing/2014/main" id="{11E5B867-496A-497A-831F-4D8C235BCC9E}"/>
               </a:ext>
             </a:extLst>
           </p:cNvPr>
@@ -4021,137 +5008,15 @@
             <a:spLocks noGrp="1"/>
           </p:cNvSpPr>
           <p:nvPr>
-            <p:ph type="sldNum" sz="quarter" idx="12"/>
+            <p:ph type="ftr" sz="quarter" idx="11"/>
           </p:nvPr>
         </p:nvSpPr>
         <p:spPr/>
         <p:txBody>
           <a:bodyPr/>
-          <a:lstStyle>
-            <a:lvl1pPr eaLnBrk="0" hangingPunct="0">
-              <a:defRPr>
-                <a:solidFill>
-                  <a:schemeClr val="tx1"/>
-                </a:solidFill>
-                <a:latin typeface="Arial" panose="020B0604020202020204" pitchFamily="34" charset="0"/>
-                <a:cs typeface="Arial" panose="020B0604020202020204" pitchFamily="34" charset="0"/>
-              </a:defRPr>
-            </a:lvl1pPr>
-            <a:lvl2pPr marL="742950" indent="-285750" eaLnBrk="0" hangingPunct="0">
-              <a:defRPr>
-                <a:solidFill>
-                  <a:schemeClr val="tx1"/>
-                </a:solidFill>
-                <a:latin typeface="Arial" panose="020B0604020202020204" pitchFamily="34" charset="0"/>
-                <a:cs typeface="Arial" panose="020B0604020202020204" pitchFamily="34" charset="0"/>
-              </a:defRPr>
-            </a:lvl2pPr>
-            <a:lvl3pPr marL="1143000" indent="-228600" eaLnBrk="0" hangingPunct="0">
-              <a:defRPr>
-                <a:solidFill>
-                  <a:schemeClr val="tx1"/>
-                </a:solidFill>
-                <a:latin typeface="Arial" panose="020B0604020202020204" pitchFamily="34" charset="0"/>
-                <a:cs typeface="Arial" panose="020B0604020202020204" pitchFamily="34" charset="0"/>
-              </a:defRPr>
-            </a:lvl3pPr>
-            <a:lvl4pPr marL="1600200" indent="-228600" eaLnBrk="0" hangingPunct="0">
-              <a:defRPr>
-                <a:solidFill>
-                  <a:schemeClr val="tx1"/>
-                </a:solidFill>
-                <a:latin typeface="Arial" panose="020B0604020202020204" pitchFamily="34" charset="0"/>
-                <a:cs typeface="Arial" panose="020B0604020202020204" pitchFamily="34" charset="0"/>
-              </a:defRPr>
-            </a:lvl4pPr>
-            <a:lvl5pPr marL="2057400" indent="-228600" eaLnBrk="0" hangingPunct="0">
-              <a:defRPr>
-                <a:solidFill>
-                  <a:schemeClr val="tx1"/>
-                </a:solidFill>
-                <a:latin typeface="Arial" panose="020B0604020202020204" pitchFamily="34" charset="0"/>
-                <a:cs typeface="Arial" panose="020B0604020202020204" pitchFamily="34" charset="0"/>
-              </a:defRPr>
-            </a:lvl5pPr>
-            <a:lvl6pPr marL="2514600" indent="-228600" eaLnBrk="0" fontAlgn="base" hangingPunct="0">
-              <a:spcBef>
-                <a:spcPct val="0"/>
-              </a:spcBef>
-              <a:spcAft>
-                <a:spcPct val="0"/>
-              </a:spcAft>
-              <a:defRPr>
-                <a:solidFill>
-                  <a:schemeClr val="tx1"/>
-                </a:solidFill>
-                <a:latin typeface="Arial" panose="020B0604020202020204" pitchFamily="34" charset="0"/>
-                <a:cs typeface="Arial" panose="020B0604020202020204" pitchFamily="34" charset="0"/>
-              </a:defRPr>
-            </a:lvl6pPr>
-            <a:lvl7pPr marL="2971800" indent="-228600" eaLnBrk="0" fontAlgn="base" hangingPunct="0">
-              <a:spcBef>
-                <a:spcPct val="0"/>
-              </a:spcBef>
-              <a:spcAft>
-                <a:spcPct val="0"/>
-              </a:spcAft>
-              <a:defRPr>
-                <a:solidFill>
-                  <a:schemeClr val="tx1"/>
-                </a:solidFill>
-                <a:latin typeface="Arial" panose="020B0604020202020204" pitchFamily="34" charset="0"/>
-                <a:cs typeface="Arial" panose="020B0604020202020204" pitchFamily="34" charset="0"/>
-              </a:defRPr>
-            </a:lvl7pPr>
-            <a:lvl8pPr marL="3429000" indent="-228600" eaLnBrk="0" fontAlgn="base" hangingPunct="0">
-              <a:spcBef>
-                <a:spcPct val="0"/>
-              </a:spcBef>
-              <a:spcAft>
-                <a:spcPct val="0"/>
-              </a:spcAft>
-              <a:defRPr>
-                <a:solidFill>
-                  <a:schemeClr val="tx1"/>
-                </a:solidFill>
-                <a:latin typeface="Arial" panose="020B0604020202020204" pitchFamily="34" charset="0"/>
-                <a:cs typeface="Arial" panose="020B0604020202020204" pitchFamily="34" charset="0"/>
-              </a:defRPr>
-            </a:lvl8pPr>
-            <a:lvl9pPr marL="3886200" indent="-228600" eaLnBrk="0" fontAlgn="base" hangingPunct="0">
-              <a:spcBef>
-                <a:spcPct val="0"/>
-              </a:spcBef>
-              <a:spcAft>
-                <a:spcPct val="0"/>
-              </a:spcAft>
-              <a:defRPr>
-                <a:solidFill>
-                  <a:schemeClr val="tx1"/>
-                </a:solidFill>
-                <a:latin typeface="Arial" panose="020B0604020202020204" pitchFamily="34" charset="0"/>
-                <a:cs typeface="Arial" panose="020B0604020202020204" pitchFamily="34" charset="0"/>
-              </a:defRPr>
-            </a:lvl9pPr>
-          </a:lstStyle>
-          <a:p>
-            <a:pPr eaLnBrk="1" hangingPunct="1"/>
-            <a:fld id="{3D86CA94-838E-493D-A8EB-9482A1F89B0B}" type="slidenum">
-              <a:rPr lang="en-US" altLang="en-US">
-                <a:solidFill>
-                  <a:srgbClr val="898989"/>
-                </a:solidFill>
-                <a:latin typeface="Calibri" panose="020F0502020204030204" pitchFamily="34" charset="0"/>
-              </a:rPr>
-              <a:pPr eaLnBrk="1" hangingPunct="1"/>
-              <a:t>12</a:t>
-            </a:fld>
-            <a:endParaRPr lang="en-US" altLang="en-US">
-              <a:solidFill>
-                <a:srgbClr val="898989"/>
-              </a:solidFill>
-              <a:latin typeface="Calibri" panose="020F0502020204030204" pitchFamily="34" charset="0"/>
-            </a:endParaRPr>
+          <a:lstStyle/>
+          <a:p>
+            <a:endParaRPr lang="en-US"/>
           </a:p>
         </p:txBody>
       </p:sp>
@@ -4163,8 +5028,8 @@
 </p:sld>
 </file>
 
-<file path=ppt/slides/slide13.xml><?xml version="1.0" encoding="utf-8"?>
-<p:sld xmlns:a="http://schemas.openxmlformats.org/drawingml/2006/main" xmlns:r="http://schemas.openxmlformats.org/officeDocument/2006/relationships" xmlns:p="http://schemas.openxmlformats.org/presentationml/2006/main">
+<file path=ppt/slides/slide16.xml><?xml version="1.0" encoding="utf-8"?>
+<p:sld xmlns:a="http://schemas.openxmlformats.org/drawingml/2006/main" xmlns:r="http://schemas.openxmlformats.org/officeDocument/2006/relationships" xmlns:p="http://schemas.openxmlformats.org/presentationml/2006/main" show="0">
   <p:cSld>
     <p:spTree>
       <p:nvGrpSpPr>
@@ -4457,10 +5322,10 @@
       </p:sp>
       <p:sp>
         <p:nvSpPr>
-          <p:cNvPr id="4" name="Slide Number Placeholder 3">
+          <p:cNvPr id="2" name="Footer Placeholder 1">
             <a:extLst>
               <a:ext uri="{FF2B5EF4-FFF2-40B4-BE49-F238E27FC236}">
-                <a16:creationId xmlns:a16="http://schemas.microsoft.com/office/drawing/2014/main" id="{F3C49C13-4D3E-423A-8625-F870D25F7DC3}"/>
+                <a16:creationId xmlns:a16="http://schemas.microsoft.com/office/drawing/2014/main" id="{3009A66E-FF90-49E5-BA3D-18E121584666}"/>
               </a:ext>
             </a:extLst>
           </p:cNvPr>
@@ -4468,179 +5333,7 @@
             <a:spLocks noGrp="1"/>
           </p:cNvSpPr>
           <p:nvPr>
-            <p:ph type="sldNum" sz="quarter" idx="12"/>
-          </p:nvPr>
-        </p:nvSpPr>
-        <p:spPr/>
-        <p:txBody>
-          <a:bodyPr/>
-          <a:lstStyle>
-            <a:lvl1pPr eaLnBrk="0" hangingPunct="0">
-              <a:defRPr>
-                <a:solidFill>
-                  <a:schemeClr val="tx1"/>
-                </a:solidFill>
-                <a:latin typeface="Arial" panose="020B0604020202020204" pitchFamily="34" charset="0"/>
-                <a:cs typeface="Arial" panose="020B0604020202020204" pitchFamily="34" charset="0"/>
-              </a:defRPr>
-            </a:lvl1pPr>
-            <a:lvl2pPr marL="742950" indent="-285750" eaLnBrk="0" hangingPunct="0">
-              <a:defRPr>
-                <a:solidFill>
-                  <a:schemeClr val="tx1"/>
-                </a:solidFill>
-                <a:latin typeface="Arial" panose="020B0604020202020204" pitchFamily="34" charset="0"/>
-                <a:cs typeface="Arial" panose="020B0604020202020204" pitchFamily="34" charset="0"/>
-              </a:defRPr>
-            </a:lvl2pPr>
-            <a:lvl3pPr marL="1143000" indent="-228600" eaLnBrk="0" hangingPunct="0">
-              <a:defRPr>
-                <a:solidFill>
-                  <a:schemeClr val="tx1"/>
-                </a:solidFill>
-                <a:latin typeface="Arial" panose="020B0604020202020204" pitchFamily="34" charset="0"/>
-                <a:cs typeface="Arial" panose="020B0604020202020204" pitchFamily="34" charset="0"/>
-              </a:defRPr>
-            </a:lvl3pPr>
-            <a:lvl4pPr marL="1600200" indent="-228600" eaLnBrk="0" hangingPunct="0">
-              <a:defRPr>
-                <a:solidFill>
-                  <a:schemeClr val="tx1"/>
-                </a:solidFill>
-                <a:latin typeface="Arial" panose="020B0604020202020204" pitchFamily="34" charset="0"/>
-                <a:cs typeface="Arial" panose="020B0604020202020204" pitchFamily="34" charset="0"/>
-              </a:defRPr>
-            </a:lvl4pPr>
-            <a:lvl5pPr marL="2057400" indent="-228600" eaLnBrk="0" hangingPunct="0">
-              <a:defRPr>
-                <a:solidFill>
-                  <a:schemeClr val="tx1"/>
-                </a:solidFill>
-                <a:latin typeface="Arial" panose="020B0604020202020204" pitchFamily="34" charset="0"/>
-                <a:cs typeface="Arial" panose="020B0604020202020204" pitchFamily="34" charset="0"/>
-              </a:defRPr>
-            </a:lvl5pPr>
-            <a:lvl6pPr marL="2514600" indent="-228600" eaLnBrk="0" fontAlgn="base" hangingPunct="0">
-              <a:spcBef>
-                <a:spcPct val="0"/>
-              </a:spcBef>
-              <a:spcAft>
-                <a:spcPct val="0"/>
-              </a:spcAft>
-              <a:defRPr>
-                <a:solidFill>
-                  <a:schemeClr val="tx1"/>
-                </a:solidFill>
-                <a:latin typeface="Arial" panose="020B0604020202020204" pitchFamily="34" charset="0"/>
-                <a:cs typeface="Arial" panose="020B0604020202020204" pitchFamily="34" charset="0"/>
-              </a:defRPr>
-            </a:lvl6pPr>
-            <a:lvl7pPr marL="2971800" indent="-228600" eaLnBrk="0" fontAlgn="base" hangingPunct="0">
-              <a:spcBef>
-                <a:spcPct val="0"/>
-              </a:spcBef>
-              <a:spcAft>
-                <a:spcPct val="0"/>
-              </a:spcAft>
-              <a:defRPr>
-                <a:solidFill>
-                  <a:schemeClr val="tx1"/>
-                </a:solidFill>
-                <a:latin typeface="Arial" panose="020B0604020202020204" pitchFamily="34" charset="0"/>
-                <a:cs typeface="Arial" panose="020B0604020202020204" pitchFamily="34" charset="0"/>
-              </a:defRPr>
-            </a:lvl7pPr>
-            <a:lvl8pPr marL="3429000" indent="-228600" eaLnBrk="0" fontAlgn="base" hangingPunct="0">
-              <a:spcBef>
-                <a:spcPct val="0"/>
-              </a:spcBef>
-              <a:spcAft>
-                <a:spcPct val="0"/>
-              </a:spcAft>
-              <a:defRPr>
-                <a:solidFill>
-                  <a:schemeClr val="tx1"/>
-                </a:solidFill>
-                <a:latin typeface="Arial" panose="020B0604020202020204" pitchFamily="34" charset="0"/>
-                <a:cs typeface="Arial" panose="020B0604020202020204" pitchFamily="34" charset="0"/>
-              </a:defRPr>
-            </a:lvl8pPr>
-            <a:lvl9pPr marL="3886200" indent="-228600" eaLnBrk="0" fontAlgn="base" hangingPunct="0">
-              <a:spcBef>
-                <a:spcPct val="0"/>
-              </a:spcBef>
-              <a:spcAft>
-                <a:spcPct val="0"/>
-              </a:spcAft>
-              <a:defRPr>
-                <a:solidFill>
-                  <a:schemeClr val="tx1"/>
-                </a:solidFill>
-                <a:latin typeface="Arial" panose="020B0604020202020204" pitchFamily="34" charset="0"/>
-                <a:cs typeface="Arial" panose="020B0604020202020204" pitchFamily="34" charset="0"/>
-              </a:defRPr>
-            </a:lvl9pPr>
-          </a:lstStyle>
-          <a:p>
-            <a:pPr eaLnBrk="1" hangingPunct="1"/>
-            <a:fld id="{50372D96-D1EB-403B-9F6A-A798B4C14710}" type="slidenum">
-              <a:rPr lang="en-US" altLang="en-US">
-                <a:solidFill>
-                  <a:srgbClr val="898989"/>
-                </a:solidFill>
-                <a:latin typeface="Calibri" panose="020F0502020204030204" pitchFamily="34" charset="0"/>
-              </a:rPr>
-              <a:pPr eaLnBrk="1" hangingPunct="1"/>
-              <a:t>13</a:t>
-            </a:fld>
-            <a:endParaRPr lang="en-US" altLang="en-US">
-              <a:solidFill>
-                <a:srgbClr val="898989"/>
-              </a:solidFill>
-              <a:latin typeface="Calibri" panose="020F0502020204030204" pitchFamily="34" charset="0"/>
-            </a:endParaRPr>
-          </a:p>
-        </p:txBody>
-      </p:sp>
-    </p:spTree>
-  </p:cSld>
-  <p:clrMapOvr>
-    <a:masterClrMapping/>
-  </p:clrMapOvr>
-</p:sld>
-</file>
-
-<file path=ppt/slides/slide14.xml><?xml version="1.0" encoding="utf-8"?>
-<p:sld xmlns:a="http://schemas.openxmlformats.org/drawingml/2006/main" xmlns:r="http://schemas.openxmlformats.org/officeDocument/2006/relationships" xmlns:p="http://schemas.openxmlformats.org/presentationml/2006/main">
-  <p:cSld>
-    <p:spTree>
-      <p:nvGrpSpPr>
-        <p:cNvPr id="1" name=""/>
-        <p:cNvGrpSpPr/>
-        <p:nvPr/>
-      </p:nvGrpSpPr>
-      <p:grpSpPr>
-        <a:xfrm>
-          <a:off x="0" y="0"/>
-          <a:ext cx="0" cy="0"/>
-          <a:chOff x="0" y="0"/>
-          <a:chExt cx="0" cy="0"/>
-        </a:xfrm>
-      </p:grpSpPr>
-      <p:sp>
-        <p:nvSpPr>
-          <p:cNvPr id="2" name="Title 1">
-            <a:extLst>
-              <a:ext uri="{FF2B5EF4-FFF2-40B4-BE49-F238E27FC236}">
-                <a16:creationId xmlns:a16="http://schemas.microsoft.com/office/drawing/2014/main" id="{958BA0A7-42C4-4D22-9E5A-9BDD697B7A02}"/>
-              </a:ext>
-            </a:extLst>
-          </p:cNvPr>
-          <p:cNvSpPr>
-            <a:spLocks noGrp="1"/>
-          </p:cNvSpPr>
-          <p:nvPr>
-            <p:ph type="title"/>
+            <p:ph type="ftr" sz="quarter" idx="11"/>
           </p:nvPr>
         </p:nvSpPr>
         <p:spPr/>
@@ -4648,272 +5341,11 @@
           <a:bodyPr/>
           <a:lstStyle/>
           <a:p>
-            <a:r>
-              <a:rPr lang="en-US" dirty="0"/>
-              <a:t>Eigenvalue and Eigenvector </a:t>
-            </a:r>
+            <a:endParaRPr lang="en-US"/>
           </a:p>
         </p:txBody>
       </p:sp>
-      <p:pic>
-        <p:nvPicPr>
-          <p:cNvPr id="1026" name="Picture 2">
-            <a:extLst>
-              <a:ext uri="{FF2B5EF4-FFF2-40B4-BE49-F238E27FC236}">
-                <a16:creationId xmlns:a16="http://schemas.microsoft.com/office/drawing/2014/main" id="{204B39C1-1D34-43AA-A791-E5567866D307}"/>
-              </a:ext>
-            </a:extLst>
-          </p:cNvPr>
-          <p:cNvPicPr>
-            <a:picLocks noChangeAspect="1" noChangeArrowheads="1" noCrop="1"/>
-          </p:cNvPicPr>
-          <p:nvPr/>
-        </p:nvPicPr>
-        <p:blipFill>
-          <a:blip r:embed="rId2">
-            <a:extLst>
-              <a:ext uri="{28A0092B-C50C-407E-A947-70E740481C1C}">
-                <a14:useLocalDpi xmlns:a14="http://schemas.microsoft.com/office/drawing/2010/main" val="0"/>
-              </a:ext>
-            </a:extLst>
-          </a:blip>
-          <a:srcRect/>
-          <a:stretch>
-            <a:fillRect/>
-          </a:stretch>
-        </p:blipFill>
-        <p:spPr bwMode="auto">
-          <a:xfrm>
-            <a:off x="1876498" y="1433027"/>
-            <a:ext cx="6521915" cy="4785189"/>
-          </a:xfrm>
-          <a:prstGeom prst="rect">
-            <a:avLst/>
-          </a:prstGeom>
-          <a:noFill/>
-          <a:extLst>
-            <a:ext uri="{909E8E84-426E-40DD-AFC4-6F175D3DCCD1}">
-              <a14:hiddenFill xmlns:a14="http://schemas.microsoft.com/office/drawing/2010/main">
-                <a:solidFill>
-                  <a:srgbClr val="FFFFFF"/>
-                </a:solidFill>
-              </a14:hiddenFill>
-            </a:ext>
-          </a:extLst>
-        </p:spPr>
-      </p:pic>
     </p:spTree>
-    <p:extLst>
-      <p:ext uri="{BB962C8B-B14F-4D97-AF65-F5344CB8AC3E}">
-        <p14:creationId xmlns:p14="http://schemas.microsoft.com/office/powerpoint/2010/main" val="190714059"/>
-      </p:ext>
-    </p:extLst>
-  </p:cSld>
-  <p:clrMapOvr>
-    <a:masterClrMapping/>
-  </p:clrMapOvr>
-</p:sld>
-</file>
-
-<file path=ppt/slides/slide15.xml><?xml version="1.0" encoding="utf-8"?>
-<p:sld xmlns:a="http://schemas.openxmlformats.org/drawingml/2006/main" xmlns:r="http://schemas.openxmlformats.org/officeDocument/2006/relationships" xmlns:p="http://schemas.openxmlformats.org/presentationml/2006/main">
-  <p:cSld>
-    <p:spTree>
-      <p:nvGrpSpPr>
-        <p:cNvPr id="1" name=""/>
-        <p:cNvGrpSpPr/>
-        <p:nvPr/>
-      </p:nvGrpSpPr>
-      <p:grpSpPr>
-        <a:xfrm>
-          <a:off x="0" y="0"/>
-          <a:ext cx="0" cy="0"/>
-          <a:chOff x="0" y="0"/>
-          <a:chExt cx="0" cy="0"/>
-        </a:xfrm>
-      </p:grpSpPr>
-      <p:sp>
-        <p:nvSpPr>
-          <p:cNvPr id="2" name="Title 1">
-            <a:extLst>
-              <a:ext uri="{FF2B5EF4-FFF2-40B4-BE49-F238E27FC236}">
-                <a16:creationId xmlns:a16="http://schemas.microsoft.com/office/drawing/2014/main" id="{C30FA34A-4A40-414D-B1B8-9144DF2EECF3}"/>
-              </a:ext>
-            </a:extLst>
-          </p:cNvPr>
-          <p:cNvSpPr>
-            <a:spLocks noGrp="1"/>
-          </p:cNvSpPr>
-          <p:nvPr>
-            <p:ph type="title"/>
-          </p:nvPr>
-        </p:nvSpPr>
-        <p:spPr/>
-        <p:txBody>
-          <a:bodyPr/>
-          <a:lstStyle/>
-          <a:p>
-            <a:r>
-              <a:rPr lang="en-US" dirty="0"/>
-              <a:t>Algorithm</a:t>
-            </a:r>
-          </a:p>
-        </p:txBody>
-      </p:sp>
-      <p:pic>
-        <p:nvPicPr>
-          <p:cNvPr id="6" name="Picture 5">
-            <a:extLst>
-              <a:ext uri="{FF2B5EF4-FFF2-40B4-BE49-F238E27FC236}">
-                <a16:creationId xmlns:a16="http://schemas.microsoft.com/office/drawing/2014/main" id="{48E811E9-91EB-45F7-87F1-FC9A8EF16242}"/>
-              </a:ext>
-            </a:extLst>
-          </p:cNvPr>
-          <p:cNvPicPr>
-            <a:picLocks noChangeAspect="1"/>
-          </p:cNvPicPr>
-          <p:nvPr/>
-        </p:nvPicPr>
-        <p:blipFill>
-          <a:blip r:embed="rId2"/>
-          <a:stretch>
-            <a:fillRect/>
-          </a:stretch>
-        </p:blipFill>
-        <p:spPr>
-          <a:xfrm>
-            <a:off x="594080" y="1690689"/>
-            <a:ext cx="10511384" cy="3895920"/>
-          </a:xfrm>
-          <a:prstGeom prst="rect">
-            <a:avLst/>
-          </a:prstGeom>
-        </p:spPr>
-      </p:pic>
-    </p:spTree>
-    <p:extLst>
-      <p:ext uri="{BB962C8B-B14F-4D97-AF65-F5344CB8AC3E}">
-        <p14:creationId xmlns:p14="http://schemas.microsoft.com/office/powerpoint/2010/main" val="947775053"/>
-      </p:ext>
-    </p:extLst>
-  </p:cSld>
-  <p:clrMapOvr>
-    <a:masterClrMapping/>
-  </p:clrMapOvr>
-</p:sld>
-</file>
-
-<file path=ppt/slides/slide16.xml><?xml version="1.0" encoding="utf-8"?>
-<p:sld xmlns:a="http://schemas.openxmlformats.org/drawingml/2006/main" xmlns:r="http://schemas.openxmlformats.org/officeDocument/2006/relationships" xmlns:p="http://schemas.openxmlformats.org/presentationml/2006/main" show="0">
-  <p:cSld>
-    <p:spTree>
-      <p:nvGrpSpPr>
-        <p:cNvPr id="1" name=""/>
-        <p:cNvGrpSpPr/>
-        <p:nvPr/>
-      </p:nvGrpSpPr>
-      <p:grpSpPr>
-        <a:xfrm>
-          <a:off x="0" y="0"/>
-          <a:ext cx="0" cy="0"/>
-          <a:chOff x="0" y="0"/>
-          <a:chExt cx="0" cy="0"/>
-        </a:xfrm>
-      </p:grpSpPr>
-      <p:sp>
-        <p:nvSpPr>
-          <p:cNvPr id="2" name="Title 1">
-            <a:extLst>
-              <a:ext uri="{FF2B5EF4-FFF2-40B4-BE49-F238E27FC236}">
-                <a16:creationId xmlns:a16="http://schemas.microsoft.com/office/drawing/2014/main" id="{C4AFDF56-8CDF-4E76-B5EB-97A2A29D5913}"/>
-              </a:ext>
-            </a:extLst>
-          </p:cNvPr>
-          <p:cNvSpPr>
-            <a:spLocks noGrp="1"/>
-          </p:cNvSpPr>
-          <p:nvPr>
-            <p:ph type="title"/>
-          </p:nvPr>
-        </p:nvSpPr>
-        <p:spPr/>
-        <p:txBody>
-          <a:bodyPr/>
-          <a:lstStyle/>
-          <a:p>
-            <a:r>
-              <a:rPr lang="en-US" dirty="0"/>
-              <a:t>Example </a:t>
-            </a:r>
-          </a:p>
-        </p:txBody>
-      </p:sp>
-      <p:pic>
-        <p:nvPicPr>
-          <p:cNvPr id="8" name="Picture 7">
-            <a:extLst>
-              <a:ext uri="{FF2B5EF4-FFF2-40B4-BE49-F238E27FC236}">
-                <a16:creationId xmlns:a16="http://schemas.microsoft.com/office/drawing/2014/main" id="{98EF52DD-9E78-42AE-B5FA-647F9A63B9B3}"/>
-              </a:ext>
-            </a:extLst>
-          </p:cNvPr>
-          <p:cNvPicPr>
-            <a:picLocks noChangeAspect="1"/>
-          </p:cNvPicPr>
-          <p:nvPr/>
-        </p:nvPicPr>
-        <p:blipFill>
-          <a:blip r:embed="rId2"/>
-          <a:stretch>
-            <a:fillRect/>
-          </a:stretch>
-        </p:blipFill>
-        <p:spPr>
-          <a:xfrm>
-            <a:off x="1288220" y="1587084"/>
-            <a:ext cx="3219450" cy="2895600"/>
-          </a:xfrm>
-          <a:prstGeom prst="rect">
-            <a:avLst/>
-          </a:prstGeom>
-        </p:spPr>
-      </p:pic>
-      <p:pic>
-        <p:nvPicPr>
-          <p:cNvPr id="10" name="Picture 9">
-            <a:extLst>
-              <a:ext uri="{FF2B5EF4-FFF2-40B4-BE49-F238E27FC236}">
-                <a16:creationId xmlns:a16="http://schemas.microsoft.com/office/drawing/2014/main" id="{1DE03C4E-D52F-4E5D-BB8F-94F5333BD279}"/>
-              </a:ext>
-            </a:extLst>
-          </p:cNvPr>
-          <p:cNvPicPr>
-            <a:picLocks noChangeAspect="1"/>
-          </p:cNvPicPr>
-          <p:nvPr/>
-        </p:nvPicPr>
-        <p:blipFill>
-          <a:blip r:embed="rId3"/>
-          <a:stretch>
-            <a:fillRect/>
-          </a:stretch>
-        </p:blipFill>
-        <p:spPr>
-          <a:xfrm>
-            <a:off x="5798380" y="1424574"/>
-            <a:ext cx="5105400" cy="3324225"/>
-          </a:xfrm>
-          <a:prstGeom prst="rect">
-            <a:avLst/>
-          </a:prstGeom>
-        </p:spPr>
-      </p:pic>
-    </p:spTree>
-    <p:extLst>
-      <p:ext uri="{BB962C8B-B14F-4D97-AF65-F5344CB8AC3E}">
-        <p14:creationId xmlns:p14="http://schemas.microsoft.com/office/powerpoint/2010/main" val="2493630640"/>
-      </p:ext>
-    </p:extLst>
   </p:cSld>
   <p:clrMapOvr>
     <a:masterClrMapping/>
@@ -4943,7 +5375,7 @@
           <p:cNvPr id="2" name="Title 1">
             <a:extLst>
               <a:ext uri="{FF2B5EF4-FFF2-40B4-BE49-F238E27FC236}">
-                <a16:creationId xmlns:a16="http://schemas.microsoft.com/office/drawing/2014/main" id="{1C639827-C459-4D4D-9369-16B0E22C59E3}"/>
+                <a16:creationId xmlns:a16="http://schemas.microsoft.com/office/drawing/2014/main" id="{958BA0A7-42C4-4D22-9E5A-9BDD697B7A02}"/>
               </a:ext>
             </a:extLst>
           </p:cNvPr>
@@ -4961,105 +5393,87 @@
           <a:p>
             <a:r>
               <a:rPr lang="en-US" dirty="0"/>
-              <a:t>Example</a:t>
+              <a:t>Eigenvalue and Eigenvector </a:t>
             </a:r>
           </a:p>
         </p:txBody>
       </p:sp>
       <p:pic>
         <p:nvPicPr>
-          <p:cNvPr id="4" name="Picture 3">
+          <p:cNvPr id="1026" name="Picture 2">
             <a:extLst>
               <a:ext uri="{FF2B5EF4-FFF2-40B4-BE49-F238E27FC236}">
-                <a16:creationId xmlns:a16="http://schemas.microsoft.com/office/drawing/2014/main" id="{B1D940A9-7592-4843-AF9E-9E6EEFBA3357}"/>
+                <a16:creationId xmlns:a16="http://schemas.microsoft.com/office/drawing/2014/main" id="{204B39C1-1D34-43AA-A791-E5567866D307}"/>
               </a:ext>
             </a:extLst>
           </p:cNvPr>
           <p:cNvPicPr>
-            <a:picLocks noChangeAspect="1"/>
+            <a:picLocks noChangeAspect="1" noChangeArrowheads="1" noCrop="1"/>
           </p:cNvPicPr>
           <p:nvPr/>
         </p:nvPicPr>
         <p:blipFill>
-          <a:blip r:embed="rId2"/>
+          <a:blip r:embed="rId2">
+            <a:extLst>
+              <a:ext uri="{28A0092B-C50C-407E-A947-70E740481C1C}">
+                <a14:useLocalDpi xmlns:a14="http://schemas.microsoft.com/office/drawing/2010/main" val="0"/>
+              </a:ext>
+            </a:extLst>
+          </a:blip>
+          <a:srcRect/>
           <a:stretch>
             <a:fillRect/>
           </a:stretch>
         </p:blipFill>
-        <p:spPr>
+        <p:spPr bwMode="auto">
           <a:xfrm>
-            <a:off x="838200" y="1362807"/>
-            <a:ext cx="3562350" cy="5257800"/>
+            <a:off x="1876498" y="1433027"/>
+            <a:ext cx="6521915" cy="4785189"/>
           </a:xfrm>
           <a:prstGeom prst="rect">
             <a:avLst/>
           </a:prstGeom>
+          <a:noFill/>
+          <a:extLst>
+            <a:ext uri="{909E8E84-426E-40DD-AFC4-6F175D3DCCD1}">
+              <a14:hiddenFill xmlns:a14="http://schemas.microsoft.com/office/drawing/2010/main">
+                <a:solidFill>
+                  <a:srgbClr val="FFFFFF"/>
+                </a:solidFill>
+              </a14:hiddenFill>
+            </a:ext>
+          </a:extLst>
         </p:spPr>
       </p:pic>
-      <p:pic>
-        <p:nvPicPr>
-          <p:cNvPr id="6" name="Picture 5">
+      <p:sp>
+        <p:nvSpPr>
+          <p:cNvPr id="3" name="Footer Placeholder 2">
             <a:extLst>
               <a:ext uri="{FF2B5EF4-FFF2-40B4-BE49-F238E27FC236}">
-                <a16:creationId xmlns:a16="http://schemas.microsoft.com/office/drawing/2014/main" id="{64669029-0CCF-455F-8E30-C85EAD60ABCE}"/>
+                <a16:creationId xmlns:a16="http://schemas.microsoft.com/office/drawing/2014/main" id="{F6B9BE78-AA83-4309-AAD9-800FABD8DDE6}"/>
               </a:ext>
             </a:extLst>
           </p:cNvPr>
-          <p:cNvPicPr>
-            <a:picLocks noChangeAspect="1"/>
-          </p:cNvPicPr>
-          <p:nvPr/>
-        </p:nvPicPr>
-        <p:blipFill>
-          <a:blip r:embed="rId3"/>
-          <a:stretch>
-            <a:fillRect/>
-          </a:stretch>
-        </p:blipFill>
-        <p:spPr>
-          <a:xfrm>
-            <a:off x="5003555" y="1429629"/>
-            <a:ext cx="6686550" cy="2171700"/>
-          </a:xfrm>
-          <a:prstGeom prst="rect">
-            <a:avLst/>
-          </a:prstGeom>
-        </p:spPr>
-      </p:pic>
-      <p:pic>
-        <p:nvPicPr>
-          <p:cNvPr id="8" name="Picture 7">
-            <a:extLst>
-              <a:ext uri="{FF2B5EF4-FFF2-40B4-BE49-F238E27FC236}">
-                <a16:creationId xmlns:a16="http://schemas.microsoft.com/office/drawing/2014/main" id="{55A3C26F-5F50-4C15-A358-A50DF6B88351}"/>
-              </a:ext>
-            </a:extLst>
-          </p:cNvPr>
-          <p:cNvPicPr>
-            <a:picLocks noChangeAspect="1"/>
-          </p:cNvPicPr>
-          <p:nvPr/>
-        </p:nvPicPr>
-        <p:blipFill>
-          <a:blip r:embed="rId4"/>
-          <a:stretch>
-            <a:fillRect/>
-          </a:stretch>
-        </p:blipFill>
-        <p:spPr>
-          <a:xfrm>
-            <a:off x="5010149" y="3629464"/>
-            <a:ext cx="6679955" cy="3267075"/>
-          </a:xfrm>
-          <a:prstGeom prst="rect">
-            <a:avLst/>
-          </a:prstGeom>
-        </p:spPr>
-      </p:pic>
+          <p:cNvSpPr>
+            <a:spLocks noGrp="1"/>
+          </p:cNvSpPr>
+          <p:nvPr>
+            <p:ph type="ftr" sz="quarter" idx="11"/>
+          </p:nvPr>
+        </p:nvSpPr>
+        <p:spPr/>
+        <p:txBody>
+          <a:bodyPr/>
+          <a:lstStyle/>
+          <a:p>
+            <a:endParaRPr lang="en-US"/>
+          </a:p>
+        </p:txBody>
+      </p:sp>
     </p:spTree>
     <p:extLst>
       <p:ext uri="{BB962C8B-B14F-4D97-AF65-F5344CB8AC3E}">
-        <p14:creationId xmlns:p14="http://schemas.microsoft.com/office/powerpoint/2010/main" val="3028650603"/>
+        <p14:creationId xmlns:p14="http://schemas.microsoft.com/office/powerpoint/2010/main" val="190714059"/>
       </p:ext>
     </p:extLst>
   </p:cSld>
@@ -5091,7 +5505,7 @@
           <p:cNvPr id="2" name="Title 1">
             <a:extLst>
               <a:ext uri="{FF2B5EF4-FFF2-40B4-BE49-F238E27FC236}">
-                <a16:creationId xmlns:a16="http://schemas.microsoft.com/office/drawing/2014/main" id="{2C3C42E4-599B-43C2-ABF9-73602A30E83E}"/>
+                <a16:creationId xmlns:a16="http://schemas.microsoft.com/office/drawing/2014/main" id="{C4AFDF56-8CDF-4E76-B5EB-97A2A29D5913}"/>
               </a:ext>
             </a:extLst>
           </p:cNvPr>
@@ -5109,17 +5523,17 @@
           <a:p>
             <a:r>
               <a:rPr lang="en-US" dirty="0"/>
-              <a:t>Example</a:t>
+              <a:t>Example </a:t>
             </a:r>
           </a:p>
         </p:txBody>
       </p:sp>
       <p:pic>
         <p:nvPicPr>
-          <p:cNvPr id="4" name="Picture 3">
+          <p:cNvPr id="8" name="Picture 7">
             <a:extLst>
               <a:ext uri="{FF2B5EF4-FFF2-40B4-BE49-F238E27FC236}">
-                <a16:creationId xmlns:a16="http://schemas.microsoft.com/office/drawing/2014/main" id="{3447390A-7E94-40F5-BB1E-2C69345437D7}"/>
+                <a16:creationId xmlns:a16="http://schemas.microsoft.com/office/drawing/2014/main" id="{98EF52DD-9E78-42AE-B5FA-647F9A63B9B3}"/>
               </a:ext>
             </a:extLst>
           </p:cNvPr>
@@ -5136,8 +5550,8 @@
         </p:blipFill>
         <p:spPr>
           <a:xfrm>
-            <a:off x="556553" y="1871367"/>
-            <a:ext cx="5676900" cy="3762375"/>
+            <a:off x="1288220" y="1587084"/>
+            <a:ext cx="3219450" cy="2895600"/>
           </a:xfrm>
           <a:prstGeom prst="rect">
             <a:avLst/>
@@ -5146,10 +5560,10 @@
       </p:pic>
       <p:pic>
         <p:nvPicPr>
-          <p:cNvPr id="5" name="Picture 4">
+          <p:cNvPr id="10" name="Picture 9">
             <a:extLst>
               <a:ext uri="{FF2B5EF4-FFF2-40B4-BE49-F238E27FC236}">
-                <a16:creationId xmlns:a16="http://schemas.microsoft.com/office/drawing/2014/main" id="{B78B8347-01E4-4AE4-8EAD-F5FBB0781D8B}"/>
+                <a16:creationId xmlns:a16="http://schemas.microsoft.com/office/drawing/2014/main" id="{1DE03C4E-D52F-4E5D-BB8F-94F5333BD279}"/>
               </a:ext>
             </a:extLst>
           </p:cNvPr>
@@ -5166,48 +5580,43 @@
         </p:blipFill>
         <p:spPr>
           <a:xfrm>
-            <a:off x="6096000" y="1995743"/>
-            <a:ext cx="5860954" cy="2866513"/>
+            <a:off x="5798380" y="1424574"/>
+            <a:ext cx="5105400" cy="3324225"/>
           </a:xfrm>
           <a:prstGeom prst="rect">
             <a:avLst/>
           </a:prstGeom>
         </p:spPr>
       </p:pic>
-      <p:pic>
-        <p:nvPicPr>
-          <p:cNvPr id="7" name="Picture 6">
+      <p:sp>
+        <p:nvSpPr>
+          <p:cNvPr id="3" name="Footer Placeholder 2">
             <a:extLst>
               <a:ext uri="{FF2B5EF4-FFF2-40B4-BE49-F238E27FC236}">
-                <a16:creationId xmlns:a16="http://schemas.microsoft.com/office/drawing/2014/main" id="{93F87118-0E02-4FE9-9EE9-4C5E696EE049}"/>
+                <a16:creationId xmlns:a16="http://schemas.microsoft.com/office/drawing/2014/main" id="{D515BF85-3B2F-4FA5-838F-395CFA499078}"/>
               </a:ext>
             </a:extLst>
           </p:cNvPr>
-          <p:cNvPicPr>
-            <a:picLocks noChangeAspect="1"/>
-          </p:cNvPicPr>
-          <p:nvPr/>
-        </p:nvPicPr>
-        <p:blipFill>
-          <a:blip r:embed="rId4"/>
-          <a:stretch>
-            <a:fillRect/>
-          </a:stretch>
-        </p:blipFill>
-        <p:spPr>
-          <a:xfrm>
-            <a:off x="2080054" y="5548272"/>
-            <a:ext cx="6000750" cy="781050"/>
-          </a:xfrm>
-          <a:prstGeom prst="rect">
-            <a:avLst/>
-          </a:prstGeom>
-        </p:spPr>
-      </p:pic>
+          <p:cNvSpPr>
+            <a:spLocks noGrp="1"/>
+          </p:cNvSpPr>
+          <p:nvPr>
+            <p:ph type="ftr" sz="quarter" idx="11"/>
+          </p:nvPr>
+        </p:nvSpPr>
+        <p:spPr/>
+        <p:txBody>
+          <a:bodyPr/>
+          <a:lstStyle/>
+          <a:p>
+            <a:endParaRPr lang="en-US"/>
+          </a:p>
+        </p:txBody>
+      </p:sp>
     </p:spTree>
     <p:extLst>
       <p:ext uri="{BB962C8B-B14F-4D97-AF65-F5344CB8AC3E}">
-        <p14:creationId xmlns:p14="http://schemas.microsoft.com/office/powerpoint/2010/main" val="3791328387"/>
+        <p14:creationId xmlns:p14="http://schemas.microsoft.com/office/powerpoint/2010/main" val="2493630640"/>
       </p:ext>
     </p:extLst>
   </p:cSld>
@@ -5218,7 +5627,7 @@
 </file>
 
 <file path=ppt/slides/slide19.xml><?xml version="1.0" encoding="utf-8"?>
-<p:sld xmlns:a="http://schemas.openxmlformats.org/drawingml/2006/main" xmlns:r="http://schemas.openxmlformats.org/officeDocument/2006/relationships" xmlns:p="http://schemas.openxmlformats.org/presentationml/2006/main">
+<p:sld xmlns:a="http://schemas.openxmlformats.org/drawingml/2006/main" xmlns:r="http://schemas.openxmlformats.org/officeDocument/2006/relationships" xmlns:p="http://schemas.openxmlformats.org/presentationml/2006/main" show="0">
   <p:cSld>
     <p:spTree>
       <p:nvGrpSpPr>
@@ -5239,7 +5648,7 @@
           <p:cNvPr id="2" name="Title 1">
             <a:extLst>
               <a:ext uri="{FF2B5EF4-FFF2-40B4-BE49-F238E27FC236}">
-                <a16:creationId xmlns:a16="http://schemas.microsoft.com/office/drawing/2014/main" id="{F49ECFCB-023A-4A09-B957-177F7CF5CBF5}"/>
+                <a16:creationId xmlns:a16="http://schemas.microsoft.com/office/drawing/2014/main" id="{1C639827-C459-4D4D-9369-16B0E22C59E3}"/>
               </a:ext>
             </a:extLst>
           </p:cNvPr>
@@ -5257,7 +5666,7 @@
           <a:p>
             <a:r>
               <a:rPr lang="en-US" dirty="0"/>
-              <a:t>Example  </a:t>
+              <a:t>Example</a:t>
             </a:r>
           </a:p>
         </p:txBody>
@@ -5267,7 +5676,7 @@
           <p:cNvPr id="4" name="Picture 3">
             <a:extLst>
               <a:ext uri="{FF2B5EF4-FFF2-40B4-BE49-F238E27FC236}">
-                <a16:creationId xmlns:a16="http://schemas.microsoft.com/office/drawing/2014/main" id="{9DD72A28-A00A-48E0-9593-88A540526EC5}"/>
+                <a16:creationId xmlns:a16="http://schemas.microsoft.com/office/drawing/2014/main" id="{B1D940A9-7592-4843-AF9E-9E6EEFBA3357}"/>
               </a:ext>
             </a:extLst>
           </p:cNvPr>
@@ -5284,8 +5693,8 @@
         </p:blipFill>
         <p:spPr>
           <a:xfrm>
-            <a:off x="1062258" y="1486558"/>
-            <a:ext cx="3453471" cy="4269877"/>
+            <a:off x="838200" y="1362807"/>
+            <a:ext cx="3562350" cy="5257800"/>
           </a:xfrm>
           <a:prstGeom prst="rect">
             <a:avLst/>
@@ -5294,10 +5703,10 @@
       </p:pic>
       <p:pic>
         <p:nvPicPr>
-          <p:cNvPr id="8" name="Picture 7">
+          <p:cNvPr id="6" name="Picture 5">
             <a:extLst>
               <a:ext uri="{FF2B5EF4-FFF2-40B4-BE49-F238E27FC236}">
-                <a16:creationId xmlns:a16="http://schemas.microsoft.com/office/drawing/2014/main" id="{4203E626-1CBE-4708-BD93-8618F1056882}"/>
+                <a16:creationId xmlns:a16="http://schemas.microsoft.com/office/drawing/2014/main" id="{64669029-0CCF-455F-8E30-C85EAD60ABCE}"/>
               </a:ext>
             </a:extLst>
           </p:cNvPr>
@@ -5314,18 +5723,73 @@
         </p:blipFill>
         <p:spPr>
           <a:xfrm>
-            <a:off x="6700693" y="1367901"/>
-            <a:ext cx="3076575" cy="4667250"/>
+            <a:off x="5003555" y="1429629"/>
+            <a:ext cx="6686550" cy="2171700"/>
           </a:xfrm>
           <a:prstGeom prst="rect">
             <a:avLst/>
           </a:prstGeom>
         </p:spPr>
       </p:pic>
+      <p:pic>
+        <p:nvPicPr>
+          <p:cNvPr id="8" name="Picture 7">
+            <a:extLst>
+              <a:ext uri="{FF2B5EF4-FFF2-40B4-BE49-F238E27FC236}">
+                <a16:creationId xmlns:a16="http://schemas.microsoft.com/office/drawing/2014/main" id="{55A3C26F-5F50-4C15-A358-A50DF6B88351}"/>
+              </a:ext>
+            </a:extLst>
+          </p:cNvPr>
+          <p:cNvPicPr>
+            <a:picLocks noChangeAspect="1"/>
+          </p:cNvPicPr>
+          <p:nvPr/>
+        </p:nvPicPr>
+        <p:blipFill>
+          <a:blip r:embed="rId4"/>
+          <a:stretch>
+            <a:fillRect/>
+          </a:stretch>
+        </p:blipFill>
+        <p:spPr>
+          <a:xfrm>
+            <a:off x="5010149" y="3629464"/>
+            <a:ext cx="6679955" cy="3267075"/>
+          </a:xfrm>
+          <a:prstGeom prst="rect">
+            <a:avLst/>
+          </a:prstGeom>
+        </p:spPr>
+      </p:pic>
+      <p:sp>
+        <p:nvSpPr>
+          <p:cNvPr id="3" name="Footer Placeholder 2">
+            <a:extLst>
+              <a:ext uri="{FF2B5EF4-FFF2-40B4-BE49-F238E27FC236}">
+                <a16:creationId xmlns:a16="http://schemas.microsoft.com/office/drawing/2014/main" id="{07F38C29-C21F-46CA-8090-23974A091649}"/>
+              </a:ext>
+            </a:extLst>
+          </p:cNvPr>
+          <p:cNvSpPr>
+            <a:spLocks noGrp="1"/>
+          </p:cNvSpPr>
+          <p:nvPr>
+            <p:ph type="ftr" sz="quarter" idx="11"/>
+          </p:nvPr>
+        </p:nvSpPr>
+        <p:spPr/>
+        <p:txBody>
+          <a:bodyPr/>
+          <a:lstStyle/>
+          <a:p>
+            <a:endParaRPr lang="en-US"/>
+          </a:p>
+        </p:txBody>
+      </p:sp>
     </p:spTree>
     <p:extLst>
       <p:ext uri="{BB962C8B-B14F-4D97-AF65-F5344CB8AC3E}">
-        <p14:creationId xmlns:p14="http://schemas.microsoft.com/office/powerpoint/2010/main" val="4044951950"/>
+        <p14:creationId xmlns:p14="http://schemas.microsoft.com/office/powerpoint/2010/main" val="3028650603"/>
       </p:ext>
     </p:extLst>
   </p:cSld>
@@ -5357,7 +5821,7 @@
           <p:cNvPr id="2" name="Title 1">
             <a:extLst>
               <a:ext uri="{FF2B5EF4-FFF2-40B4-BE49-F238E27FC236}">
-                <a16:creationId xmlns:a16="http://schemas.microsoft.com/office/drawing/2014/main" id="{4E609893-3A14-4351-9C66-294ED425C618}"/>
+                <a16:creationId xmlns:a16="http://schemas.microsoft.com/office/drawing/2014/main" id="{716EAB2B-2407-4991-BC59-16A3D71A3193}"/>
               </a:ext>
             </a:extLst>
           </p:cNvPr>
@@ -5375,7 +5839,7 @@
           <a:p>
             <a:r>
               <a:rPr lang="en-US" dirty="0"/>
-              <a:t>Clustering </a:t>
+              <a:t>Introduction</a:t>
             </a:r>
           </a:p>
         </p:txBody>
@@ -5385,7 +5849,7 @@
           <p:cNvPr id="3" name="Content Placeholder 2">
             <a:extLst>
               <a:ext uri="{FF2B5EF4-FFF2-40B4-BE49-F238E27FC236}">
-                <a16:creationId xmlns:a16="http://schemas.microsoft.com/office/drawing/2014/main" id="{08C64ABF-AEFA-44BC-AA93-22B0EEC38895}"/>
+                <a16:creationId xmlns:a16="http://schemas.microsoft.com/office/drawing/2014/main" id="{1D1644F3-1FD5-4086-BD32-970BA0ABA622}"/>
               </a:ext>
             </a:extLst>
           </p:cNvPr>
@@ -5401,9 +5865,48 @@
           <a:bodyPr/>
           <a:lstStyle/>
           <a:p>
+            <a:pPr marL="0" indent="0">
+              <a:buNone/>
+            </a:pPr>
             <a:r>
               <a:rPr lang="en-US" dirty="0"/>
-              <a:t>Group together </a:t>
+              <a:t>Unsupervised Learning </a:t>
+            </a:r>
+          </a:p>
+          <a:p>
+            <a:pPr marL="0" indent="0">
+              <a:buNone/>
+            </a:pPr>
+            <a:r>
+              <a:rPr lang="en-US" dirty="0"/>
+              <a:t>	- no labels needed </a:t>
+            </a:r>
+          </a:p>
+          <a:p>
+            <a:pPr marL="0" indent="0">
+              <a:buNone/>
+            </a:pPr>
+            <a:r>
+              <a:rPr lang="en-US" dirty="0"/>
+              <a:t>	- helps with discovering hidden patterns in the data </a:t>
+            </a:r>
+          </a:p>
+          <a:p>
+            <a:pPr marL="0" indent="0">
+              <a:buNone/>
+            </a:pPr>
+            <a:r>
+              <a:rPr lang="en-US" dirty="0"/>
+              <a:t>Cluster Analysis </a:t>
+            </a:r>
+          </a:p>
+          <a:p>
+            <a:pPr marL="0" indent="0">
+              <a:buNone/>
+            </a:pPr>
+            <a:r>
+              <a:rPr lang="en-US" dirty="0"/>
+              <a:t>	- Group together </a:t>
             </a:r>
             <a:r>
               <a:rPr lang="en-US" b="1" i="1" dirty="0"/>
@@ -5415,9 +5918,21 @@
             </a:r>
           </a:p>
           <a:p>
+            <a:pPr marL="0" indent="0">
+              <a:buNone/>
+            </a:pPr>
             <a:r>
               <a:rPr lang="en-US" dirty="0"/>
-              <a:t>Unsupervised learning – no labels used </a:t>
+              <a:t>	- Approaches to cluster analysis</a:t>
+            </a:r>
+          </a:p>
+          <a:p>
+            <a:pPr marL="0" indent="0">
+              <a:buNone/>
+            </a:pPr>
+            <a:r>
+              <a:rPr lang="en-US" dirty="0"/>
+              <a:t>		- compactness and connectivity </a:t>
             </a:r>
           </a:p>
           <a:p>
@@ -5426,18 +5941,37 @@
             </a:pPr>
             <a:endParaRPr lang="en-US" dirty="0"/>
           </a:p>
-          <a:p>
-            <a:pPr marL="0" indent="0">
-              <a:buNone/>
-            </a:pPr>
-            <a:endParaRPr lang="en-US" dirty="0"/>
+        </p:txBody>
+      </p:sp>
+      <p:sp>
+        <p:nvSpPr>
+          <p:cNvPr id="4" name="Footer Placeholder 3">
+            <a:extLst>
+              <a:ext uri="{FF2B5EF4-FFF2-40B4-BE49-F238E27FC236}">
+                <a16:creationId xmlns:a16="http://schemas.microsoft.com/office/drawing/2014/main" id="{A8877AC7-A0B6-4CA1-A133-F33531F3D1B2}"/>
+              </a:ext>
+            </a:extLst>
+          </p:cNvPr>
+          <p:cNvSpPr>
+            <a:spLocks noGrp="1"/>
+          </p:cNvSpPr>
+          <p:nvPr>
+            <p:ph type="ftr" sz="quarter" idx="11"/>
+          </p:nvPr>
+        </p:nvSpPr>
+        <p:spPr/>
+        <p:txBody>
+          <a:bodyPr/>
+          <a:lstStyle/>
+          <a:p>
+            <a:endParaRPr lang="en-US"/>
           </a:p>
         </p:txBody>
       </p:sp>
     </p:spTree>
     <p:extLst>
       <p:ext uri="{BB962C8B-B14F-4D97-AF65-F5344CB8AC3E}">
-        <p14:creationId xmlns:p14="http://schemas.microsoft.com/office/powerpoint/2010/main" val="1371884586"/>
+        <p14:creationId xmlns:p14="http://schemas.microsoft.com/office/powerpoint/2010/main" val="381166473"/>
       </p:ext>
     </p:extLst>
   </p:cSld>
@@ -5448,7 +5982,323 @@
 </file>
 
 <file path=ppt/slides/slide20.xml><?xml version="1.0" encoding="utf-8"?>
-<p:sld xmlns:a="http://schemas.openxmlformats.org/drawingml/2006/main" xmlns:r="http://schemas.openxmlformats.org/officeDocument/2006/relationships" xmlns:p="http://schemas.openxmlformats.org/presentationml/2006/main">
+<p:sld xmlns:a="http://schemas.openxmlformats.org/drawingml/2006/main" xmlns:r="http://schemas.openxmlformats.org/officeDocument/2006/relationships" xmlns:p="http://schemas.openxmlformats.org/presentationml/2006/main" show="0">
+  <p:cSld>
+    <p:spTree>
+      <p:nvGrpSpPr>
+        <p:cNvPr id="1" name=""/>
+        <p:cNvGrpSpPr/>
+        <p:nvPr/>
+      </p:nvGrpSpPr>
+      <p:grpSpPr>
+        <a:xfrm>
+          <a:off x="0" y="0"/>
+          <a:ext cx="0" cy="0"/>
+          <a:chOff x="0" y="0"/>
+          <a:chExt cx="0" cy="0"/>
+        </a:xfrm>
+      </p:grpSpPr>
+      <p:sp>
+        <p:nvSpPr>
+          <p:cNvPr id="2" name="Title 1">
+            <a:extLst>
+              <a:ext uri="{FF2B5EF4-FFF2-40B4-BE49-F238E27FC236}">
+                <a16:creationId xmlns:a16="http://schemas.microsoft.com/office/drawing/2014/main" id="{2C3C42E4-599B-43C2-ABF9-73602A30E83E}"/>
+              </a:ext>
+            </a:extLst>
+          </p:cNvPr>
+          <p:cNvSpPr>
+            <a:spLocks noGrp="1"/>
+          </p:cNvSpPr>
+          <p:nvPr>
+            <p:ph type="title"/>
+          </p:nvPr>
+        </p:nvSpPr>
+        <p:spPr/>
+        <p:txBody>
+          <a:bodyPr/>
+          <a:lstStyle/>
+          <a:p>
+            <a:r>
+              <a:rPr lang="en-US" dirty="0"/>
+              <a:t>Example</a:t>
+            </a:r>
+          </a:p>
+        </p:txBody>
+      </p:sp>
+      <p:pic>
+        <p:nvPicPr>
+          <p:cNvPr id="4" name="Picture 3">
+            <a:extLst>
+              <a:ext uri="{FF2B5EF4-FFF2-40B4-BE49-F238E27FC236}">
+                <a16:creationId xmlns:a16="http://schemas.microsoft.com/office/drawing/2014/main" id="{3447390A-7E94-40F5-BB1E-2C69345437D7}"/>
+              </a:ext>
+            </a:extLst>
+          </p:cNvPr>
+          <p:cNvPicPr>
+            <a:picLocks noChangeAspect="1"/>
+          </p:cNvPicPr>
+          <p:nvPr/>
+        </p:nvPicPr>
+        <p:blipFill>
+          <a:blip r:embed="rId2"/>
+          <a:stretch>
+            <a:fillRect/>
+          </a:stretch>
+        </p:blipFill>
+        <p:spPr>
+          <a:xfrm>
+            <a:off x="556553" y="1871367"/>
+            <a:ext cx="5676900" cy="3762375"/>
+          </a:xfrm>
+          <a:prstGeom prst="rect">
+            <a:avLst/>
+          </a:prstGeom>
+        </p:spPr>
+      </p:pic>
+      <p:pic>
+        <p:nvPicPr>
+          <p:cNvPr id="5" name="Picture 4">
+            <a:extLst>
+              <a:ext uri="{FF2B5EF4-FFF2-40B4-BE49-F238E27FC236}">
+                <a16:creationId xmlns:a16="http://schemas.microsoft.com/office/drawing/2014/main" id="{B78B8347-01E4-4AE4-8EAD-F5FBB0781D8B}"/>
+              </a:ext>
+            </a:extLst>
+          </p:cNvPr>
+          <p:cNvPicPr>
+            <a:picLocks noChangeAspect="1"/>
+          </p:cNvPicPr>
+          <p:nvPr/>
+        </p:nvPicPr>
+        <p:blipFill>
+          <a:blip r:embed="rId3"/>
+          <a:stretch>
+            <a:fillRect/>
+          </a:stretch>
+        </p:blipFill>
+        <p:spPr>
+          <a:xfrm>
+            <a:off x="6096000" y="1995743"/>
+            <a:ext cx="5860954" cy="2866513"/>
+          </a:xfrm>
+          <a:prstGeom prst="rect">
+            <a:avLst/>
+          </a:prstGeom>
+        </p:spPr>
+      </p:pic>
+      <p:pic>
+        <p:nvPicPr>
+          <p:cNvPr id="7" name="Picture 6">
+            <a:extLst>
+              <a:ext uri="{FF2B5EF4-FFF2-40B4-BE49-F238E27FC236}">
+                <a16:creationId xmlns:a16="http://schemas.microsoft.com/office/drawing/2014/main" id="{93F87118-0E02-4FE9-9EE9-4C5E696EE049}"/>
+              </a:ext>
+            </a:extLst>
+          </p:cNvPr>
+          <p:cNvPicPr>
+            <a:picLocks noChangeAspect="1"/>
+          </p:cNvPicPr>
+          <p:nvPr/>
+        </p:nvPicPr>
+        <p:blipFill>
+          <a:blip r:embed="rId4"/>
+          <a:stretch>
+            <a:fillRect/>
+          </a:stretch>
+        </p:blipFill>
+        <p:spPr>
+          <a:xfrm>
+            <a:off x="2080054" y="5548272"/>
+            <a:ext cx="6000750" cy="781050"/>
+          </a:xfrm>
+          <a:prstGeom prst="rect">
+            <a:avLst/>
+          </a:prstGeom>
+        </p:spPr>
+      </p:pic>
+      <p:sp>
+        <p:nvSpPr>
+          <p:cNvPr id="3" name="Footer Placeholder 2">
+            <a:extLst>
+              <a:ext uri="{FF2B5EF4-FFF2-40B4-BE49-F238E27FC236}">
+                <a16:creationId xmlns:a16="http://schemas.microsoft.com/office/drawing/2014/main" id="{68913361-B85E-4746-86C8-BDBADB8CA0CA}"/>
+              </a:ext>
+            </a:extLst>
+          </p:cNvPr>
+          <p:cNvSpPr>
+            <a:spLocks noGrp="1"/>
+          </p:cNvSpPr>
+          <p:nvPr>
+            <p:ph type="ftr" sz="quarter" idx="11"/>
+          </p:nvPr>
+        </p:nvSpPr>
+        <p:spPr/>
+        <p:txBody>
+          <a:bodyPr/>
+          <a:lstStyle/>
+          <a:p>
+            <a:endParaRPr lang="en-US"/>
+          </a:p>
+        </p:txBody>
+      </p:sp>
+    </p:spTree>
+    <p:extLst>
+      <p:ext uri="{BB962C8B-B14F-4D97-AF65-F5344CB8AC3E}">
+        <p14:creationId xmlns:p14="http://schemas.microsoft.com/office/powerpoint/2010/main" val="3791328387"/>
+      </p:ext>
+    </p:extLst>
+  </p:cSld>
+  <p:clrMapOvr>
+    <a:masterClrMapping/>
+  </p:clrMapOvr>
+</p:sld>
+</file>
+
+<file path=ppt/slides/slide21.xml><?xml version="1.0" encoding="utf-8"?>
+<p:sld xmlns:a="http://schemas.openxmlformats.org/drawingml/2006/main" xmlns:r="http://schemas.openxmlformats.org/officeDocument/2006/relationships" xmlns:p="http://schemas.openxmlformats.org/presentationml/2006/main" show="0">
+  <p:cSld>
+    <p:spTree>
+      <p:nvGrpSpPr>
+        <p:cNvPr id="1" name=""/>
+        <p:cNvGrpSpPr/>
+        <p:nvPr/>
+      </p:nvGrpSpPr>
+      <p:grpSpPr>
+        <a:xfrm>
+          <a:off x="0" y="0"/>
+          <a:ext cx="0" cy="0"/>
+          <a:chOff x="0" y="0"/>
+          <a:chExt cx="0" cy="0"/>
+        </a:xfrm>
+      </p:grpSpPr>
+      <p:sp>
+        <p:nvSpPr>
+          <p:cNvPr id="2" name="Title 1">
+            <a:extLst>
+              <a:ext uri="{FF2B5EF4-FFF2-40B4-BE49-F238E27FC236}">
+                <a16:creationId xmlns:a16="http://schemas.microsoft.com/office/drawing/2014/main" id="{F49ECFCB-023A-4A09-B957-177F7CF5CBF5}"/>
+              </a:ext>
+            </a:extLst>
+          </p:cNvPr>
+          <p:cNvSpPr>
+            <a:spLocks noGrp="1"/>
+          </p:cNvSpPr>
+          <p:nvPr>
+            <p:ph type="title"/>
+          </p:nvPr>
+        </p:nvSpPr>
+        <p:spPr/>
+        <p:txBody>
+          <a:bodyPr/>
+          <a:lstStyle/>
+          <a:p>
+            <a:r>
+              <a:rPr lang="en-US" dirty="0"/>
+              <a:t>Example  </a:t>
+            </a:r>
+          </a:p>
+        </p:txBody>
+      </p:sp>
+      <p:pic>
+        <p:nvPicPr>
+          <p:cNvPr id="4" name="Picture 3">
+            <a:extLst>
+              <a:ext uri="{FF2B5EF4-FFF2-40B4-BE49-F238E27FC236}">
+                <a16:creationId xmlns:a16="http://schemas.microsoft.com/office/drawing/2014/main" id="{9DD72A28-A00A-48E0-9593-88A540526EC5}"/>
+              </a:ext>
+            </a:extLst>
+          </p:cNvPr>
+          <p:cNvPicPr>
+            <a:picLocks noChangeAspect="1"/>
+          </p:cNvPicPr>
+          <p:nvPr/>
+        </p:nvPicPr>
+        <p:blipFill>
+          <a:blip r:embed="rId2"/>
+          <a:stretch>
+            <a:fillRect/>
+          </a:stretch>
+        </p:blipFill>
+        <p:spPr>
+          <a:xfrm>
+            <a:off x="1062258" y="1486558"/>
+            <a:ext cx="3453471" cy="4269877"/>
+          </a:xfrm>
+          <a:prstGeom prst="rect">
+            <a:avLst/>
+          </a:prstGeom>
+        </p:spPr>
+      </p:pic>
+      <p:pic>
+        <p:nvPicPr>
+          <p:cNvPr id="8" name="Picture 7">
+            <a:extLst>
+              <a:ext uri="{FF2B5EF4-FFF2-40B4-BE49-F238E27FC236}">
+                <a16:creationId xmlns:a16="http://schemas.microsoft.com/office/drawing/2014/main" id="{4203E626-1CBE-4708-BD93-8618F1056882}"/>
+              </a:ext>
+            </a:extLst>
+          </p:cNvPr>
+          <p:cNvPicPr>
+            <a:picLocks noChangeAspect="1"/>
+          </p:cNvPicPr>
+          <p:nvPr/>
+        </p:nvPicPr>
+        <p:blipFill>
+          <a:blip r:embed="rId3"/>
+          <a:stretch>
+            <a:fillRect/>
+          </a:stretch>
+        </p:blipFill>
+        <p:spPr>
+          <a:xfrm>
+            <a:off x="6700693" y="1367901"/>
+            <a:ext cx="3076575" cy="4667250"/>
+          </a:xfrm>
+          <a:prstGeom prst="rect">
+            <a:avLst/>
+          </a:prstGeom>
+        </p:spPr>
+      </p:pic>
+      <p:sp>
+        <p:nvSpPr>
+          <p:cNvPr id="3" name="Footer Placeholder 2">
+            <a:extLst>
+              <a:ext uri="{FF2B5EF4-FFF2-40B4-BE49-F238E27FC236}">
+                <a16:creationId xmlns:a16="http://schemas.microsoft.com/office/drawing/2014/main" id="{4447A82A-7753-4AD9-9706-75509E9F48AD}"/>
+              </a:ext>
+            </a:extLst>
+          </p:cNvPr>
+          <p:cNvSpPr>
+            <a:spLocks noGrp="1"/>
+          </p:cNvSpPr>
+          <p:nvPr>
+            <p:ph type="ftr" sz="quarter" idx="11"/>
+          </p:nvPr>
+        </p:nvSpPr>
+        <p:spPr/>
+        <p:txBody>
+          <a:bodyPr/>
+          <a:lstStyle/>
+          <a:p>
+            <a:endParaRPr lang="en-US"/>
+          </a:p>
+        </p:txBody>
+      </p:sp>
+    </p:spTree>
+    <p:extLst>
+      <p:ext uri="{BB962C8B-B14F-4D97-AF65-F5344CB8AC3E}">
+        <p14:creationId xmlns:p14="http://schemas.microsoft.com/office/powerpoint/2010/main" val="4044951950"/>
+      </p:ext>
+    </p:extLst>
+  </p:cSld>
+  <p:clrMapOvr>
+    <a:masterClrMapping/>
+  </p:clrMapOvr>
+</p:sld>
+</file>
+
+<file path=ppt/slides/slide22.xml><?xml version="1.0" encoding="utf-8"?>
+<p:sld xmlns:a="http://schemas.openxmlformats.org/drawingml/2006/main" xmlns:r="http://schemas.openxmlformats.org/officeDocument/2006/relationships" xmlns:p="http://schemas.openxmlformats.org/presentationml/2006/main" show="0">
   <p:cSld>
     <p:spTree>
       <p:nvGrpSpPr>
@@ -5552,6 +6402,31 @@
           </a:prstGeom>
         </p:spPr>
       </p:pic>
+      <p:sp>
+        <p:nvSpPr>
+          <p:cNvPr id="3" name="Footer Placeholder 2">
+            <a:extLst>
+              <a:ext uri="{FF2B5EF4-FFF2-40B4-BE49-F238E27FC236}">
+                <a16:creationId xmlns:a16="http://schemas.microsoft.com/office/drawing/2014/main" id="{1B720FBB-7D12-47F9-BF58-3AFE6413F1DC}"/>
+              </a:ext>
+            </a:extLst>
+          </p:cNvPr>
+          <p:cNvSpPr>
+            <a:spLocks noGrp="1"/>
+          </p:cNvSpPr>
+          <p:nvPr>
+            <p:ph type="ftr" sz="quarter" idx="11"/>
+          </p:nvPr>
+        </p:nvSpPr>
+        <p:spPr/>
+        <p:txBody>
+          <a:bodyPr/>
+          <a:lstStyle/>
+          <a:p>
+            <a:endParaRPr lang="en-US"/>
+          </a:p>
+        </p:txBody>
+      </p:sp>
     </p:spTree>
     <p:extLst>
       <p:ext uri="{BB962C8B-B14F-4D97-AF65-F5344CB8AC3E}">
@@ -5565,8 +6440,8 @@
 </p:sld>
 </file>
 
-<file path=ppt/slides/slide21.xml><?xml version="1.0" encoding="utf-8"?>
-<p:sld xmlns:a="http://schemas.openxmlformats.org/drawingml/2006/main" xmlns:r="http://schemas.openxmlformats.org/officeDocument/2006/relationships" xmlns:p="http://schemas.openxmlformats.org/presentationml/2006/main">
+<file path=ppt/slides/slide23.xml><?xml version="1.0" encoding="utf-8"?>
+<p:sld xmlns:a="http://schemas.openxmlformats.org/drawingml/2006/main" xmlns:r="http://schemas.openxmlformats.org/officeDocument/2006/relationships" xmlns:p="http://schemas.openxmlformats.org/presentationml/2006/main" show="0">
   <p:cSld>
     <p:spTree>
       <p:nvGrpSpPr>
@@ -5670,6 +6545,31 @@
           </a:prstGeom>
         </p:spPr>
       </p:pic>
+      <p:sp>
+        <p:nvSpPr>
+          <p:cNvPr id="5" name="Footer Placeholder 4">
+            <a:extLst>
+              <a:ext uri="{FF2B5EF4-FFF2-40B4-BE49-F238E27FC236}">
+                <a16:creationId xmlns:a16="http://schemas.microsoft.com/office/drawing/2014/main" id="{E9962921-465E-4C94-A43E-52DA5480133B}"/>
+              </a:ext>
+            </a:extLst>
+          </p:cNvPr>
+          <p:cNvSpPr>
+            <a:spLocks noGrp="1"/>
+          </p:cNvSpPr>
+          <p:nvPr>
+            <p:ph type="ftr" sz="quarter" idx="11"/>
+          </p:nvPr>
+        </p:nvSpPr>
+        <p:spPr/>
+        <p:txBody>
+          <a:bodyPr/>
+          <a:lstStyle/>
+          <a:p>
+            <a:endParaRPr lang="en-US"/>
+          </a:p>
+        </p:txBody>
+      </p:sp>
     </p:spTree>
     <p:extLst>
       <p:ext uri="{BB962C8B-B14F-4D97-AF65-F5344CB8AC3E}">
@@ -5683,8 +6583,8 @@
 </p:sld>
 </file>
 
-<file path=ppt/slides/slide22.xml><?xml version="1.0" encoding="utf-8"?>
-<p:sld xmlns:a="http://schemas.openxmlformats.org/drawingml/2006/main" xmlns:r="http://schemas.openxmlformats.org/officeDocument/2006/relationships" xmlns:p="http://schemas.openxmlformats.org/presentationml/2006/main">
+<file path=ppt/slides/slide24.xml><?xml version="1.0" encoding="utf-8"?>
+<p:sld xmlns:a="http://schemas.openxmlformats.org/drawingml/2006/main" xmlns:r="http://schemas.openxmlformats.org/officeDocument/2006/relationships" xmlns:p="http://schemas.openxmlformats.org/presentationml/2006/main" show="0">
   <p:cSld>
     <p:spTree>
       <p:nvGrpSpPr>
@@ -5788,6 +6688,31 @@
           </a:prstGeom>
         </p:spPr>
       </p:pic>
+      <p:sp>
+        <p:nvSpPr>
+          <p:cNvPr id="3" name="Footer Placeholder 2">
+            <a:extLst>
+              <a:ext uri="{FF2B5EF4-FFF2-40B4-BE49-F238E27FC236}">
+                <a16:creationId xmlns:a16="http://schemas.microsoft.com/office/drawing/2014/main" id="{B26C04BD-D40F-4838-8D17-C14140727472}"/>
+              </a:ext>
+            </a:extLst>
+          </p:cNvPr>
+          <p:cNvSpPr>
+            <a:spLocks noGrp="1"/>
+          </p:cNvSpPr>
+          <p:nvPr>
+            <p:ph type="ftr" sz="quarter" idx="11"/>
+          </p:nvPr>
+        </p:nvSpPr>
+        <p:spPr/>
+        <p:txBody>
+          <a:bodyPr/>
+          <a:lstStyle/>
+          <a:p>
+            <a:endParaRPr lang="en-US"/>
+          </a:p>
+        </p:txBody>
+      </p:sp>
     </p:spTree>
     <p:extLst>
       <p:ext uri="{BB962C8B-B14F-4D97-AF65-F5344CB8AC3E}">
@@ -5801,8 +6726,8 @@
 </p:sld>
 </file>
 
-<file path=ppt/slides/slide23.xml><?xml version="1.0" encoding="utf-8"?>
-<p:sld xmlns:a="http://schemas.openxmlformats.org/drawingml/2006/main" xmlns:r="http://schemas.openxmlformats.org/officeDocument/2006/relationships" xmlns:p="http://schemas.openxmlformats.org/presentationml/2006/main">
+<file path=ppt/slides/slide25.xml><?xml version="1.0" encoding="utf-8"?>
+<p:sld xmlns:a="http://schemas.openxmlformats.org/drawingml/2006/main" xmlns:r="http://schemas.openxmlformats.org/officeDocument/2006/relationships" xmlns:p="http://schemas.openxmlformats.org/presentationml/2006/main" show="0">
   <p:cSld>
     <p:spTree>
       <p:nvGrpSpPr>
@@ -5906,42 +6831,12 @@
           </a:prstGeom>
         </p:spPr>
       </p:pic>
-    </p:spTree>
-    <p:extLst>
-      <p:ext uri="{BB962C8B-B14F-4D97-AF65-F5344CB8AC3E}">
-        <p14:creationId xmlns:p14="http://schemas.microsoft.com/office/powerpoint/2010/main" val="4249914536"/>
-      </p:ext>
-    </p:extLst>
-  </p:cSld>
-  <p:clrMapOvr>
-    <a:masterClrMapping/>
-  </p:clrMapOvr>
-</p:sld>
-</file>
-
-<file path=ppt/slides/slide24.xml><?xml version="1.0" encoding="utf-8"?>
-<p:sld xmlns:a="http://schemas.openxmlformats.org/drawingml/2006/main" xmlns:r="http://schemas.openxmlformats.org/officeDocument/2006/relationships" xmlns:p="http://schemas.openxmlformats.org/presentationml/2006/main">
-  <p:cSld>
-    <p:spTree>
-      <p:nvGrpSpPr>
-        <p:cNvPr id="1" name=""/>
-        <p:cNvGrpSpPr/>
-        <p:nvPr/>
-      </p:nvGrpSpPr>
-      <p:grpSpPr>
-        <a:xfrm>
-          <a:off x="0" y="0"/>
-          <a:ext cx="0" cy="0"/>
-          <a:chOff x="0" y="0"/>
-          <a:chExt cx="0" cy="0"/>
-        </a:xfrm>
-      </p:grpSpPr>
       <p:sp>
         <p:nvSpPr>
-          <p:cNvPr id="2" name="Title 1">
+          <p:cNvPr id="3" name="Footer Placeholder 2">
             <a:extLst>
               <a:ext uri="{FF2B5EF4-FFF2-40B4-BE49-F238E27FC236}">
-                <a16:creationId xmlns:a16="http://schemas.microsoft.com/office/drawing/2014/main" id="{D0D17455-0149-4DEE-A88F-DD19025F52F5}"/>
+                <a16:creationId xmlns:a16="http://schemas.microsoft.com/office/drawing/2014/main" id="{BF7FBEC6-DD65-49C0-A88B-C23BDA8E643F}"/>
               </a:ext>
             </a:extLst>
           </p:cNvPr>
@@ -5949,7 +6844,7 @@
             <a:spLocks noGrp="1"/>
           </p:cNvSpPr>
           <p:nvPr>
-            <p:ph type="title"/>
+            <p:ph type="ftr" sz="quarter" idx="11"/>
           </p:nvPr>
         </p:nvSpPr>
         <p:spPr/>
@@ -5957,218 +6852,14 @@
           <a:bodyPr/>
           <a:lstStyle/>
           <a:p>
-            <a:r>
-              <a:rPr lang="en-US" dirty="0"/>
-              <a:t>TO DO </a:t>
-            </a:r>
-          </a:p>
-        </p:txBody>
-      </p:sp>
-      <p:sp>
-        <p:nvSpPr>
-          <p:cNvPr id="3" name="Content Placeholder 2">
-            <a:extLst>
-              <a:ext uri="{FF2B5EF4-FFF2-40B4-BE49-F238E27FC236}">
-                <a16:creationId xmlns:a16="http://schemas.microsoft.com/office/drawing/2014/main" id="{463BAC14-4C88-48F3-8610-A2F614507E7E}"/>
-              </a:ext>
-            </a:extLst>
-          </p:cNvPr>
-          <p:cNvSpPr>
-            <a:spLocks noGrp="1"/>
-          </p:cNvSpPr>
-          <p:nvPr>
-            <p:ph idx="1"/>
-          </p:nvPr>
-        </p:nvSpPr>
-        <p:spPr>
-          <a:xfrm>
-            <a:off x="838200" y="1900781"/>
-            <a:ext cx="10515600" cy="4351338"/>
-          </a:xfrm>
-        </p:spPr>
-        <p:txBody>
-          <a:bodyPr>
-            <a:normAutofit fontScale="92500" lnSpcReduction="10000"/>
-          </a:bodyPr>
-          <a:lstStyle/>
-          <a:p>
-            <a:r>
-              <a:rPr lang="en-US" dirty="0"/>
-              <a:t>Why Laplacian matrix ? How is it connected to Laplacian operator of a function ?</a:t>
-            </a:r>
-          </a:p>
-          <a:p>
-            <a:r>
-              <a:rPr lang="en-US" dirty="0"/>
-              <a:t> What other options for clustering are available ?</a:t>
-            </a:r>
-          </a:p>
-          <a:p>
-            <a:r>
-              <a:rPr lang="en-US" dirty="0"/>
-              <a:t>Why it works ?</a:t>
-            </a:r>
-          </a:p>
-          <a:p>
-            <a:r>
-              <a:rPr lang="en-US" dirty="0"/>
-              <a:t>DEMO ( with code ) </a:t>
-            </a:r>
-          </a:p>
-          <a:p>
-            <a:r>
-              <a:rPr lang="en-US" dirty="0"/>
-              <a:t>Better Mathematical Interpretation </a:t>
-            </a:r>
-          </a:p>
-          <a:p>
-            <a:r>
-              <a:rPr lang="en-US" dirty="0"/>
-              <a:t>Summarize ongoing research on this topic and what they are trying to achieve </a:t>
-            </a:r>
-          </a:p>
-          <a:p>
-            <a:r>
-              <a:rPr lang="en-US" dirty="0"/>
-              <a:t>Why use eigenvalue ? How does eigenvalue give the notion of connectedness of the graph ? What is its mathematical interpretation?</a:t>
-            </a:r>
+            <a:endParaRPr lang="en-US"/>
           </a:p>
         </p:txBody>
       </p:sp>
     </p:spTree>
     <p:extLst>
       <p:ext uri="{BB962C8B-B14F-4D97-AF65-F5344CB8AC3E}">
-        <p14:creationId xmlns:p14="http://schemas.microsoft.com/office/powerpoint/2010/main" val="4176049212"/>
-      </p:ext>
-    </p:extLst>
-  </p:cSld>
-  <p:clrMapOvr>
-    <a:masterClrMapping/>
-  </p:clrMapOvr>
-</p:sld>
-</file>
-
-<file path=ppt/slides/slide25.xml><?xml version="1.0" encoding="utf-8"?>
-<p:sld xmlns:a="http://schemas.openxmlformats.org/drawingml/2006/main" xmlns:r="http://schemas.openxmlformats.org/officeDocument/2006/relationships" xmlns:p="http://schemas.openxmlformats.org/presentationml/2006/main">
-  <p:cSld>
-    <p:spTree>
-      <p:nvGrpSpPr>
-        <p:cNvPr id="1" name=""/>
-        <p:cNvGrpSpPr/>
-        <p:nvPr/>
-      </p:nvGrpSpPr>
-      <p:grpSpPr>
-        <a:xfrm>
-          <a:off x="0" y="0"/>
-          <a:ext cx="0" cy="0"/>
-          <a:chOff x="0" y="0"/>
-          <a:chExt cx="0" cy="0"/>
-        </a:xfrm>
-      </p:grpSpPr>
-      <p:sp>
-        <p:nvSpPr>
-          <p:cNvPr id="2" name="Title 1">
-            <a:extLst>
-              <a:ext uri="{FF2B5EF4-FFF2-40B4-BE49-F238E27FC236}">
-                <a16:creationId xmlns:a16="http://schemas.microsoft.com/office/drawing/2014/main" id="{C3004465-6380-4FBC-A9D6-E105A0AC30B4}"/>
-              </a:ext>
-            </a:extLst>
-          </p:cNvPr>
-          <p:cNvSpPr>
-            <a:spLocks noGrp="1"/>
-          </p:cNvSpPr>
-          <p:nvPr>
-            <p:ph type="title"/>
-          </p:nvPr>
-        </p:nvSpPr>
-        <p:spPr/>
-        <p:txBody>
-          <a:bodyPr/>
-          <a:lstStyle/>
-          <a:p>
-            <a:r>
-              <a:rPr lang="en-US" dirty="0"/>
-              <a:t>TO DO </a:t>
-            </a:r>
-          </a:p>
-        </p:txBody>
-      </p:sp>
-      <p:sp>
-        <p:nvSpPr>
-          <p:cNvPr id="3" name="Content Placeholder 2">
-            <a:extLst>
-              <a:ext uri="{FF2B5EF4-FFF2-40B4-BE49-F238E27FC236}">
-                <a16:creationId xmlns:a16="http://schemas.microsoft.com/office/drawing/2014/main" id="{9B34BB6B-D2DF-46B8-98B9-14C94DAD7585}"/>
-              </a:ext>
-            </a:extLst>
-          </p:cNvPr>
-          <p:cNvSpPr>
-            <a:spLocks noGrp="1"/>
-          </p:cNvSpPr>
-          <p:nvPr>
-            <p:ph idx="1"/>
-          </p:nvPr>
-        </p:nvSpPr>
-        <p:spPr/>
-        <p:txBody>
-          <a:bodyPr/>
-          <a:lstStyle/>
-          <a:p>
-            <a:r>
-              <a:rPr lang="en-US" dirty="0"/>
-              <a:t>Unnormalized vs. normalized spectral clustering</a:t>
-            </a:r>
-          </a:p>
-          <a:p>
-            <a:r>
-              <a:rPr lang="en-US" dirty="0"/>
-              <a:t>Graph cut, ratio cut </a:t>
-            </a:r>
-          </a:p>
-          <a:p>
-            <a:r>
-              <a:rPr lang="en-US" dirty="0"/>
-              <a:t>Random walks point of view </a:t>
-            </a:r>
-          </a:p>
-          <a:p>
-            <a:r>
-              <a:rPr lang="en-US" dirty="0"/>
-              <a:t>K means clustering </a:t>
-            </a:r>
-          </a:p>
-          <a:p>
-            <a:r>
-              <a:rPr lang="en-US" dirty="0"/>
-              <a:t>Programming implementation ( python – </a:t>
-            </a:r>
-            <a:r>
-              <a:rPr lang="en-US" dirty="0" err="1"/>
-              <a:t>jupyter</a:t>
-            </a:r>
-            <a:r>
-              <a:rPr lang="en-US" dirty="0"/>
-              <a:t> notebook) </a:t>
-            </a:r>
-          </a:p>
-          <a:p>
-            <a:pPr marL="0" indent="0">
-              <a:buNone/>
-            </a:pPr>
-            <a:endParaRPr lang="en-US" dirty="0"/>
-          </a:p>
-          <a:p>
-            <a:endParaRPr lang="en-US" dirty="0"/>
-          </a:p>
-          <a:p>
-            <a:endParaRPr lang="en-US" dirty="0"/>
-          </a:p>
-        </p:txBody>
-      </p:sp>
-    </p:spTree>
-    <p:extLst>
-      <p:ext uri="{BB962C8B-B14F-4D97-AF65-F5344CB8AC3E}">
-        <p14:creationId xmlns:p14="http://schemas.microsoft.com/office/powerpoint/2010/main" val="4114582569"/>
+        <p14:creationId xmlns:p14="http://schemas.microsoft.com/office/powerpoint/2010/main" val="4249914536"/>
       </p:ext>
     </p:extLst>
   </p:cSld>
@@ -6200,7 +6891,7 @@
           <p:cNvPr id="2" name="Title 1">
             <a:extLst>
               <a:ext uri="{FF2B5EF4-FFF2-40B4-BE49-F238E27FC236}">
-                <a16:creationId xmlns:a16="http://schemas.microsoft.com/office/drawing/2014/main" id="{14FB1DC0-5277-4C51-8F14-D3A7A643A536}"/>
+                <a16:creationId xmlns:a16="http://schemas.microsoft.com/office/drawing/2014/main" id="{8E68E2C0-F969-4BF3-A4DA-2075FF64B15F}"/>
               </a:ext>
             </a:extLst>
           </p:cNvPr>
@@ -6218,7 +6909,220 @@
           <a:p>
             <a:r>
               <a:rPr lang="en-US" dirty="0"/>
-              <a:t>References</a:t>
+              <a:t>Observation</a:t>
+            </a:r>
+          </a:p>
+        </p:txBody>
+      </p:sp>
+      <p:sp>
+        <p:nvSpPr>
+          <p:cNvPr id="3" name="TextBox 2">
+            <a:extLst>
+              <a:ext uri="{FF2B5EF4-FFF2-40B4-BE49-F238E27FC236}">
+                <a16:creationId xmlns:a16="http://schemas.microsoft.com/office/drawing/2014/main" id="{FCA69099-0E97-4B9E-9143-0E54CEF53243}"/>
+              </a:ext>
+            </a:extLst>
+          </p:cNvPr>
+          <p:cNvSpPr txBox="1"/>
+          <p:nvPr/>
+        </p:nvSpPr>
+        <p:spPr>
+          <a:xfrm flipH="1">
+            <a:off x="525779" y="2171700"/>
+            <a:ext cx="10553707" cy="1200329"/>
+          </a:xfrm>
+          <a:prstGeom prst="rect">
+            <a:avLst/>
+          </a:prstGeom>
+          <a:noFill/>
+        </p:spPr>
+        <p:txBody>
+          <a:bodyPr wrap="square" rtlCol="0">
+            <a:spAutoFit/>
+          </a:bodyPr>
+          <a:lstStyle/>
+          <a:p>
+            <a:r>
+              <a:rPr lang="en-US" dirty="0"/>
+              <a:t>- The smallest eigenvalue of L is 0, the corresponding eigenvector is the constant one vector </a:t>
+            </a:r>
+            <a:r>
+              <a:rPr lang="en-US" b="1" dirty="0"/>
+              <a:t>1</a:t>
+            </a:r>
+          </a:p>
+          <a:p>
+            <a:r>
+              <a:rPr lang="en-US" b="1" dirty="0"/>
+              <a:t>- L has n non-negative, real valued eigenvalues 0 = </a:t>
+            </a:r>
+            <a:r>
+              <a:rPr lang="en-US" b="1" dirty="0">
+                <a:sym typeface="Symbol" panose="05050102010706020507" pitchFamily="18" charset="2"/>
+              </a:rPr>
+              <a:t>1 &lt;= 2 &lt;= 3 &lt;= … n</a:t>
+            </a:r>
+          </a:p>
+          <a:p>
+            <a:pPr algn="l"/>
+            <a:r>
+              <a:rPr lang="en-US" sz="1800" b="0" i="0" u="none" strike="noStrike" baseline="0" dirty="0">
+                <a:latin typeface="CMTI10"/>
+              </a:rPr>
+              <a:t>- The multiplicity </a:t>
+            </a:r>
+            <a:r>
+              <a:rPr lang="en-US" sz="1800" b="0" i="0" u="none" strike="noStrike" baseline="0" dirty="0">
+                <a:latin typeface="CMMI10"/>
+              </a:rPr>
+              <a:t>k </a:t>
+            </a:r>
+            <a:r>
+              <a:rPr lang="en-US" sz="1800" b="0" i="0" u="none" strike="noStrike" baseline="0" dirty="0">
+                <a:latin typeface="CMTI10"/>
+              </a:rPr>
+              <a:t>of the eigenvalue </a:t>
+            </a:r>
+            <a:r>
+              <a:rPr lang="en-US" sz="1800" b="0" i="0" u="none" strike="noStrike" baseline="0" dirty="0">
+                <a:latin typeface="CMR10"/>
+              </a:rPr>
+              <a:t>0 </a:t>
+            </a:r>
+            <a:r>
+              <a:rPr lang="en-US" sz="1800" b="0" i="0" u="none" strike="noStrike" baseline="0" dirty="0">
+                <a:latin typeface="CMTI10"/>
+              </a:rPr>
+              <a:t>of </a:t>
+            </a:r>
+            <a:r>
+              <a:rPr lang="en-US" sz="1800" b="0" i="0" u="none" strike="noStrike" baseline="0" dirty="0">
+                <a:latin typeface="CMMI10"/>
+              </a:rPr>
+              <a:t>L </a:t>
+            </a:r>
+            <a:r>
+              <a:rPr lang="en-US" sz="1800" b="0" i="0" u="none" strike="noStrike" baseline="0" dirty="0">
+                <a:latin typeface="CMTI10"/>
+              </a:rPr>
+              <a:t>equals the number of connected components </a:t>
+            </a:r>
+            <a:r>
+              <a:rPr lang="en-US" sz="1800" b="0" i="0" u="none" strike="noStrike" baseline="0" dirty="0">
+                <a:latin typeface="CMMI10"/>
+              </a:rPr>
+              <a:t>A</a:t>
+            </a:r>
+            <a:r>
+              <a:rPr lang="en-US" sz="1800" b="0" i="0" u="none" strike="noStrike" baseline="0" dirty="0">
+                <a:latin typeface="CMR7"/>
+              </a:rPr>
+              <a:t>1</a:t>
+            </a:r>
+            <a:r>
+              <a:rPr lang="en-US" sz="1800" b="0" i="0" u="none" strike="noStrike" baseline="0" dirty="0">
+                <a:latin typeface="CMMI10"/>
+              </a:rPr>
+              <a:t>, . . . ,A</a:t>
+            </a:r>
+            <a:r>
+              <a:rPr lang="en-US" sz="1800" b="0" i="0" u="none" strike="noStrike" baseline="0" dirty="0">
+                <a:latin typeface="CMMI7"/>
+              </a:rPr>
+              <a:t>k </a:t>
+            </a:r>
+            <a:r>
+              <a:rPr lang="en-US" sz="1800" b="0" i="0" u="none" strike="noStrike" baseline="0" dirty="0">
+                <a:latin typeface="CMTI10"/>
+              </a:rPr>
+              <a:t>in the graph.</a:t>
+            </a:r>
+            <a:endParaRPr lang="en-US" b="1" dirty="0"/>
+          </a:p>
+        </p:txBody>
+      </p:sp>
+      <p:sp>
+        <p:nvSpPr>
+          <p:cNvPr id="4" name="Footer Placeholder 3">
+            <a:extLst>
+              <a:ext uri="{FF2B5EF4-FFF2-40B4-BE49-F238E27FC236}">
+                <a16:creationId xmlns:a16="http://schemas.microsoft.com/office/drawing/2014/main" id="{F808E89F-1513-4324-8DEB-724B10122241}"/>
+              </a:ext>
+            </a:extLst>
+          </p:cNvPr>
+          <p:cNvSpPr>
+            <a:spLocks noGrp="1"/>
+          </p:cNvSpPr>
+          <p:nvPr>
+            <p:ph type="ftr" sz="quarter" idx="11"/>
+          </p:nvPr>
+        </p:nvSpPr>
+        <p:spPr/>
+        <p:txBody>
+          <a:bodyPr/>
+          <a:lstStyle/>
+          <a:p>
+            <a:r>
+              <a:rPr lang="en-US" dirty="0"/>
+              <a:t>[1] Ulrike von Luxburg (2007), A Tutorial on Spectral Clustering </a:t>
+            </a:r>
+          </a:p>
+        </p:txBody>
+      </p:sp>
+    </p:spTree>
+    <p:extLst>
+      <p:ext uri="{BB962C8B-B14F-4D97-AF65-F5344CB8AC3E}">
+        <p14:creationId xmlns:p14="http://schemas.microsoft.com/office/powerpoint/2010/main" val="99898485"/>
+      </p:ext>
+    </p:extLst>
+  </p:cSld>
+  <p:clrMapOvr>
+    <a:masterClrMapping/>
+  </p:clrMapOvr>
+</p:sld>
+</file>
+
+<file path=ppt/slides/slide27.xml><?xml version="1.0" encoding="utf-8"?>
+<p:sld xmlns:a="http://schemas.openxmlformats.org/drawingml/2006/main" xmlns:r="http://schemas.openxmlformats.org/officeDocument/2006/relationships" xmlns:p="http://schemas.openxmlformats.org/presentationml/2006/main">
+  <p:cSld>
+    <p:spTree>
+      <p:nvGrpSpPr>
+        <p:cNvPr id="1" name=""/>
+        <p:cNvGrpSpPr/>
+        <p:nvPr/>
+      </p:nvGrpSpPr>
+      <p:grpSpPr>
+        <a:xfrm>
+          <a:off x="0" y="0"/>
+          <a:ext cx="0" cy="0"/>
+          <a:chOff x="0" y="0"/>
+          <a:chExt cx="0" cy="0"/>
+        </a:xfrm>
+      </p:grpSpPr>
+      <p:sp>
+        <p:nvSpPr>
+          <p:cNvPr id="2" name="Title 1">
+            <a:extLst>
+              <a:ext uri="{FF2B5EF4-FFF2-40B4-BE49-F238E27FC236}">
+                <a16:creationId xmlns:a16="http://schemas.microsoft.com/office/drawing/2014/main" id="{D0D17455-0149-4DEE-A88F-DD19025F52F5}"/>
+              </a:ext>
+            </a:extLst>
+          </p:cNvPr>
+          <p:cNvSpPr>
+            <a:spLocks noGrp="1"/>
+          </p:cNvSpPr>
+          <p:nvPr>
+            <p:ph type="title"/>
+          </p:nvPr>
+        </p:nvSpPr>
+        <p:spPr/>
+        <p:txBody>
+          <a:bodyPr/>
+          <a:lstStyle/>
+          <a:p>
+            <a:r>
+              <a:rPr lang="en-US" dirty="0"/>
+              <a:t>TO DO </a:t>
             </a:r>
           </a:p>
         </p:txBody>
@@ -6228,7 +7132,161 @@
           <p:cNvPr id="3" name="Content Placeholder 2">
             <a:extLst>
               <a:ext uri="{FF2B5EF4-FFF2-40B4-BE49-F238E27FC236}">
-                <a16:creationId xmlns:a16="http://schemas.microsoft.com/office/drawing/2014/main" id="{F74747AC-9D25-4D02-B6E3-FCD9D56503F5}"/>
+                <a16:creationId xmlns:a16="http://schemas.microsoft.com/office/drawing/2014/main" id="{463BAC14-4C88-48F3-8610-A2F614507E7E}"/>
+              </a:ext>
+            </a:extLst>
+          </p:cNvPr>
+          <p:cNvSpPr>
+            <a:spLocks noGrp="1"/>
+          </p:cNvSpPr>
+          <p:nvPr>
+            <p:ph idx="1"/>
+          </p:nvPr>
+        </p:nvSpPr>
+        <p:spPr>
+          <a:xfrm>
+            <a:off x="838200" y="1900781"/>
+            <a:ext cx="10515600" cy="4351338"/>
+          </a:xfrm>
+        </p:spPr>
+        <p:txBody>
+          <a:bodyPr>
+            <a:normAutofit fontScale="92500" lnSpcReduction="10000"/>
+          </a:bodyPr>
+          <a:lstStyle/>
+          <a:p>
+            <a:r>
+              <a:rPr lang="en-US" dirty="0"/>
+              <a:t>Why Laplacian matrix ? How is it connected to Laplacian operator of a function ?</a:t>
+            </a:r>
+          </a:p>
+          <a:p>
+            <a:r>
+              <a:rPr lang="en-US" dirty="0"/>
+              <a:t> What other options for clustering are available ?</a:t>
+            </a:r>
+          </a:p>
+          <a:p>
+            <a:r>
+              <a:rPr lang="en-US" dirty="0"/>
+              <a:t>Why it works ?</a:t>
+            </a:r>
+          </a:p>
+          <a:p>
+            <a:r>
+              <a:rPr lang="en-US" dirty="0"/>
+              <a:t>DEMO ( with code ) </a:t>
+            </a:r>
+          </a:p>
+          <a:p>
+            <a:r>
+              <a:rPr lang="en-US" dirty="0"/>
+              <a:t>Better Mathematical Interpretation </a:t>
+            </a:r>
+          </a:p>
+          <a:p>
+            <a:r>
+              <a:rPr lang="en-US" dirty="0"/>
+              <a:t>Summarize ongoing research on this topic and what they are trying to achieve </a:t>
+            </a:r>
+          </a:p>
+          <a:p>
+            <a:r>
+              <a:rPr lang="en-US" dirty="0"/>
+              <a:t>Why use eigenvalue ? How does eigenvalue give the notion of connectedness of the graph ? What is its mathematical interpretation?</a:t>
+            </a:r>
+          </a:p>
+        </p:txBody>
+      </p:sp>
+      <p:sp>
+        <p:nvSpPr>
+          <p:cNvPr id="4" name="Footer Placeholder 3">
+            <a:extLst>
+              <a:ext uri="{FF2B5EF4-FFF2-40B4-BE49-F238E27FC236}">
+                <a16:creationId xmlns:a16="http://schemas.microsoft.com/office/drawing/2014/main" id="{7ED0FE00-3B71-4C32-81BB-7899A590DB27}"/>
+              </a:ext>
+            </a:extLst>
+          </p:cNvPr>
+          <p:cNvSpPr>
+            <a:spLocks noGrp="1"/>
+          </p:cNvSpPr>
+          <p:nvPr>
+            <p:ph type="ftr" sz="quarter" idx="11"/>
+          </p:nvPr>
+        </p:nvSpPr>
+        <p:spPr/>
+        <p:txBody>
+          <a:bodyPr/>
+          <a:lstStyle/>
+          <a:p>
+            <a:endParaRPr lang="en-US"/>
+          </a:p>
+        </p:txBody>
+      </p:sp>
+    </p:spTree>
+    <p:extLst>
+      <p:ext uri="{BB962C8B-B14F-4D97-AF65-F5344CB8AC3E}">
+        <p14:creationId xmlns:p14="http://schemas.microsoft.com/office/powerpoint/2010/main" val="4176049212"/>
+      </p:ext>
+    </p:extLst>
+  </p:cSld>
+  <p:clrMapOvr>
+    <a:masterClrMapping/>
+  </p:clrMapOvr>
+</p:sld>
+</file>
+
+<file path=ppt/slides/slide28.xml><?xml version="1.0" encoding="utf-8"?>
+<p:sld xmlns:a="http://schemas.openxmlformats.org/drawingml/2006/main" xmlns:r="http://schemas.openxmlformats.org/officeDocument/2006/relationships" xmlns:p="http://schemas.openxmlformats.org/presentationml/2006/main">
+  <p:cSld>
+    <p:spTree>
+      <p:nvGrpSpPr>
+        <p:cNvPr id="1" name=""/>
+        <p:cNvGrpSpPr/>
+        <p:nvPr/>
+      </p:nvGrpSpPr>
+      <p:grpSpPr>
+        <a:xfrm>
+          <a:off x="0" y="0"/>
+          <a:ext cx="0" cy="0"/>
+          <a:chOff x="0" y="0"/>
+          <a:chExt cx="0" cy="0"/>
+        </a:xfrm>
+      </p:grpSpPr>
+      <p:sp>
+        <p:nvSpPr>
+          <p:cNvPr id="2" name="Title 1">
+            <a:extLst>
+              <a:ext uri="{FF2B5EF4-FFF2-40B4-BE49-F238E27FC236}">
+                <a16:creationId xmlns:a16="http://schemas.microsoft.com/office/drawing/2014/main" id="{C3004465-6380-4FBC-A9D6-E105A0AC30B4}"/>
+              </a:ext>
+            </a:extLst>
+          </p:cNvPr>
+          <p:cNvSpPr>
+            <a:spLocks noGrp="1"/>
+          </p:cNvSpPr>
+          <p:nvPr>
+            <p:ph type="title"/>
+          </p:nvPr>
+        </p:nvSpPr>
+        <p:spPr/>
+        <p:txBody>
+          <a:bodyPr/>
+          <a:lstStyle/>
+          <a:p>
+            <a:r>
+              <a:rPr lang="en-US" dirty="0"/>
+              <a:t>TO DO </a:t>
+            </a:r>
+          </a:p>
+        </p:txBody>
+      </p:sp>
+      <p:sp>
+        <p:nvSpPr>
+          <p:cNvPr id="3" name="Content Placeholder 2">
+            <a:extLst>
+              <a:ext uri="{FF2B5EF4-FFF2-40B4-BE49-F238E27FC236}">
+                <a16:creationId xmlns:a16="http://schemas.microsoft.com/office/drawing/2014/main" id="{9B34BB6B-D2DF-46B8-98B9-14C94DAD7585}"/>
               </a:ext>
             </a:extLst>
           </p:cNvPr>
@@ -6244,7 +7302,190 @@
           <a:bodyPr/>
           <a:lstStyle/>
           <a:p>
+            <a:r>
+              <a:rPr lang="en-US" dirty="0"/>
+              <a:t>Unnormalized vs. normalized spectral clustering</a:t>
+            </a:r>
+          </a:p>
+          <a:p>
+            <a:r>
+              <a:rPr lang="en-US" dirty="0"/>
+              <a:t>Graph cut, ratio cut </a:t>
+            </a:r>
+          </a:p>
+          <a:p>
+            <a:r>
+              <a:rPr lang="en-US" dirty="0"/>
+              <a:t>Random walks point of view </a:t>
+            </a:r>
+          </a:p>
+          <a:p>
+            <a:r>
+              <a:rPr lang="en-US" dirty="0"/>
+              <a:t>K means clustering </a:t>
+            </a:r>
+          </a:p>
+          <a:p>
+            <a:r>
+              <a:rPr lang="en-US" dirty="0"/>
+              <a:t>Programming implementation ( python – </a:t>
+            </a:r>
+            <a:r>
+              <a:rPr lang="en-US" dirty="0" err="1"/>
+              <a:t>jupyter</a:t>
+            </a:r>
+            <a:r>
+              <a:rPr lang="en-US" dirty="0"/>
+              <a:t> notebook) </a:t>
+            </a:r>
+          </a:p>
+          <a:p>
+            <a:pPr marL="0" indent="0">
+              <a:buNone/>
+            </a:pPr>
             <a:endParaRPr lang="en-US" dirty="0"/>
+          </a:p>
+          <a:p>
+            <a:endParaRPr lang="en-US" dirty="0"/>
+          </a:p>
+          <a:p>
+            <a:endParaRPr lang="en-US" dirty="0"/>
+          </a:p>
+        </p:txBody>
+      </p:sp>
+      <p:sp>
+        <p:nvSpPr>
+          <p:cNvPr id="4" name="Footer Placeholder 3">
+            <a:extLst>
+              <a:ext uri="{FF2B5EF4-FFF2-40B4-BE49-F238E27FC236}">
+                <a16:creationId xmlns:a16="http://schemas.microsoft.com/office/drawing/2014/main" id="{1876533D-759E-4C62-B008-CF7DB7FB5F97}"/>
+              </a:ext>
+            </a:extLst>
+          </p:cNvPr>
+          <p:cNvSpPr>
+            <a:spLocks noGrp="1"/>
+          </p:cNvSpPr>
+          <p:nvPr>
+            <p:ph type="ftr" sz="quarter" idx="11"/>
+          </p:nvPr>
+        </p:nvSpPr>
+        <p:spPr/>
+        <p:txBody>
+          <a:bodyPr/>
+          <a:lstStyle/>
+          <a:p>
+            <a:endParaRPr lang="en-US"/>
+          </a:p>
+        </p:txBody>
+      </p:sp>
+    </p:spTree>
+    <p:extLst>
+      <p:ext uri="{BB962C8B-B14F-4D97-AF65-F5344CB8AC3E}">
+        <p14:creationId xmlns:p14="http://schemas.microsoft.com/office/powerpoint/2010/main" val="4114582569"/>
+      </p:ext>
+    </p:extLst>
+  </p:cSld>
+  <p:clrMapOvr>
+    <a:masterClrMapping/>
+  </p:clrMapOvr>
+</p:sld>
+</file>
+
+<file path=ppt/slides/slide29.xml><?xml version="1.0" encoding="utf-8"?>
+<p:sld xmlns:a="http://schemas.openxmlformats.org/drawingml/2006/main" xmlns:r="http://schemas.openxmlformats.org/officeDocument/2006/relationships" xmlns:p="http://schemas.openxmlformats.org/presentationml/2006/main">
+  <p:cSld>
+    <p:spTree>
+      <p:nvGrpSpPr>
+        <p:cNvPr id="1" name=""/>
+        <p:cNvGrpSpPr/>
+        <p:nvPr/>
+      </p:nvGrpSpPr>
+      <p:grpSpPr>
+        <a:xfrm>
+          <a:off x="0" y="0"/>
+          <a:ext cx="0" cy="0"/>
+          <a:chOff x="0" y="0"/>
+          <a:chExt cx="0" cy="0"/>
+        </a:xfrm>
+      </p:grpSpPr>
+      <p:sp>
+        <p:nvSpPr>
+          <p:cNvPr id="2" name="Title 1">
+            <a:extLst>
+              <a:ext uri="{FF2B5EF4-FFF2-40B4-BE49-F238E27FC236}">
+                <a16:creationId xmlns:a16="http://schemas.microsoft.com/office/drawing/2014/main" id="{14FB1DC0-5277-4C51-8F14-D3A7A643A536}"/>
+              </a:ext>
+            </a:extLst>
+          </p:cNvPr>
+          <p:cNvSpPr>
+            <a:spLocks noGrp="1"/>
+          </p:cNvSpPr>
+          <p:nvPr>
+            <p:ph type="title"/>
+          </p:nvPr>
+        </p:nvSpPr>
+        <p:spPr/>
+        <p:txBody>
+          <a:bodyPr/>
+          <a:lstStyle/>
+          <a:p>
+            <a:r>
+              <a:rPr lang="en-US" dirty="0"/>
+              <a:t>References</a:t>
+            </a:r>
+          </a:p>
+        </p:txBody>
+      </p:sp>
+      <p:sp>
+        <p:nvSpPr>
+          <p:cNvPr id="3" name="Content Placeholder 2">
+            <a:extLst>
+              <a:ext uri="{FF2B5EF4-FFF2-40B4-BE49-F238E27FC236}">
+                <a16:creationId xmlns:a16="http://schemas.microsoft.com/office/drawing/2014/main" id="{F74747AC-9D25-4D02-B6E3-FCD9D56503F5}"/>
+              </a:ext>
+            </a:extLst>
+          </p:cNvPr>
+          <p:cNvSpPr>
+            <a:spLocks noGrp="1"/>
+          </p:cNvSpPr>
+          <p:nvPr>
+            <p:ph idx="1"/>
+          </p:nvPr>
+        </p:nvSpPr>
+        <p:spPr/>
+        <p:txBody>
+          <a:bodyPr/>
+          <a:lstStyle/>
+          <a:p>
+            <a:r>
+              <a:rPr lang="en-US" dirty="0"/>
+              <a:t>1 -  https://towardsdatascience.com/understanding-k-means-clustering-in-machine-learning-6a6e67336aa1</a:t>
+            </a:r>
+          </a:p>
+        </p:txBody>
+      </p:sp>
+      <p:sp>
+        <p:nvSpPr>
+          <p:cNvPr id="4" name="Footer Placeholder 3">
+            <a:extLst>
+              <a:ext uri="{FF2B5EF4-FFF2-40B4-BE49-F238E27FC236}">
+                <a16:creationId xmlns:a16="http://schemas.microsoft.com/office/drawing/2014/main" id="{F0781971-A5C6-4D75-9ECA-660EDCE2E228}"/>
+              </a:ext>
+            </a:extLst>
+          </p:cNvPr>
+          <p:cNvSpPr>
+            <a:spLocks noGrp="1"/>
+          </p:cNvSpPr>
+          <p:nvPr>
+            <p:ph type="ftr" sz="quarter" idx="11"/>
+          </p:nvPr>
+        </p:nvSpPr>
+        <p:spPr/>
+        <p:txBody>
+          <a:bodyPr/>
+          <a:lstStyle/>
+          <a:p>
+            <a:endParaRPr lang="en-US"/>
           </a:p>
         </p:txBody>
       </p:sp>
@@ -6283,7 +7524,7 @@
           <p:cNvPr id="2" name="Title 1">
             <a:extLst>
               <a:ext uri="{FF2B5EF4-FFF2-40B4-BE49-F238E27FC236}">
-                <a16:creationId xmlns:a16="http://schemas.microsoft.com/office/drawing/2014/main" id="{FC810136-BE87-4DDB-B5CA-AA3C54C59322}"/>
+                <a16:creationId xmlns:a16="http://schemas.microsoft.com/office/drawing/2014/main" id="{4E609893-3A14-4351-9C66-294ED425C618}"/>
               </a:ext>
             </a:extLst>
           </p:cNvPr>
@@ -6301,17 +7542,163 @@
           <a:p>
             <a:r>
               <a:rPr lang="en-US" dirty="0"/>
-              <a:t>Graph Clustering </a:t>
-            </a:r>
+              <a:t>Clustering </a:t>
+            </a:r>
+          </a:p>
+        </p:txBody>
+      </p:sp>
+      <p:sp>
+        <p:nvSpPr>
+          <p:cNvPr id="3" name="Content Placeholder 2">
+            <a:extLst>
+              <a:ext uri="{FF2B5EF4-FFF2-40B4-BE49-F238E27FC236}">
+                <a16:creationId xmlns:a16="http://schemas.microsoft.com/office/drawing/2014/main" id="{08C64ABF-AEFA-44BC-AA93-22B0EEC38895}"/>
+              </a:ext>
+            </a:extLst>
+          </p:cNvPr>
+          <p:cNvSpPr>
+            <a:spLocks noGrp="1"/>
+          </p:cNvSpPr>
+          <p:nvPr>
+            <p:ph idx="1"/>
+          </p:nvPr>
+        </p:nvSpPr>
+        <p:spPr/>
+        <p:txBody>
+          <a:bodyPr>
+            <a:normAutofit fontScale="85000" lnSpcReduction="20000"/>
+          </a:bodyPr>
+          <a:lstStyle/>
+          <a:p>
+            <a:pPr marL="0" indent="0">
+              <a:buNone/>
+            </a:pPr>
+            <a:r>
+              <a:rPr lang="en-US" dirty="0"/>
+              <a:t>Clustering </a:t>
+            </a:r>
+          </a:p>
+          <a:p>
+            <a:pPr marL="0" indent="0">
+              <a:buNone/>
+            </a:pPr>
+            <a:r>
+              <a:rPr lang="en-US" dirty="0"/>
+              <a:t>	-compactness and connectivity </a:t>
+            </a:r>
+          </a:p>
+          <a:p>
+            <a:pPr marL="0" indent="0">
+              <a:buNone/>
+            </a:pPr>
+            <a:r>
+              <a:rPr lang="en-US" dirty="0"/>
+              <a:t>	</a:t>
+            </a:r>
+          </a:p>
+          <a:p>
+            <a:pPr marL="0" indent="0">
+              <a:buNone/>
+            </a:pPr>
+            <a:endParaRPr lang="en-US" dirty="0"/>
+          </a:p>
+          <a:p>
+            <a:pPr marL="0" indent="0">
+              <a:buNone/>
+            </a:pPr>
+            <a:endParaRPr lang="en-US" dirty="0"/>
+          </a:p>
+          <a:p>
+            <a:pPr marL="0" indent="0">
+              <a:buNone/>
+            </a:pPr>
+            <a:endParaRPr lang="en-US" dirty="0"/>
+          </a:p>
+          <a:p>
+            <a:pPr marL="0" indent="0">
+              <a:buNone/>
+            </a:pPr>
+            <a:endParaRPr lang="en-US" dirty="0"/>
+          </a:p>
+          <a:p>
+            <a:pPr marL="0" indent="0">
+              <a:buNone/>
+            </a:pPr>
+            <a:endParaRPr lang="en-US" dirty="0"/>
+          </a:p>
+          <a:p>
+            <a:pPr marL="0" indent="0">
+              <a:buNone/>
+            </a:pPr>
+            <a:endParaRPr lang="en-US" dirty="0"/>
+          </a:p>
+          <a:p>
+            <a:pPr marL="0" indent="0">
+              <a:buNone/>
+            </a:pPr>
+            <a:r>
+              <a:rPr lang="en-US" dirty="0"/>
+              <a:t>Applications </a:t>
+            </a:r>
+          </a:p>
+          <a:p>
+            <a:pPr lvl="1"/>
+            <a:r>
+              <a:rPr lang="en-US" dirty="0"/>
+              <a:t>market segmentation, social network analysis, search result grouping, medical imaging, image segmentation, anomaly detection, Data Compression, Privacy Preservation ( Google ) </a:t>
+            </a:r>
+          </a:p>
+          <a:p>
+            <a:pPr marL="0" indent="0">
+              <a:buNone/>
+            </a:pPr>
+            <a:endParaRPr lang="en-US" dirty="0"/>
+          </a:p>
+          <a:p>
+            <a:pPr marL="0" indent="0">
+              <a:buNone/>
+            </a:pPr>
+            <a:endParaRPr lang="en-US" dirty="0"/>
+          </a:p>
+          <a:p>
+            <a:pPr marL="0" indent="0">
+              <a:buNone/>
+            </a:pPr>
+            <a:endParaRPr lang="en-US" dirty="0"/>
+          </a:p>
+        </p:txBody>
+      </p:sp>
+      <p:sp>
+        <p:nvSpPr>
+          <p:cNvPr id="4" name="Footer Placeholder 3">
+            <a:extLst>
+              <a:ext uri="{FF2B5EF4-FFF2-40B4-BE49-F238E27FC236}">
+                <a16:creationId xmlns:a16="http://schemas.microsoft.com/office/drawing/2014/main" id="{256036C9-7E01-4125-8EF6-2CA045BC2B1C}"/>
+              </a:ext>
+            </a:extLst>
+          </p:cNvPr>
+          <p:cNvSpPr>
+            <a:spLocks noGrp="1"/>
+          </p:cNvSpPr>
+          <p:nvPr>
+            <p:ph type="ftr" sz="quarter" idx="11"/>
+          </p:nvPr>
+        </p:nvSpPr>
+        <p:spPr/>
+        <p:txBody>
+          <a:bodyPr/>
+          <a:lstStyle/>
+          <a:p>
+            <a:endParaRPr lang="en-US"/>
           </a:p>
         </p:txBody>
       </p:sp>
       <p:pic>
         <p:nvPicPr>
-          <p:cNvPr id="11" name="Picture 10">
+          <p:cNvPr id="6" name="Picture 5">
             <a:extLst>
               <a:ext uri="{FF2B5EF4-FFF2-40B4-BE49-F238E27FC236}">
-                <a16:creationId xmlns:a16="http://schemas.microsoft.com/office/drawing/2014/main" id="{E0D4E612-4120-46C4-85F9-0099DEF834E5}"/>
+                <a16:creationId xmlns:a16="http://schemas.microsoft.com/office/drawing/2014/main" id="{C8D7BDC4-0DCD-47A6-B7D5-65A45F414194}"/>
               </a:ext>
             </a:extLst>
           </p:cNvPr>
@@ -6328,8 +7715,68 @@
         </p:blipFill>
         <p:spPr>
           <a:xfrm>
-            <a:off x="838200" y="1900780"/>
-            <a:ext cx="10515601" cy="4153145"/>
+            <a:off x="1131623" y="2648194"/>
+            <a:ext cx="2761835" cy="2185064"/>
+          </a:xfrm>
+          <a:prstGeom prst="rect">
+            <a:avLst/>
+          </a:prstGeom>
+        </p:spPr>
+      </p:pic>
+      <p:pic>
+        <p:nvPicPr>
+          <p:cNvPr id="8" name="Picture 7">
+            <a:extLst>
+              <a:ext uri="{FF2B5EF4-FFF2-40B4-BE49-F238E27FC236}">
+                <a16:creationId xmlns:a16="http://schemas.microsoft.com/office/drawing/2014/main" id="{E91D0BCD-09E0-4F51-99F8-51557061695F}"/>
+              </a:ext>
+            </a:extLst>
+          </p:cNvPr>
+          <p:cNvPicPr>
+            <a:picLocks noChangeAspect="1"/>
+          </p:cNvPicPr>
+          <p:nvPr/>
+        </p:nvPicPr>
+        <p:blipFill>
+          <a:blip r:embed="rId3"/>
+          <a:stretch>
+            <a:fillRect/>
+          </a:stretch>
+        </p:blipFill>
+        <p:spPr>
+          <a:xfrm>
+            <a:off x="4861793" y="2648194"/>
+            <a:ext cx="2761835" cy="2279046"/>
+          </a:xfrm>
+          <a:prstGeom prst="rect">
+            <a:avLst/>
+          </a:prstGeom>
+        </p:spPr>
+      </p:pic>
+      <p:pic>
+        <p:nvPicPr>
+          <p:cNvPr id="10" name="Picture 9">
+            <a:extLst>
+              <a:ext uri="{FF2B5EF4-FFF2-40B4-BE49-F238E27FC236}">
+                <a16:creationId xmlns:a16="http://schemas.microsoft.com/office/drawing/2014/main" id="{929DF04D-A9E2-41A4-BB6C-A36974B4DE94}"/>
+              </a:ext>
+            </a:extLst>
+          </p:cNvPr>
+          <p:cNvPicPr>
+            <a:picLocks noChangeAspect="1"/>
+          </p:cNvPicPr>
+          <p:nvPr/>
+        </p:nvPicPr>
+        <p:blipFill>
+          <a:blip r:embed="rId4"/>
+          <a:stretch>
+            <a:fillRect/>
+          </a:stretch>
+        </p:blipFill>
+        <p:spPr>
+          <a:xfrm>
+            <a:off x="8475850" y="2676715"/>
+            <a:ext cx="2761836" cy="2250525"/>
           </a:xfrm>
           <a:prstGeom prst="rect">
             <a:avLst/>
@@ -6339,7 +7786,7 @@
     </p:spTree>
     <p:extLst>
       <p:ext uri="{BB962C8B-B14F-4D97-AF65-F5344CB8AC3E}">
-        <p14:creationId xmlns:p14="http://schemas.microsoft.com/office/powerpoint/2010/main" val="574587586"/>
+        <p14:creationId xmlns:p14="http://schemas.microsoft.com/office/powerpoint/2010/main" val="1371884586"/>
       </p:ext>
     </p:extLst>
   </p:cSld>
@@ -6350,6 +7797,403 @@
 </file>
 
 <file path=ppt/slides/slide4.xml><?xml version="1.0" encoding="utf-8"?>
+<p:sld xmlns:a="http://schemas.openxmlformats.org/drawingml/2006/main" xmlns:r="http://schemas.openxmlformats.org/officeDocument/2006/relationships" xmlns:p="http://schemas.openxmlformats.org/presentationml/2006/main" show="0">
+  <p:cSld>
+    <p:spTree>
+      <p:nvGrpSpPr>
+        <p:cNvPr id="1" name=""/>
+        <p:cNvGrpSpPr/>
+        <p:nvPr/>
+      </p:nvGrpSpPr>
+      <p:grpSpPr>
+        <a:xfrm>
+          <a:off x="0" y="0"/>
+          <a:ext cx="0" cy="0"/>
+          <a:chOff x="0" y="0"/>
+          <a:chExt cx="0" cy="0"/>
+        </a:xfrm>
+      </p:grpSpPr>
+      <p:sp>
+        <p:nvSpPr>
+          <p:cNvPr id="2" name="Title 1">
+            <a:extLst>
+              <a:ext uri="{FF2B5EF4-FFF2-40B4-BE49-F238E27FC236}">
+                <a16:creationId xmlns:a16="http://schemas.microsoft.com/office/drawing/2014/main" id="{E3ECBC1A-165F-4292-B861-9818A378A691}"/>
+              </a:ext>
+            </a:extLst>
+          </p:cNvPr>
+          <p:cNvSpPr>
+            <a:spLocks noGrp="1"/>
+          </p:cNvSpPr>
+          <p:nvPr>
+            <p:ph type="title"/>
+          </p:nvPr>
+        </p:nvSpPr>
+        <p:spPr/>
+        <p:txBody>
+          <a:bodyPr/>
+          <a:lstStyle/>
+          <a:p>
+            <a:r>
+              <a:rPr lang="en-US" dirty="0"/>
+              <a:t>Graph Clustering </a:t>
+            </a:r>
+          </a:p>
+        </p:txBody>
+      </p:sp>
+      <p:pic>
+        <p:nvPicPr>
+          <p:cNvPr id="5" name="Content Placeholder 4">
+            <a:extLst>
+              <a:ext uri="{FF2B5EF4-FFF2-40B4-BE49-F238E27FC236}">
+                <a16:creationId xmlns:a16="http://schemas.microsoft.com/office/drawing/2014/main" id="{A08C2B6A-38C8-4117-B80D-C0F352255BA5}"/>
+              </a:ext>
+            </a:extLst>
+          </p:cNvPr>
+          <p:cNvPicPr>
+            <a:picLocks noGrp="1" noChangeAspect="1"/>
+          </p:cNvPicPr>
+          <p:nvPr>
+            <p:ph idx="1"/>
+          </p:nvPr>
+        </p:nvPicPr>
+        <p:blipFill>
+          <a:blip r:embed="rId2"/>
+          <a:stretch>
+            <a:fillRect/>
+          </a:stretch>
+        </p:blipFill>
+        <p:spPr>
+          <a:xfrm>
+            <a:off x="7225613" y="1354030"/>
+            <a:ext cx="3429479" cy="1505160"/>
+          </a:xfrm>
+        </p:spPr>
+      </p:pic>
+      <p:sp>
+        <p:nvSpPr>
+          <p:cNvPr id="6" name="TextBox 5">
+            <a:extLst>
+              <a:ext uri="{FF2B5EF4-FFF2-40B4-BE49-F238E27FC236}">
+                <a16:creationId xmlns:a16="http://schemas.microsoft.com/office/drawing/2014/main" id="{B6597757-20C1-4DA3-B88B-B8066C3C7DB9}"/>
+              </a:ext>
+            </a:extLst>
+          </p:cNvPr>
+          <p:cNvSpPr txBox="1"/>
+          <p:nvPr/>
+        </p:nvSpPr>
+        <p:spPr>
+          <a:xfrm flipH="1">
+            <a:off x="838199" y="1787766"/>
+            <a:ext cx="5402565" cy="4929042"/>
+          </a:xfrm>
+          <a:prstGeom prst="rect">
+            <a:avLst/>
+          </a:prstGeom>
+          <a:noFill/>
+        </p:spPr>
+        <p:txBody>
+          <a:bodyPr wrap="square" rtlCol="0">
+            <a:spAutoFit/>
+          </a:bodyPr>
+          <a:lstStyle/>
+          <a:p>
+            <a:r>
+              <a:rPr lang="en-US" sz="1600" dirty="0"/>
+              <a:t>K-means clustering</a:t>
+            </a:r>
+          </a:p>
+          <a:p>
+            <a:r>
+              <a:rPr lang="en-US" sz="1600" dirty="0"/>
+              <a:t>	- most popular clustering algorithms </a:t>
+            </a:r>
+          </a:p>
+          <a:p>
+            <a:r>
+              <a:rPr lang="en-US" sz="1600" dirty="0"/>
+              <a:t>	- “k” number of centroid adjusted in iterative process to find clusters</a:t>
+            </a:r>
+          </a:p>
+          <a:p>
+            <a:endParaRPr lang="en-US" sz="1600" dirty="0"/>
+          </a:p>
+          <a:p>
+            <a:r>
+              <a:rPr lang="en-US" sz="1600" u="sng" dirty="0"/>
+              <a:t>Limitations of K-means clustering </a:t>
+            </a:r>
+          </a:p>
+          <a:p>
+            <a:pPr marL="342900" marR="0" lvl="0" indent="-342900">
+              <a:lnSpc>
+                <a:spcPct val="107000"/>
+              </a:lnSpc>
+              <a:spcBef>
+                <a:spcPts val="0"/>
+              </a:spcBef>
+              <a:spcAft>
+                <a:spcPts val="800"/>
+              </a:spcAft>
+              <a:buSzPts val="1000"/>
+              <a:buFont typeface="Symbol" panose="05050102010706020507" pitchFamily="18" charset="2"/>
+              <a:buChar char=""/>
+              <a:tabLst>
+                <a:tab pos="457200" algn="l"/>
+              </a:tabLst>
+            </a:pPr>
+            <a:r>
+              <a:rPr lang="en-US" sz="1600" dirty="0">
+                <a:effectLst/>
+                <a:latin typeface="Calibri" panose="020F0502020204030204" pitchFamily="34" charset="0"/>
+                <a:ea typeface="Calibri" panose="020F0502020204030204" pitchFamily="34" charset="0"/>
+                <a:cs typeface="Times New Roman" panose="02020603050405020304" pitchFamily="18" charset="0"/>
+              </a:rPr>
+              <a:t>Requires number of clusters to be known in advance</a:t>
+            </a:r>
+          </a:p>
+          <a:p>
+            <a:pPr marL="342900" marR="0" lvl="0" indent="-342900">
+              <a:lnSpc>
+                <a:spcPct val="107000"/>
+              </a:lnSpc>
+              <a:spcBef>
+                <a:spcPts val="0"/>
+              </a:spcBef>
+              <a:spcAft>
+                <a:spcPts val="800"/>
+              </a:spcAft>
+              <a:buSzPts val="1000"/>
+              <a:buFont typeface="Symbol" panose="05050102010706020507" pitchFamily="18" charset="2"/>
+              <a:buChar char=""/>
+              <a:tabLst>
+                <a:tab pos="457200" algn="l"/>
+              </a:tabLst>
+            </a:pPr>
+            <a:r>
+              <a:rPr lang="en-US" sz="1600" dirty="0">
+                <a:effectLst/>
+                <a:latin typeface="Calibri" panose="020F0502020204030204" pitchFamily="34" charset="0"/>
+                <a:ea typeface="Calibri" panose="020F0502020204030204" pitchFamily="34" charset="0"/>
+                <a:cs typeface="Times New Roman" panose="02020603050405020304" pitchFamily="18" charset="0"/>
+              </a:rPr>
+              <a:t>Struggles when clusters have</a:t>
+            </a:r>
+            <a:r>
+              <a:rPr lang="en-US" sz="1600" b="1" dirty="0">
+                <a:effectLst/>
+                <a:latin typeface="Calibri" panose="020F0502020204030204" pitchFamily="34" charset="0"/>
+                <a:ea typeface="Calibri" panose="020F0502020204030204" pitchFamily="34" charset="0"/>
+                <a:cs typeface="Times New Roman" panose="02020603050405020304" pitchFamily="18" charset="0"/>
+              </a:rPr>
+              <a:t> irregular non-convex shapes</a:t>
+            </a:r>
+          </a:p>
+          <a:p>
+            <a:pPr marL="342900" marR="0" lvl="0" indent="-342900">
+              <a:lnSpc>
+                <a:spcPct val="107000"/>
+              </a:lnSpc>
+              <a:spcBef>
+                <a:spcPts val="0"/>
+              </a:spcBef>
+              <a:spcAft>
+                <a:spcPts val="800"/>
+              </a:spcAft>
+              <a:buSzPts val="1000"/>
+              <a:buFont typeface="Symbol" panose="05050102010706020507" pitchFamily="18" charset="2"/>
+              <a:buChar char=""/>
+              <a:tabLst>
+                <a:tab pos="457200" algn="l"/>
+              </a:tabLst>
+            </a:pPr>
+            <a:r>
+              <a:rPr lang="en-US" sz="1600" dirty="0">
+                <a:effectLst/>
+                <a:latin typeface="Calibri" panose="020F0502020204030204" pitchFamily="34" charset="0"/>
+                <a:ea typeface="Calibri" panose="020F0502020204030204" pitchFamily="34" charset="0"/>
+                <a:cs typeface="Times New Roman" panose="02020603050405020304" pitchFamily="18" charset="0"/>
+              </a:rPr>
+              <a:t>Will always produce an answer finding the required number of clusters even if the data isn’t clustered (or clustered in that many clusters).</a:t>
+            </a:r>
+          </a:p>
+          <a:p>
+            <a:pPr marL="342900" marR="0" lvl="0" indent="-342900">
+              <a:lnSpc>
+                <a:spcPct val="107000"/>
+              </a:lnSpc>
+              <a:spcBef>
+                <a:spcPts val="0"/>
+              </a:spcBef>
+              <a:spcAft>
+                <a:spcPts val="800"/>
+              </a:spcAft>
+              <a:buSzPts val="1000"/>
+              <a:buFont typeface="Symbol" panose="05050102010706020507" pitchFamily="18" charset="2"/>
+              <a:buChar char=""/>
+              <a:tabLst>
+                <a:tab pos="457200" algn="l"/>
+              </a:tabLst>
+            </a:pPr>
+            <a:r>
+              <a:rPr lang="en-US" sz="1600" dirty="0">
+                <a:effectLst/>
+                <a:latin typeface="Calibri" panose="020F0502020204030204" pitchFamily="34" charset="0"/>
+                <a:ea typeface="Calibri" panose="020F0502020204030204" pitchFamily="34" charset="0"/>
+                <a:cs typeface="Times New Roman" panose="02020603050405020304" pitchFamily="18" charset="0"/>
+              </a:rPr>
+              <a:t>Requires linear cluster boundaries</a:t>
+            </a:r>
+          </a:p>
+          <a:p>
+            <a:pPr marL="342900" marR="0" lvl="0" indent="-342900">
+              <a:lnSpc>
+                <a:spcPct val="107000"/>
+              </a:lnSpc>
+              <a:spcBef>
+                <a:spcPts val="0"/>
+              </a:spcBef>
+              <a:spcAft>
+                <a:spcPts val="800"/>
+              </a:spcAft>
+              <a:buSzPts val="1000"/>
+              <a:buFont typeface="Symbol" panose="05050102010706020507" pitchFamily="18" charset="2"/>
+              <a:buChar char=""/>
+              <a:tabLst>
+                <a:tab pos="457200" algn="l"/>
+              </a:tabLst>
+            </a:pPr>
+            <a:r>
+              <a:rPr lang="en-US" sz="1600" b="0" i="0" dirty="0">
+                <a:solidFill>
+                  <a:srgbClr val="292929"/>
+                </a:solidFill>
+                <a:effectLst/>
+                <a:latin typeface="charter"/>
+              </a:rPr>
+              <a:t>It requires multiple restarts at times to find the local minima (i.e. the best clustering).</a:t>
+            </a:r>
+            <a:endParaRPr lang="en-US" sz="1600" dirty="0">
+              <a:effectLst/>
+              <a:latin typeface="Calibri" panose="020F0502020204030204" pitchFamily="34" charset="0"/>
+              <a:ea typeface="Calibri" panose="020F0502020204030204" pitchFamily="34" charset="0"/>
+              <a:cs typeface="Times New Roman" panose="02020603050405020304" pitchFamily="18" charset="0"/>
+            </a:endParaRPr>
+          </a:p>
+          <a:p>
+            <a:r>
+              <a:rPr lang="en-US" sz="1600" dirty="0"/>
+              <a:t> </a:t>
+            </a:r>
+          </a:p>
+          <a:p>
+            <a:endParaRPr lang="en-US" sz="1600" dirty="0"/>
+          </a:p>
+          <a:p>
+            <a:endParaRPr lang="en-US" sz="1600" dirty="0"/>
+          </a:p>
+        </p:txBody>
+      </p:sp>
+      <p:sp>
+        <p:nvSpPr>
+          <p:cNvPr id="7" name="Footer Placeholder 6">
+            <a:extLst>
+              <a:ext uri="{FF2B5EF4-FFF2-40B4-BE49-F238E27FC236}">
+                <a16:creationId xmlns:a16="http://schemas.microsoft.com/office/drawing/2014/main" id="{711AB226-201A-463D-AE3C-90B8FF89F1E6}"/>
+              </a:ext>
+            </a:extLst>
+          </p:cNvPr>
+          <p:cNvSpPr>
+            <a:spLocks noGrp="1"/>
+          </p:cNvSpPr>
+          <p:nvPr>
+            <p:ph type="ftr" sz="quarter" idx="11"/>
+          </p:nvPr>
+        </p:nvSpPr>
+        <p:spPr>
+          <a:xfrm>
+            <a:off x="1175657" y="6349066"/>
+            <a:ext cx="9042400" cy="365125"/>
+          </a:xfrm>
+        </p:spPr>
+        <p:txBody>
+          <a:bodyPr/>
+          <a:lstStyle/>
+          <a:p>
+            <a:r>
+              <a:rPr lang="en-US" dirty="0"/>
+              <a:t>[pic 1] </a:t>
+            </a:r>
+            <a:r>
+              <a:rPr lang="en-US" dirty="0">
+                <a:hlinkClick r:id="rId3"/>
+              </a:rPr>
+              <a:t>https://www.differencebetween.info/difference-between-convex-and-non-convex</a:t>
+            </a:r>
+            <a:endParaRPr lang="en-US" dirty="0"/>
+          </a:p>
+          <a:p>
+            <a:r>
+              <a:rPr lang="en-US" dirty="0"/>
+              <a:t>[pic 2] </a:t>
+            </a:r>
+            <a:r>
+              <a:rPr lang="en-US" dirty="0">
+                <a:hlinkClick r:id="rId4"/>
+              </a:rPr>
+              <a:t>https://www.kaggle.com/vipulgandhi/spectral-clustering-detailed-explanation/notebook</a:t>
+            </a:r>
+            <a:endParaRPr lang="en-US" dirty="0"/>
+          </a:p>
+          <a:p>
+            <a:endParaRPr lang="en-US" dirty="0"/>
+          </a:p>
+        </p:txBody>
+      </p:sp>
+      <p:pic>
+        <p:nvPicPr>
+          <p:cNvPr id="9" name="Picture 8">
+            <a:extLst>
+              <a:ext uri="{FF2B5EF4-FFF2-40B4-BE49-F238E27FC236}">
+                <a16:creationId xmlns:a16="http://schemas.microsoft.com/office/drawing/2014/main" id="{524EDAC4-36CB-4B2D-8D91-D473C0137DBD}"/>
+              </a:ext>
+            </a:extLst>
+          </p:cNvPr>
+          <p:cNvPicPr>
+            <a:picLocks noChangeAspect="1"/>
+          </p:cNvPicPr>
+          <p:nvPr/>
+        </p:nvPicPr>
+        <p:blipFill>
+          <a:blip r:embed="rId5"/>
+          <a:stretch>
+            <a:fillRect/>
+          </a:stretch>
+        </p:blipFill>
+        <p:spPr>
+          <a:xfrm>
+            <a:off x="6426578" y="2860531"/>
+            <a:ext cx="5402565" cy="3391457"/>
+          </a:xfrm>
+          <a:prstGeom prst="rect">
+            <a:avLst/>
+          </a:prstGeom>
+        </p:spPr>
+      </p:pic>
+    </p:spTree>
+    <p:extLst>
+      <p:ext uri="{BB962C8B-B14F-4D97-AF65-F5344CB8AC3E}">
+        <p14:creationId xmlns:p14="http://schemas.microsoft.com/office/powerpoint/2010/main" val="658171493"/>
+      </p:ext>
+    </p:extLst>
+  </p:cSld>
+  <p:clrMapOvr>
+    <a:masterClrMapping/>
+  </p:clrMapOvr>
+</p:sld>
+</file>
+
+<file path=ppt/slides/slide5.xml><?xml version="1.0" encoding="utf-8"?>
 <p:sld xmlns:a="http://schemas.openxmlformats.org/drawingml/2006/main" xmlns:r="http://schemas.openxmlformats.org/officeDocument/2006/relationships" xmlns:p="http://schemas.openxmlformats.org/presentationml/2006/main">
   <p:cSld>
     <p:spTree>
@@ -6452,7 +8296,15 @@
             </a:r>
             <a:r>
               <a:rPr lang="en-US" dirty="0"/>
-              <a:t>, the intuitive goal of clustering is to divide the data points into several groups such that points in the same group are similar and points in different groups are dissimilar to each other. </a:t>
+              <a:t>, the intuitive goal of clustering is to divide the data points into several groups such that points in the same group are similar and points in different groups are dissimilar to each other</a:t>
+            </a:r>
+            <a:r>
+              <a:rPr lang="en-US" baseline="30000" dirty="0"/>
+              <a:t>1</a:t>
+            </a:r>
+            <a:r>
+              <a:rPr lang="en-US" dirty="0"/>
+              <a:t>. </a:t>
             </a:r>
           </a:p>
           <a:p>
@@ -6528,6 +8380,42 @@
             <a:pPr marL="0" indent="0">
               <a:buNone/>
             </a:pPr>
+            <a:endParaRPr lang="en-US" dirty="0"/>
+          </a:p>
+        </p:txBody>
+      </p:sp>
+      <p:sp>
+        <p:nvSpPr>
+          <p:cNvPr id="4" name="Footer Placeholder 3">
+            <a:extLst>
+              <a:ext uri="{FF2B5EF4-FFF2-40B4-BE49-F238E27FC236}">
+                <a16:creationId xmlns:a16="http://schemas.microsoft.com/office/drawing/2014/main" id="{7A4DD43A-10E5-4D6E-8367-F299840F6F6C}"/>
+              </a:ext>
+            </a:extLst>
+          </p:cNvPr>
+          <p:cNvSpPr>
+            <a:spLocks noGrp="1"/>
+          </p:cNvSpPr>
+          <p:nvPr>
+            <p:ph type="ftr" sz="quarter" idx="11"/>
+          </p:nvPr>
+        </p:nvSpPr>
+        <p:spPr>
+          <a:xfrm>
+            <a:off x="4038600" y="6356350"/>
+            <a:ext cx="4408714" cy="365125"/>
+          </a:xfrm>
+        </p:spPr>
+        <p:txBody>
+          <a:bodyPr/>
+          <a:lstStyle/>
+          <a:p>
+            <a:r>
+              <a:rPr lang="en-US" dirty="0"/>
+              <a:t>[1] Ulrike von Luxburg (2007), A Tutorial on Spectral Clustering </a:t>
+            </a:r>
+          </a:p>
+          <a:p>
             <a:endParaRPr lang="en-US" dirty="0"/>
           </a:p>
         </p:txBody>
@@ -6545,7 +8433,7 @@
 </p:sld>
 </file>
 
-<file path=ppt/slides/slide5.xml><?xml version="1.0" encoding="utf-8"?>
+<file path=ppt/slides/slide6.xml><?xml version="1.0" encoding="utf-8"?>
 <p:sld xmlns:a="http://schemas.openxmlformats.org/drawingml/2006/main" xmlns:r="http://schemas.openxmlformats.org/officeDocument/2006/relationships" xmlns:p="http://schemas.openxmlformats.org/presentationml/2006/main" showMasterPhAnim="0">
   <p:cSld>
     <p:spTree>
@@ -6917,10 +8805,10 @@
       </p:sp>
       <p:sp>
         <p:nvSpPr>
-          <p:cNvPr id="4" name="Slide Number Placeholder 3">
+          <p:cNvPr id="2" name="Footer Placeholder 1">
             <a:extLst>
               <a:ext uri="{FF2B5EF4-FFF2-40B4-BE49-F238E27FC236}">
-                <a16:creationId xmlns:a16="http://schemas.microsoft.com/office/drawing/2014/main" id="{3BD93E5A-AC95-4A18-8C8F-F5D6ADEC5F07}"/>
+                <a16:creationId xmlns:a16="http://schemas.microsoft.com/office/drawing/2014/main" id="{A2031B94-E117-466D-ABC0-A2E444B5B855}"/>
               </a:ext>
             </a:extLst>
           </p:cNvPr>
@@ -6928,7 +8816,7 @@
             <a:spLocks noGrp="1"/>
           </p:cNvSpPr>
           <p:nvPr>
-            <p:ph type="sldNum" sz="quarter" idx="12"/>
+            <p:ph type="ftr" sz="quarter" idx="11"/>
           </p:nvPr>
         </p:nvSpPr>
         <p:spPr/>
@@ -6936,12 +8824,7 @@
           <a:bodyPr/>
           <a:lstStyle/>
           <a:p>
-            <a:fld id="{62ED28E3-49D7-4342-8EB7-77AED11F79FB}" type="slidenum">
-              <a:rPr lang="en-CA" altLang="en-US"/>
-              <a:pPr/>
-              <a:t>5</a:t>
-            </a:fld>
-            <a:endParaRPr lang="en-CA" altLang="en-US" dirty="0"/>
+            <a:endParaRPr lang="en-US"/>
           </a:p>
         </p:txBody>
       </p:sp>
@@ -7398,7 +9281,7 @@
 </p:sld>
 </file>
 
-<file path=ppt/slides/slide6.xml><?xml version="1.0" encoding="utf-8"?>
+<file path=ppt/slides/slide7.xml><?xml version="1.0" encoding="utf-8"?>
 <p:sld xmlns:a="http://schemas.openxmlformats.org/drawingml/2006/main" xmlns:r="http://schemas.openxmlformats.org/officeDocument/2006/relationships" xmlns:p="http://schemas.openxmlformats.org/presentationml/2006/main">
   <p:cSld>
     <p:spTree>
@@ -11044,7 +12927,7 @@
           <a:graphicData uri="http://schemas.openxmlformats.org/presentationml/2006/ole">
             <mc:AlternateContent xmlns:mc="http://schemas.openxmlformats.org/markup-compatibility/2006">
               <mc:Choice xmlns:v="urn:schemas-microsoft-com:vml" Requires="v">
-                <p:oleObj spid="_x0000_s5123" name="Equation" r:id="rId3" imgW="1231560" imgH="914400" progId="Equation.3">
+                <p:oleObj spid="_x0000_s5126" name="Equation" r:id="rId3" imgW="1231560" imgH="914400" progId="Equation.3">
                   <p:embed/>
                 </p:oleObj>
               </mc:Choice>
@@ -11215,6 +13098,31 @@
           <a:lstStyle/>
           <a:p>
             <a:pPr algn="ctr"/>
+            <a:endParaRPr lang="en-US"/>
+          </a:p>
+        </p:txBody>
+      </p:sp>
+      <p:sp>
+        <p:nvSpPr>
+          <p:cNvPr id="3" name="Footer Placeholder 2">
+            <a:extLst>
+              <a:ext uri="{FF2B5EF4-FFF2-40B4-BE49-F238E27FC236}">
+                <a16:creationId xmlns:a16="http://schemas.microsoft.com/office/drawing/2014/main" id="{3C2A0B7C-33BF-4DE7-92E5-9E2CC2C569A2}"/>
+              </a:ext>
+            </a:extLst>
+          </p:cNvPr>
+          <p:cNvSpPr>
+            <a:spLocks noGrp="1"/>
+          </p:cNvSpPr>
+          <p:nvPr>
+            <p:ph type="ftr" sz="quarter" idx="11"/>
+          </p:nvPr>
+        </p:nvSpPr>
+        <p:spPr/>
+        <p:txBody>
+          <a:bodyPr/>
+          <a:lstStyle/>
+          <a:p>
             <a:endParaRPr lang="en-US"/>
           </a:p>
         </p:txBody>
@@ -11535,7 +13443,7 @@
 </p:sld>
 </file>
 
-<file path=ppt/slides/slide7.xml><?xml version="1.0" encoding="utf-8"?>
+<file path=ppt/slides/slide8.xml><?xml version="1.0" encoding="utf-8"?>
 <p:sld xmlns:a="http://schemas.openxmlformats.org/drawingml/2006/main" xmlns:r="http://schemas.openxmlformats.org/officeDocument/2006/relationships" xmlns:p="http://schemas.openxmlformats.org/presentationml/2006/main">
   <p:cSld>
     <p:spTree>
@@ -11609,6 +13517,31 @@
           </a:xfrm>
         </p:spPr>
       </p:pic>
+      <p:sp>
+        <p:nvSpPr>
+          <p:cNvPr id="3" name="Footer Placeholder 2">
+            <a:extLst>
+              <a:ext uri="{FF2B5EF4-FFF2-40B4-BE49-F238E27FC236}">
+                <a16:creationId xmlns:a16="http://schemas.microsoft.com/office/drawing/2014/main" id="{DCEDACE6-BE91-495F-9A09-1D9D3473565E}"/>
+              </a:ext>
+            </a:extLst>
+          </p:cNvPr>
+          <p:cNvSpPr>
+            <a:spLocks noGrp="1"/>
+          </p:cNvSpPr>
+          <p:nvPr>
+            <p:ph type="ftr" sz="quarter" idx="11"/>
+          </p:nvPr>
+        </p:nvSpPr>
+        <p:spPr/>
+        <p:txBody>
+          <a:bodyPr/>
+          <a:lstStyle/>
+          <a:p>
+            <a:endParaRPr lang="en-US"/>
+          </a:p>
+        </p:txBody>
+      </p:sp>
     </p:spTree>
     <p:extLst>
       <p:ext uri="{BB962C8B-B14F-4D97-AF65-F5344CB8AC3E}">
@@ -11622,7 +13555,7 @@
 </p:sld>
 </file>
 
-<file path=ppt/slides/slide8.xml><?xml version="1.0" encoding="utf-8"?>
+<file path=ppt/slides/slide9.xml><?xml version="1.0" encoding="utf-8"?>
 <p:sld xmlns:a="http://schemas.openxmlformats.org/drawingml/2006/main" xmlns:r="http://schemas.openxmlformats.org/officeDocument/2006/relationships" xmlns:p="http://schemas.openxmlformats.org/presentationml/2006/main">
   <p:cSld>
     <p:spTree>
@@ -15632,6 +17565,31 @@
           </a:p>
         </p:txBody>
       </p:sp>
+      <p:sp>
+        <p:nvSpPr>
+          <p:cNvPr id="3" name="Footer Placeholder 2">
+            <a:extLst>
+              <a:ext uri="{FF2B5EF4-FFF2-40B4-BE49-F238E27FC236}">
+                <a16:creationId xmlns:a16="http://schemas.microsoft.com/office/drawing/2014/main" id="{681ADC8B-7C19-4FA8-96F5-17C2FE2D4484}"/>
+              </a:ext>
+            </a:extLst>
+          </p:cNvPr>
+          <p:cNvSpPr>
+            <a:spLocks noGrp="1"/>
+          </p:cNvSpPr>
+          <p:nvPr>
+            <p:ph type="ftr" sz="quarter" idx="11"/>
+          </p:nvPr>
+        </p:nvSpPr>
+        <p:spPr/>
+        <p:txBody>
+          <a:bodyPr/>
+          <a:lstStyle/>
+          <a:p>
+            <a:endParaRPr lang="en-US"/>
+          </a:p>
+        </p:txBody>
+      </p:sp>
     </p:spTree>
     <p:extLst>
       <p:ext uri="{BB962C8B-B14F-4D97-AF65-F5344CB8AC3E}">
@@ -15854,93 +17812,6 @@
       </p:par>
     </p:tnLst>
   </p:timing>
-</p:sld>
-</file>
-
-<file path=ppt/slides/slide9.xml><?xml version="1.0" encoding="utf-8"?>
-<p:sld xmlns:a="http://schemas.openxmlformats.org/drawingml/2006/main" xmlns:r="http://schemas.openxmlformats.org/officeDocument/2006/relationships" xmlns:p="http://schemas.openxmlformats.org/presentationml/2006/main">
-  <p:cSld>
-    <p:spTree>
-      <p:nvGrpSpPr>
-        <p:cNvPr id="1" name=""/>
-        <p:cNvGrpSpPr/>
-        <p:nvPr/>
-      </p:nvGrpSpPr>
-      <p:grpSpPr>
-        <a:xfrm>
-          <a:off x="0" y="0"/>
-          <a:ext cx="0" cy="0"/>
-          <a:chOff x="0" y="0"/>
-          <a:chExt cx="0" cy="0"/>
-        </a:xfrm>
-      </p:grpSpPr>
-      <p:sp>
-        <p:nvSpPr>
-          <p:cNvPr id="2" name="Title 1">
-            <a:extLst>
-              <a:ext uri="{FF2B5EF4-FFF2-40B4-BE49-F238E27FC236}">
-                <a16:creationId xmlns:a16="http://schemas.microsoft.com/office/drawing/2014/main" id="{4CD30A91-8CE0-430A-9372-6DECEF380E4E}"/>
-              </a:ext>
-            </a:extLst>
-          </p:cNvPr>
-          <p:cNvSpPr>
-            <a:spLocks noGrp="1"/>
-          </p:cNvSpPr>
-          <p:nvPr>
-            <p:ph type="title"/>
-          </p:nvPr>
-        </p:nvSpPr>
-        <p:spPr/>
-        <p:txBody>
-          <a:bodyPr/>
-          <a:lstStyle/>
-          <a:p>
-            <a:r>
-              <a:rPr lang="en-US" dirty="0"/>
-              <a:t>Degree Matrix(D)</a:t>
-            </a:r>
-          </a:p>
-        </p:txBody>
-      </p:sp>
-      <p:pic>
-        <p:nvPicPr>
-          <p:cNvPr id="5" name="Content Placeholder 4">
-            <a:extLst>
-              <a:ext uri="{FF2B5EF4-FFF2-40B4-BE49-F238E27FC236}">
-                <a16:creationId xmlns:a16="http://schemas.microsoft.com/office/drawing/2014/main" id="{0327506A-DE35-4891-81EE-715ED21FAB30}"/>
-              </a:ext>
-            </a:extLst>
-          </p:cNvPr>
-          <p:cNvPicPr>
-            <a:picLocks noGrp="1" noChangeAspect="1"/>
-          </p:cNvPicPr>
-          <p:nvPr>
-            <p:ph idx="1"/>
-          </p:nvPr>
-        </p:nvPicPr>
-        <p:blipFill>
-          <a:blip r:embed="rId2"/>
-          <a:stretch>
-            <a:fillRect/>
-          </a:stretch>
-        </p:blipFill>
-        <p:spPr>
-          <a:xfrm>
-            <a:off x="969200" y="1476156"/>
-            <a:ext cx="7186841" cy="4351338"/>
-          </a:xfrm>
-        </p:spPr>
-      </p:pic>
-    </p:spTree>
-    <p:extLst>
-      <p:ext uri="{BB962C8B-B14F-4D97-AF65-F5344CB8AC3E}">
-        <p14:creationId xmlns:p14="http://schemas.microsoft.com/office/powerpoint/2010/main" val="2364306343"/>
-      </p:ext>
-    </p:extLst>
-  </p:cSld>
-  <p:clrMapOvr>
-    <a:masterClrMapping/>
-  </p:clrMapOvr>
 </p:sld>
 </file>
 
@@ -16237,4 +18108,594 @@
     </a:ext>
   </a:extLst>
 </a:theme>
+</file>
+
+<file path=ppt/theme/theme2.xml><?xml version="1.0" encoding="utf-8"?>
+<a:theme xmlns:a="http://schemas.openxmlformats.org/drawingml/2006/main" name="Office Theme">
+  <a:themeElements>
+    <a:clrScheme name="Office">
+      <a:dk1>
+        <a:sysClr val="windowText" lastClr="000000"/>
+      </a:dk1>
+      <a:lt1>
+        <a:sysClr val="window" lastClr="FFFFFF"/>
+      </a:lt1>
+      <a:dk2>
+        <a:srgbClr val="44546A"/>
+      </a:dk2>
+      <a:lt2>
+        <a:srgbClr val="E7E6E6"/>
+      </a:lt2>
+      <a:accent1>
+        <a:srgbClr val="4472C4"/>
+      </a:accent1>
+      <a:accent2>
+        <a:srgbClr val="ED7D31"/>
+      </a:accent2>
+      <a:accent3>
+        <a:srgbClr val="A5A5A5"/>
+      </a:accent3>
+      <a:accent4>
+        <a:srgbClr val="FFC000"/>
+      </a:accent4>
+      <a:accent5>
+        <a:srgbClr val="5B9BD5"/>
+      </a:accent5>
+      <a:accent6>
+        <a:srgbClr val="70AD47"/>
+      </a:accent6>
+      <a:hlink>
+        <a:srgbClr val="0563C1"/>
+      </a:hlink>
+      <a:folHlink>
+        <a:srgbClr val="954F72"/>
+      </a:folHlink>
+    </a:clrScheme>
+    <a:fontScheme name="Office">
+      <a:majorFont>
+        <a:latin typeface="Calibri Light" panose="020F0302020204030204"/>
+        <a:ea typeface=""/>
+        <a:cs typeface=""/>
+        <a:font script="Jpan" typeface="游ゴシック Light"/>
+        <a:font script="Hang" typeface="맑은 고딕"/>
+        <a:font script="Hans" typeface="等线 Light"/>
+        <a:font script="Hant" typeface="新細明體"/>
+        <a:font script="Arab" typeface="Times New Roman"/>
+        <a:font script="Hebr" typeface="Times New Roman"/>
+        <a:font script="Thai" typeface="Angsana New"/>
+        <a:font script="Ethi" typeface="Nyala"/>
+        <a:font script="Beng" typeface="Vrinda"/>
+        <a:font script="Gujr" typeface="Shruti"/>
+        <a:font script="Khmr" typeface="MoolBoran"/>
+        <a:font script="Knda" typeface="Tunga"/>
+        <a:font script="Guru" typeface="Raavi"/>
+        <a:font script="Cans" typeface="Euphemia"/>
+        <a:font script="Cher" typeface="Plantagenet Cherokee"/>
+        <a:font script="Yiii" typeface="Microsoft Yi Baiti"/>
+        <a:font script="Tibt" typeface="Microsoft Himalaya"/>
+        <a:font script="Thaa" typeface="MV Boli"/>
+        <a:font script="Deva" typeface="Mangal"/>
+        <a:font script="Telu" typeface="Gautami"/>
+        <a:font script="Taml" typeface="Latha"/>
+        <a:font script="Syrc" typeface="Estrangelo Edessa"/>
+        <a:font script="Orya" typeface="Kalinga"/>
+        <a:font script="Mlym" typeface="Kartika"/>
+        <a:font script="Laoo" typeface="DokChampa"/>
+        <a:font script="Sinh" typeface="Iskoola Pota"/>
+        <a:font script="Mong" typeface="Mongolian Baiti"/>
+        <a:font script="Viet" typeface="Times New Roman"/>
+        <a:font script="Uigh" typeface="Microsoft Uighur"/>
+        <a:font script="Geor" typeface="Sylfaen"/>
+        <a:font script="Armn" typeface="Arial"/>
+        <a:font script="Bugi" typeface="Leelawadee UI"/>
+        <a:font script="Bopo" typeface="Microsoft JhengHei"/>
+        <a:font script="Java" typeface="Javanese Text"/>
+        <a:font script="Lisu" typeface="Segoe UI"/>
+        <a:font script="Mymr" typeface="Myanmar Text"/>
+        <a:font script="Nkoo" typeface="Ebrima"/>
+        <a:font script="Olck" typeface="Nirmala UI"/>
+        <a:font script="Osma" typeface="Ebrima"/>
+        <a:font script="Phag" typeface="Phagspa"/>
+        <a:font script="Syrn" typeface="Estrangelo Edessa"/>
+        <a:font script="Syrj" typeface="Estrangelo Edessa"/>
+        <a:font script="Syre" typeface="Estrangelo Edessa"/>
+        <a:font script="Sora" typeface="Nirmala UI"/>
+        <a:font script="Tale" typeface="Microsoft Tai Le"/>
+        <a:font script="Talu" typeface="Microsoft New Tai Lue"/>
+        <a:font script="Tfng" typeface="Ebrima"/>
+      </a:majorFont>
+      <a:minorFont>
+        <a:latin typeface="Calibri" panose="020F0502020204030204"/>
+        <a:ea typeface=""/>
+        <a:cs typeface=""/>
+        <a:font script="Jpan" typeface="游ゴシック"/>
+        <a:font script="Hang" typeface="맑은 고딕"/>
+        <a:font script="Hans" typeface="等线"/>
+        <a:font script="Hant" typeface="新細明體"/>
+        <a:font script="Arab" typeface="Arial"/>
+        <a:font script="Hebr" typeface="Arial"/>
+        <a:font script="Thai" typeface="Cordia New"/>
+        <a:font script="Ethi" typeface="Nyala"/>
+        <a:font script="Beng" typeface="Vrinda"/>
+        <a:font script="Gujr" typeface="Shruti"/>
+        <a:font script="Khmr" typeface="DaunPenh"/>
+        <a:font script="Knda" typeface="Tunga"/>
+        <a:font script="Guru" typeface="Raavi"/>
+        <a:font script="Cans" typeface="Euphemia"/>
+        <a:font script="Cher" typeface="Plantagenet Cherokee"/>
+        <a:font script="Yiii" typeface="Microsoft Yi Baiti"/>
+        <a:font script="Tibt" typeface="Microsoft Himalaya"/>
+        <a:font script="Thaa" typeface="MV Boli"/>
+        <a:font script="Deva" typeface="Mangal"/>
+        <a:font script="Telu" typeface="Gautami"/>
+        <a:font script="Taml" typeface="Latha"/>
+        <a:font script="Syrc" typeface="Estrangelo Edessa"/>
+        <a:font script="Orya" typeface="Kalinga"/>
+        <a:font script="Mlym" typeface="Kartika"/>
+        <a:font script="Laoo" typeface="DokChampa"/>
+        <a:font script="Sinh" typeface="Iskoola Pota"/>
+        <a:font script="Mong" typeface="Mongolian Baiti"/>
+        <a:font script="Viet" typeface="Arial"/>
+        <a:font script="Uigh" typeface="Microsoft Uighur"/>
+        <a:font script="Geor" typeface="Sylfaen"/>
+        <a:font script="Armn" typeface="Arial"/>
+        <a:font script="Bugi" typeface="Leelawadee UI"/>
+        <a:font script="Bopo" typeface="Microsoft JhengHei"/>
+        <a:font script="Java" typeface="Javanese Text"/>
+        <a:font script="Lisu" typeface="Segoe UI"/>
+        <a:font script="Mymr" typeface="Myanmar Text"/>
+        <a:font script="Nkoo" typeface="Ebrima"/>
+        <a:font script="Olck" typeface="Nirmala UI"/>
+        <a:font script="Osma" typeface="Ebrima"/>
+        <a:font script="Phag" typeface="Phagspa"/>
+        <a:font script="Syrn" typeface="Estrangelo Edessa"/>
+        <a:font script="Syrj" typeface="Estrangelo Edessa"/>
+        <a:font script="Syre" typeface="Estrangelo Edessa"/>
+        <a:font script="Sora" typeface="Nirmala UI"/>
+        <a:font script="Tale" typeface="Microsoft Tai Le"/>
+        <a:font script="Talu" typeface="Microsoft New Tai Lue"/>
+        <a:font script="Tfng" typeface="Ebrima"/>
+      </a:minorFont>
+    </a:fontScheme>
+    <a:fmtScheme name="Office">
+      <a:fillStyleLst>
+        <a:solidFill>
+          <a:schemeClr val="phClr"/>
+        </a:solidFill>
+        <a:gradFill rotWithShape="1">
+          <a:gsLst>
+            <a:gs pos="0">
+              <a:schemeClr val="phClr">
+                <a:lumMod val="110000"/>
+                <a:satMod val="105000"/>
+                <a:tint val="67000"/>
+              </a:schemeClr>
+            </a:gs>
+            <a:gs pos="50000">
+              <a:schemeClr val="phClr">
+                <a:lumMod val="105000"/>
+                <a:satMod val="103000"/>
+                <a:tint val="73000"/>
+              </a:schemeClr>
+            </a:gs>
+            <a:gs pos="100000">
+              <a:schemeClr val="phClr">
+                <a:lumMod val="105000"/>
+                <a:satMod val="109000"/>
+                <a:tint val="81000"/>
+              </a:schemeClr>
+            </a:gs>
+          </a:gsLst>
+          <a:lin ang="5400000" scaled="0"/>
+        </a:gradFill>
+        <a:gradFill rotWithShape="1">
+          <a:gsLst>
+            <a:gs pos="0">
+              <a:schemeClr val="phClr">
+                <a:satMod val="103000"/>
+                <a:lumMod val="102000"/>
+                <a:tint val="94000"/>
+              </a:schemeClr>
+            </a:gs>
+            <a:gs pos="50000">
+              <a:schemeClr val="phClr">
+                <a:satMod val="110000"/>
+                <a:lumMod val="100000"/>
+                <a:shade val="100000"/>
+              </a:schemeClr>
+            </a:gs>
+            <a:gs pos="100000">
+              <a:schemeClr val="phClr">
+                <a:lumMod val="99000"/>
+                <a:satMod val="120000"/>
+                <a:shade val="78000"/>
+              </a:schemeClr>
+            </a:gs>
+          </a:gsLst>
+          <a:lin ang="5400000" scaled="0"/>
+        </a:gradFill>
+      </a:fillStyleLst>
+      <a:lnStyleLst>
+        <a:ln w="6350" cap="flat" cmpd="sng" algn="ctr">
+          <a:solidFill>
+            <a:schemeClr val="phClr"/>
+          </a:solidFill>
+          <a:prstDash val="solid"/>
+          <a:miter lim="800000"/>
+        </a:ln>
+        <a:ln w="12700" cap="flat" cmpd="sng" algn="ctr">
+          <a:solidFill>
+            <a:schemeClr val="phClr"/>
+          </a:solidFill>
+          <a:prstDash val="solid"/>
+          <a:miter lim="800000"/>
+        </a:ln>
+        <a:ln w="19050" cap="flat" cmpd="sng" algn="ctr">
+          <a:solidFill>
+            <a:schemeClr val="phClr"/>
+          </a:solidFill>
+          <a:prstDash val="solid"/>
+          <a:miter lim="800000"/>
+        </a:ln>
+      </a:lnStyleLst>
+      <a:effectStyleLst>
+        <a:effectStyle>
+          <a:effectLst/>
+        </a:effectStyle>
+        <a:effectStyle>
+          <a:effectLst/>
+        </a:effectStyle>
+        <a:effectStyle>
+          <a:effectLst>
+            <a:outerShdw blurRad="57150" dist="19050" dir="5400000" algn="ctr" rotWithShape="0">
+              <a:srgbClr val="000000">
+                <a:alpha val="63000"/>
+              </a:srgbClr>
+            </a:outerShdw>
+          </a:effectLst>
+        </a:effectStyle>
+      </a:effectStyleLst>
+      <a:bgFillStyleLst>
+        <a:solidFill>
+          <a:schemeClr val="phClr"/>
+        </a:solidFill>
+        <a:solidFill>
+          <a:schemeClr val="phClr">
+            <a:tint val="95000"/>
+            <a:satMod val="170000"/>
+          </a:schemeClr>
+        </a:solidFill>
+        <a:gradFill rotWithShape="1">
+          <a:gsLst>
+            <a:gs pos="0">
+              <a:schemeClr val="phClr">
+                <a:tint val="93000"/>
+                <a:satMod val="150000"/>
+                <a:shade val="98000"/>
+                <a:lumMod val="102000"/>
+              </a:schemeClr>
+            </a:gs>
+            <a:gs pos="50000">
+              <a:schemeClr val="phClr">
+                <a:tint val="98000"/>
+                <a:satMod val="130000"/>
+                <a:shade val="90000"/>
+                <a:lumMod val="103000"/>
+              </a:schemeClr>
+            </a:gs>
+            <a:gs pos="100000">
+              <a:schemeClr val="phClr">
+                <a:shade val="63000"/>
+                <a:satMod val="120000"/>
+              </a:schemeClr>
+            </a:gs>
+          </a:gsLst>
+          <a:lin ang="5400000" scaled="0"/>
+        </a:gradFill>
+      </a:bgFillStyleLst>
+    </a:fmtScheme>
+  </a:themeElements>
+  <a:objectDefaults/>
+  <a:extraClrSchemeLst/>
+  <a:extLst>
+    <a:ext uri="{05A4C25C-085E-4340-85A3-A5531E510DB2}">
+      <thm15:themeFamily xmlns:thm15="http://schemas.microsoft.com/office/thememl/2012/main" name="Office Theme" id="{62F939B6-93AF-4DB8-9C6B-D6C7DFDC589F}" vid="{4A3C46E8-61CC-4603-A589-7422A47A8E4A}"/>
+    </a:ext>
+  </a:extLst>
+</a:theme>
+</file>
+
+<file path=ppt/theme/theme3.xml><?xml version="1.0" encoding="utf-8"?>
+<a:theme xmlns:a="http://schemas.openxmlformats.org/drawingml/2006/main" name="Office Theme">
+  <a:themeElements>
+    <a:clrScheme name="Office">
+      <a:dk1>
+        <a:sysClr val="windowText" lastClr="000000"/>
+      </a:dk1>
+      <a:lt1>
+        <a:sysClr val="window" lastClr="FFFFFF"/>
+      </a:lt1>
+      <a:dk2>
+        <a:srgbClr val="44546A"/>
+      </a:dk2>
+      <a:lt2>
+        <a:srgbClr val="E7E6E6"/>
+      </a:lt2>
+      <a:accent1>
+        <a:srgbClr val="4472C4"/>
+      </a:accent1>
+      <a:accent2>
+        <a:srgbClr val="ED7D31"/>
+      </a:accent2>
+      <a:accent3>
+        <a:srgbClr val="A5A5A5"/>
+      </a:accent3>
+      <a:accent4>
+        <a:srgbClr val="FFC000"/>
+      </a:accent4>
+      <a:accent5>
+        <a:srgbClr val="5B9BD5"/>
+      </a:accent5>
+      <a:accent6>
+        <a:srgbClr val="70AD47"/>
+      </a:accent6>
+      <a:hlink>
+        <a:srgbClr val="0563C1"/>
+      </a:hlink>
+      <a:folHlink>
+        <a:srgbClr val="954F72"/>
+      </a:folHlink>
+    </a:clrScheme>
+    <a:fontScheme name="Office">
+      <a:majorFont>
+        <a:latin typeface="Calibri Light" panose="020F0302020204030204"/>
+        <a:ea typeface=""/>
+        <a:cs typeface=""/>
+        <a:font script="Jpan" typeface="游ゴシック Light"/>
+        <a:font script="Hang" typeface="맑은 고딕"/>
+        <a:font script="Hans" typeface="等线 Light"/>
+        <a:font script="Hant" typeface="新細明體"/>
+        <a:font script="Arab" typeface="Times New Roman"/>
+        <a:font script="Hebr" typeface="Times New Roman"/>
+        <a:font script="Thai" typeface="Angsana New"/>
+        <a:font script="Ethi" typeface="Nyala"/>
+        <a:font script="Beng" typeface="Vrinda"/>
+        <a:font script="Gujr" typeface="Shruti"/>
+        <a:font script="Khmr" typeface="MoolBoran"/>
+        <a:font script="Knda" typeface="Tunga"/>
+        <a:font script="Guru" typeface="Raavi"/>
+        <a:font script="Cans" typeface="Euphemia"/>
+        <a:font script="Cher" typeface="Plantagenet Cherokee"/>
+        <a:font script="Yiii" typeface="Microsoft Yi Baiti"/>
+        <a:font script="Tibt" typeface="Microsoft Himalaya"/>
+        <a:font script="Thaa" typeface="MV Boli"/>
+        <a:font script="Deva" typeface="Mangal"/>
+        <a:font script="Telu" typeface="Gautami"/>
+        <a:font script="Taml" typeface="Latha"/>
+        <a:font script="Syrc" typeface="Estrangelo Edessa"/>
+        <a:font script="Orya" typeface="Kalinga"/>
+        <a:font script="Mlym" typeface="Kartika"/>
+        <a:font script="Laoo" typeface="DokChampa"/>
+        <a:font script="Sinh" typeface="Iskoola Pota"/>
+        <a:font script="Mong" typeface="Mongolian Baiti"/>
+        <a:font script="Viet" typeface="Times New Roman"/>
+        <a:font script="Uigh" typeface="Microsoft Uighur"/>
+        <a:font script="Geor" typeface="Sylfaen"/>
+        <a:font script="Armn" typeface="Arial"/>
+        <a:font script="Bugi" typeface="Leelawadee UI"/>
+        <a:font script="Bopo" typeface="Microsoft JhengHei"/>
+        <a:font script="Java" typeface="Javanese Text"/>
+        <a:font script="Lisu" typeface="Segoe UI"/>
+        <a:font script="Mymr" typeface="Myanmar Text"/>
+        <a:font script="Nkoo" typeface="Ebrima"/>
+        <a:font script="Olck" typeface="Nirmala UI"/>
+        <a:font script="Osma" typeface="Ebrima"/>
+        <a:font script="Phag" typeface="Phagspa"/>
+        <a:font script="Syrn" typeface="Estrangelo Edessa"/>
+        <a:font script="Syrj" typeface="Estrangelo Edessa"/>
+        <a:font script="Syre" typeface="Estrangelo Edessa"/>
+        <a:font script="Sora" typeface="Nirmala UI"/>
+        <a:font script="Tale" typeface="Microsoft Tai Le"/>
+        <a:font script="Talu" typeface="Microsoft New Tai Lue"/>
+        <a:font script="Tfng" typeface="Ebrima"/>
+      </a:majorFont>
+      <a:minorFont>
+        <a:latin typeface="Calibri" panose="020F0502020204030204"/>
+        <a:ea typeface=""/>
+        <a:cs typeface=""/>
+        <a:font script="Jpan" typeface="游ゴシック"/>
+        <a:font script="Hang" typeface="맑은 고딕"/>
+        <a:font script="Hans" typeface="等线"/>
+        <a:font script="Hant" typeface="新細明體"/>
+        <a:font script="Arab" typeface="Arial"/>
+        <a:font script="Hebr" typeface="Arial"/>
+        <a:font script="Thai" typeface="Cordia New"/>
+        <a:font script="Ethi" typeface="Nyala"/>
+        <a:font script="Beng" typeface="Vrinda"/>
+        <a:font script="Gujr" typeface="Shruti"/>
+        <a:font script="Khmr" typeface="DaunPenh"/>
+        <a:font script="Knda" typeface="Tunga"/>
+        <a:font script="Guru" typeface="Raavi"/>
+        <a:font script="Cans" typeface="Euphemia"/>
+        <a:font script="Cher" typeface="Plantagenet Cherokee"/>
+        <a:font script="Yiii" typeface="Microsoft Yi Baiti"/>
+        <a:font script="Tibt" typeface="Microsoft Himalaya"/>
+        <a:font script="Thaa" typeface="MV Boli"/>
+        <a:font script="Deva" typeface="Mangal"/>
+        <a:font script="Telu" typeface="Gautami"/>
+        <a:font script="Taml" typeface="Latha"/>
+        <a:font script="Syrc" typeface="Estrangelo Edessa"/>
+        <a:font script="Orya" typeface="Kalinga"/>
+        <a:font script="Mlym" typeface="Kartika"/>
+        <a:font script="Laoo" typeface="DokChampa"/>
+        <a:font script="Sinh" typeface="Iskoola Pota"/>
+        <a:font script="Mong" typeface="Mongolian Baiti"/>
+        <a:font script="Viet" typeface="Arial"/>
+        <a:font script="Uigh" typeface="Microsoft Uighur"/>
+        <a:font script="Geor" typeface="Sylfaen"/>
+        <a:font script="Armn" typeface="Arial"/>
+        <a:font script="Bugi" typeface="Leelawadee UI"/>
+        <a:font script="Bopo" typeface="Microsoft JhengHei"/>
+        <a:font script="Java" typeface="Javanese Text"/>
+        <a:font script="Lisu" typeface="Segoe UI"/>
+        <a:font script="Mymr" typeface="Myanmar Text"/>
+        <a:font script="Nkoo" typeface="Ebrima"/>
+        <a:font script="Olck" typeface="Nirmala UI"/>
+        <a:font script="Osma" typeface="Ebrima"/>
+        <a:font script="Phag" typeface="Phagspa"/>
+        <a:font script="Syrn" typeface="Estrangelo Edessa"/>
+        <a:font script="Syrj" typeface="Estrangelo Edessa"/>
+        <a:font script="Syre" typeface="Estrangelo Edessa"/>
+        <a:font script="Sora" typeface="Nirmala UI"/>
+        <a:font script="Tale" typeface="Microsoft Tai Le"/>
+        <a:font script="Talu" typeface="Microsoft New Tai Lue"/>
+        <a:font script="Tfng" typeface="Ebrima"/>
+      </a:minorFont>
+    </a:fontScheme>
+    <a:fmtScheme name="Office">
+      <a:fillStyleLst>
+        <a:solidFill>
+          <a:schemeClr val="phClr"/>
+        </a:solidFill>
+        <a:gradFill rotWithShape="1">
+          <a:gsLst>
+            <a:gs pos="0">
+              <a:schemeClr val="phClr">
+                <a:lumMod val="110000"/>
+                <a:satMod val="105000"/>
+                <a:tint val="67000"/>
+              </a:schemeClr>
+            </a:gs>
+            <a:gs pos="50000">
+              <a:schemeClr val="phClr">
+                <a:lumMod val="105000"/>
+                <a:satMod val="103000"/>
+                <a:tint val="73000"/>
+              </a:schemeClr>
+            </a:gs>
+            <a:gs pos="100000">
+              <a:schemeClr val="phClr">
+                <a:lumMod val="105000"/>
+                <a:satMod val="109000"/>
+                <a:tint val="81000"/>
+              </a:schemeClr>
+            </a:gs>
+          </a:gsLst>
+          <a:lin ang="5400000" scaled="0"/>
+        </a:gradFill>
+        <a:gradFill rotWithShape="1">
+          <a:gsLst>
+            <a:gs pos="0">
+              <a:schemeClr val="phClr">
+                <a:satMod val="103000"/>
+                <a:lumMod val="102000"/>
+                <a:tint val="94000"/>
+              </a:schemeClr>
+            </a:gs>
+            <a:gs pos="50000">
+              <a:schemeClr val="phClr">
+                <a:satMod val="110000"/>
+                <a:lumMod val="100000"/>
+                <a:shade val="100000"/>
+              </a:schemeClr>
+            </a:gs>
+            <a:gs pos="100000">
+              <a:schemeClr val="phClr">
+                <a:lumMod val="99000"/>
+                <a:satMod val="120000"/>
+                <a:shade val="78000"/>
+              </a:schemeClr>
+            </a:gs>
+          </a:gsLst>
+          <a:lin ang="5400000" scaled="0"/>
+        </a:gradFill>
+      </a:fillStyleLst>
+      <a:lnStyleLst>
+        <a:ln w="6350" cap="flat" cmpd="sng" algn="ctr">
+          <a:solidFill>
+            <a:schemeClr val="phClr"/>
+          </a:solidFill>
+          <a:prstDash val="solid"/>
+          <a:miter lim="800000"/>
+        </a:ln>
+        <a:ln w="12700" cap="flat" cmpd="sng" algn="ctr">
+          <a:solidFill>
+            <a:schemeClr val="phClr"/>
+          </a:solidFill>
+          <a:prstDash val="solid"/>
+          <a:miter lim="800000"/>
+        </a:ln>
+        <a:ln w="19050" cap="flat" cmpd="sng" algn="ctr">
+          <a:solidFill>
+            <a:schemeClr val="phClr"/>
+          </a:solidFill>
+          <a:prstDash val="solid"/>
+          <a:miter lim="800000"/>
+        </a:ln>
+      </a:lnStyleLst>
+      <a:effectStyleLst>
+        <a:effectStyle>
+          <a:effectLst/>
+        </a:effectStyle>
+        <a:effectStyle>
+          <a:effectLst/>
+        </a:effectStyle>
+        <a:effectStyle>
+          <a:effectLst>
+            <a:outerShdw blurRad="57150" dist="19050" dir="5400000" algn="ctr" rotWithShape="0">
+              <a:srgbClr val="000000">
+                <a:alpha val="63000"/>
+              </a:srgbClr>
+            </a:outerShdw>
+          </a:effectLst>
+        </a:effectStyle>
+      </a:effectStyleLst>
+      <a:bgFillStyleLst>
+        <a:solidFill>
+          <a:schemeClr val="phClr"/>
+        </a:solidFill>
+        <a:solidFill>
+          <a:schemeClr val="phClr">
+            <a:tint val="95000"/>
+            <a:satMod val="170000"/>
+          </a:schemeClr>
+        </a:solidFill>
+        <a:gradFill rotWithShape="1">
+          <a:gsLst>
+            <a:gs pos="0">
+              <a:schemeClr val="phClr">
+                <a:tint val="93000"/>
+                <a:satMod val="150000"/>
+                <a:shade val="98000"/>
+                <a:lumMod val="102000"/>
+              </a:schemeClr>
+            </a:gs>
+            <a:gs pos="50000">
+              <a:schemeClr val="phClr">
+                <a:tint val="98000"/>
+                <a:satMod val="130000"/>
+                <a:shade val="90000"/>
+                <a:lumMod val="103000"/>
+              </a:schemeClr>
+            </a:gs>
+            <a:gs pos="100000">
+              <a:schemeClr val="phClr">
+                <a:shade val="63000"/>
+                <a:satMod val="120000"/>
+              </a:schemeClr>
+            </a:gs>
+          </a:gsLst>
+          <a:lin ang="5400000" scaled="0"/>
+        </a:gradFill>
+      </a:bgFillStyleLst>
+    </a:fmtScheme>
+  </a:themeElements>
+  <a:objectDefaults/>
+  <a:extraClrSchemeLst/>
+  <a:extLst>
+    <a:ext uri="{05A4C25C-085E-4340-85A3-A5531E510DB2}">
+      <thm15:themeFamily xmlns:thm15="http://schemas.microsoft.com/office/thememl/2012/main" name="Office Theme" id="{62F939B6-93AF-4DB8-9C6B-D6C7DFDC589F}" vid="{4A3C46E8-61CC-4603-A589-7422A47A8E4A}"/>
+    </a:ext>
+  </a:extLst>
+</a:theme>
 </file>